--- a/ppt/进程的切换和系统的一般执行过程.pptx
+++ b/ppt/进程的切换和系统的一般执行过程.pptx
@@ -2,55 +2,56 @@
 <file path=ppt/presentation.xml><?xml version="1.0" encoding="utf-8"?>
 <p:presentation xmlns:a="http://schemas.openxmlformats.org/drawingml/2006/main" xmlns:r="http://schemas.openxmlformats.org/officeDocument/2006/relationships" xmlns:p="http://schemas.openxmlformats.org/presentationml/2006/main">
   <p:sldMasterIdLst>
-    <p:sldMasterId id="2147483648" r:id="rId5"/>
+    <p:sldMasterId id="2147483648" r:id="rId1"/>
   </p:sldMasterIdLst>
   <p:notesMasterIdLst>
-    <p:notesMasterId r:id="rId7"/>
+    <p:notesMasterId r:id="rId47"/>
   </p:notesMasterIdLst>
   <p:sldIdLst>
-    <p:sldId id="256" r:id="rId8"/>
-    <p:sldId id="257" r:id="rId9"/>
-    <p:sldId id="258" r:id="rId10"/>
-    <p:sldId id="259" r:id="rId11"/>
-    <p:sldId id="260" r:id="rId12"/>
-    <p:sldId id="261" r:id="rId13"/>
-    <p:sldId id="262" r:id="rId14"/>
-    <p:sldId id="263" r:id="rId15"/>
-    <p:sldId id="264" r:id="rId16"/>
-    <p:sldId id="265" r:id="rId17"/>
-    <p:sldId id="266" r:id="rId18"/>
-    <p:sldId id="267" r:id="rId19"/>
-    <p:sldId id="268" r:id="rId20"/>
-    <p:sldId id="269" r:id="rId21"/>
-    <p:sldId id="270" r:id="rId22"/>
-    <p:sldId id="271" r:id="rId23"/>
-    <p:sldId id="272" r:id="rId24"/>
-    <p:sldId id="273" r:id="rId25"/>
-    <p:sldId id="274" r:id="rId26"/>
-    <p:sldId id="275" r:id="rId27"/>
-    <p:sldId id="276" r:id="rId28"/>
-    <p:sldId id="277" r:id="rId29"/>
-    <p:sldId id="278" r:id="rId30"/>
-    <p:sldId id="279" r:id="rId31"/>
-    <p:sldId id="280" r:id="rId32"/>
-    <p:sldId id="281" r:id="rId33"/>
-    <p:sldId id="282" r:id="rId34"/>
-    <p:sldId id="283" r:id="rId35"/>
-    <p:sldId id="284" r:id="rId36"/>
-    <p:sldId id="285" r:id="rId37"/>
-    <p:sldId id="286" r:id="rId38"/>
-    <p:sldId id="287" r:id="rId39"/>
-    <p:sldId id="288" r:id="rId40"/>
-    <p:sldId id="289" r:id="rId41"/>
-    <p:sldId id="290" r:id="rId42"/>
-    <p:sldId id="291" r:id="rId43"/>
-    <p:sldId id="292" r:id="rId44"/>
-    <p:sldId id="293" r:id="rId45"/>
-    <p:sldId id="294" r:id="rId46"/>
-    <p:sldId id="295" r:id="rId47"/>
-    <p:sldId id="296" r:id="rId48"/>
-    <p:sldId id="297" r:id="rId49"/>
-    <p:sldId id="298" r:id="rId50"/>
+    <p:sldId id="256" r:id="rId3"/>
+    <p:sldId id="257" r:id="rId4"/>
+    <p:sldId id="258" r:id="rId5"/>
+    <p:sldId id="259" r:id="rId6"/>
+    <p:sldId id="260" r:id="rId7"/>
+    <p:sldId id="261" r:id="rId8"/>
+    <p:sldId id="262" r:id="rId9"/>
+    <p:sldId id="263" r:id="rId10"/>
+    <p:sldId id="264" r:id="rId11"/>
+    <p:sldId id="265" r:id="rId12"/>
+    <p:sldId id="266" r:id="rId13"/>
+    <p:sldId id="267" r:id="rId14"/>
+    <p:sldId id="268" r:id="rId15"/>
+    <p:sldId id="269" r:id="rId16"/>
+    <p:sldId id="270" r:id="rId17"/>
+    <p:sldId id="271" r:id="rId18"/>
+    <p:sldId id="272" r:id="rId19"/>
+    <p:sldId id="273" r:id="rId20"/>
+    <p:sldId id="274" r:id="rId21"/>
+    <p:sldId id="275" r:id="rId22"/>
+    <p:sldId id="276" r:id="rId23"/>
+    <p:sldId id="277" r:id="rId24"/>
+    <p:sldId id="278" r:id="rId25"/>
+    <p:sldId id="279" r:id="rId26"/>
+    <p:sldId id="280" r:id="rId27"/>
+    <p:sldId id="281" r:id="rId28"/>
+    <p:sldId id="282" r:id="rId29"/>
+    <p:sldId id="283" r:id="rId30"/>
+    <p:sldId id="284" r:id="rId31"/>
+    <p:sldId id="285" r:id="rId32"/>
+    <p:sldId id="286" r:id="rId33"/>
+    <p:sldId id="287" r:id="rId34"/>
+    <p:sldId id="288" r:id="rId35"/>
+    <p:sldId id="289" r:id="rId36"/>
+    <p:sldId id="290" r:id="rId37"/>
+    <p:sldId id="291" r:id="rId38"/>
+    <p:sldId id="292" r:id="rId39"/>
+    <p:sldId id="293" r:id="rId40"/>
+    <p:sldId id="294" r:id="rId41"/>
+    <p:sldId id="295" r:id="rId42"/>
+    <p:sldId id="296" r:id="rId43"/>
+    <p:sldId id="297" r:id="rId44"/>
+    <p:sldId id="298" r:id="rId45"/>
+    <p:sldId id="300" r:id="rId46"/>
   </p:sldIdLst>
   <p:sldSz cx="24384000" cy="13716000"/>
   <p:notesSz cx="6858000" cy="9144000"/>
@@ -69,8 +70,7 @@
       <a:buSzTx/>
       <a:buFontTx/>
       <a:buNone/>
-      <a:tabLst/>
-      <a:defRPr b="0" baseline="0" cap="none" i="0" spc="0" strike="noStrike" sz="1800" u="none" kumimoji="0" normalizeH="0">
+      <a:defRPr kumimoji="0" sz="1800" b="0" i="0" u="none" strike="noStrike" cap="none" spc="0" normalizeH="0" baseline="0">
         <a:ln>
           <a:noFill/>
         </a:ln>
@@ -95,8 +95,7 @@
       <a:buSzTx/>
       <a:buFontTx/>
       <a:buNone/>
-      <a:tabLst/>
-      <a:defRPr b="0" baseline="0" cap="none" i="0" spc="0" strike="noStrike" sz="5000" u="none" kumimoji="0" normalizeH="0">
+      <a:defRPr kumimoji="0" sz="5000" b="0" i="0" u="none" strike="noStrike" cap="none" spc="0" normalizeH="0" baseline="0">
         <a:ln>
           <a:noFill/>
         </a:ln>
@@ -125,8 +124,7 @@
       <a:buSzTx/>
       <a:buFontTx/>
       <a:buNone/>
-      <a:tabLst/>
-      <a:defRPr b="0" baseline="0" cap="none" i="0" spc="0" strike="noStrike" sz="5000" u="none" kumimoji="0" normalizeH="0">
+      <a:defRPr kumimoji="0" sz="5000" b="0" i="0" u="none" strike="noStrike" cap="none" spc="0" normalizeH="0" baseline="0">
         <a:ln>
           <a:noFill/>
         </a:ln>
@@ -155,8 +153,7 @@
       <a:buSzTx/>
       <a:buFontTx/>
       <a:buNone/>
-      <a:tabLst/>
-      <a:defRPr b="0" baseline="0" cap="none" i="0" spc="0" strike="noStrike" sz="5000" u="none" kumimoji="0" normalizeH="0">
+      <a:defRPr kumimoji="0" sz="5000" b="0" i="0" u="none" strike="noStrike" cap="none" spc="0" normalizeH="0" baseline="0">
         <a:ln>
           <a:noFill/>
         </a:ln>
@@ -185,8 +182,7 @@
       <a:buSzTx/>
       <a:buFontTx/>
       <a:buNone/>
-      <a:tabLst/>
-      <a:defRPr b="0" baseline="0" cap="none" i="0" spc="0" strike="noStrike" sz="5000" u="none" kumimoji="0" normalizeH="0">
+      <a:defRPr kumimoji="0" sz="5000" b="0" i="0" u="none" strike="noStrike" cap="none" spc="0" normalizeH="0" baseline="0">
         <a:ln>
           <a:noFill/>
         </a:ln>
@@ -215,8 +211,7 @@
       <a:buSzTx/>
       <a:buFontTx/>
       <a:buNone/>
-      <a:tabLst/>
-      <a:defRPr b="0" baseline="0" cap="none" i="0" spc="0" strike="noStrike" sz="5000" u="none" kumimoji="0" normalizeH="0">
+      <a:defRPr kumimoji="0" sz="5000" b="0" i="0" u="none" strike="noStrike" cap="none" spc="0" normalizeH="0" baseline="0">
         <a:ln>
           <a:noFill/>
         </a:ln>
@@ -245,8 +240,7 @@
       <a:buSzTx/>
       <a:buFontTx/>
       <a:buNone/>
-      <a:tabLst/>
-      <a:defRPr b="0" baseline="0" cap="none" i="0" spc="0" strike="noStrike" sz="5000" u="none" kumimoji="0" normalizeH="0">
+      <a:defRPr kumimoji="0" sz="5000" b="0" i="0" u="none" strike="noStrike" cap="none" spc="0" normalizeH="0" baseline="0">
         <a:ln>
           <a:noFill/>
         </a:ln>
@@ -275,8 +269,7 @@
       <a:buSzTx/>
       <a:buFontTx/>
       <a:buNone/>
-      <a:tabLst/>
-      <a:defRPr b="0" baseline="0" cap="none" i="0" spc="0" strike="noStrike" sz="5000" u="none" kumimoji="0" normalizeH="0">
+      <a:defRPr kumimoji="0" sz="5000" b="0" i="0" u="none" strike="noStrike" cap="none" spc="0" normalizeH="0" baseline="0">
         <a:ln>
           <a:noFill/>
         </a:ln>
@@ -305,8 +298,7 @@
       <a:buSzTx/>
       <a:buFontTx/>
       <a:buNone/>
-      <a:tabLst/>
-      <a:defRPr b="0" baseline="0" cap="none" i="0" spc="0" strike="noStrike" sz="5000" u="none" kumimoji="0" normalizeH="0">
+      <a:defRPr kumimoji="0" sz="5000" b="0" i="0" u="none" strike="noStrike" cap="none" spc="0" normalizeH="0" baseline="0">
         <a:ln>
           <a:noFill/>
         </a:ln>
@@ -335,8 +327,7 @@
       <a:buSzTx/>
       <a:buFontTx/>
       <a:buNone/>
-      <a:tabLst/>
-      <a:defRPr b="0" baseline="0" cap="none" i="0" spc="0" strike="noStrike" sz="5000" u="none" kumimoji="0" normalizeH="0">
+      <a:defRPr kumimoji="0" sz="5000" b="0" i="0" u="none" strike="noStrike" cap="none" spc="0" normalizeH="0" baseline="0">
         <a:ln>
           <a:noFill/>
         </a:ln>
@@ -355,13 +346,14 @@
 </p:presentation>
 </file>
 
-<file path=ppt/commentAuthors.xml><?xml version="1.0" encoding="utf-8"?>
-<p:cmAuthorLst xmlns:a="http://schemas.openxmlformats.org/drawingml/2006/main" xmlns:r="http://schemas.openxmlformats.org/officeDocument/2006/relationships" xmlns:p="http://schemas.openxmlformats.org/presentationml/2006/main"/>
-</file>
-
 <file path=ppt/notesMasters/notesMaster1.xml><?xml version="1.0" encoding="utf-8"?>
 <p:notesMaster xmlns:a="http://schemas.openxmlformats.org/drawingml/2006/main" xmlns:r="http://schemas.openxmlformats.org/officeDocument/2006/relationships" xmlns:p="http://schemas.openxmlformats.org/presentationml/2006/main">
   <p:cSld>
+    <p:bg>
+      <p:bgRef idx="1001">
+        <a:schemeClr val="bg1"/>
+      </p:bgRef>
+    </p:bg>
     <p:spTree>
       <p:nvGrpSpPr>
         <p:cNvPr id="1" name=""/>
@@ -396,9 +388,7 @@
         <p:txBody>
           <a:bodyPr/>
           <a:lstStyle/>
-          <a:p>
-            <a:pPr/>
-          </a:p>
+          <a:p/>
         </p:txBody>
       </p:sp>
       <p:sp>
@@ -421,9 +411,7 @@
         <p:txBody>
           <a:bodyPr/>
           <a:lstStyle/>
-          <a:p>
-            <a:pPr/>
-          </a:p>
+          <a:p/>
         </p:txBody>
       </p:sp>
     </p:spTree>
@@ -432,7 +420,7 @@
   <p:notesStyle>
     <a:lvl1pPr defTabSz="457200" latinLnBrk="0">
       <a:lnSpc>
-        <a:spcPct val="117999"/>
+        <a:spcPct val="118000"/>
       </a:lnSpc>
       <a:defRPr sz="2200">
         <a:latin typeface="Helvetica Neue"/>
@@ -443,7 +431,7 @@
     </a:lvl1pPr>
     <a:lvl2pPr indent="228600" defTabSz="457200" latinLnBrk="0">
       <a:lnSpc>
-        <a:spcPct val="117999"/>
+        <a:spcPct val="118000"/>
       </a:lnSpc>
       <a:defRPr sz="2200">
         <a:latin typeface="Helvetica Neue"/>
@@ -454,7 +442,7 @@
     </a:lvl2pPr>
     <a:lvl3pPr indent="457200" defTabSz="457200" latinLnBrk="0">
       <a:lnSpc>
-        <a:spcPct val="117999"/>
+        <a:spcPct val="118000"/>
       </a:lnSpc>
       <a:defRPr sz="2200">
         <a:latin typeface="Helvetica Neue"/>
@@ -465,7 +453,7 @@
     </a:lvl3pPr>
     <a:lvl4pPr indent="685800" defTabSz="457200" latinLnBrk="0">
       <a:lnSpc>
-        <a:spcPct val="117999"/>
+        <a:spcPct val="118000"/>
       </a:lnSpc>
       <a:defRPr sz="2200">
         <a:latin typeface="Helvetica Neue"/>
@@ -476,7 +464,7 @@
     </a:lvl4pPr>
     <a:lvl5pPr indent="914400" defTabSz="457200" latinLnBrk="0">
       <a:lnSpc>
-        <a:spcPct val="117999"/>
+        <a:spcPct val="118000"/>
       </a:lnSpc>
       <a:defRPr sz="2200">
         <a:latin typeface="Helvetica Neue"/>
@@ -487,7 +475,7 @@
     </a:lvl5pPr>
     <a:lvl6pPr indent="1143000" defTabSz="457200" latinLnBrk="0">
       <a:lnSpc>
-        <a:spcPct val="117999"/>
+        <a:spcPct val="118000"/>
       </a:lnSpc>
       <a:defRPr sz="2200">
         <a:latin typeface="Helvetica Neue"/>
@@ -498,7 +486,7 @@
     </a:lvl6pPr>
     <a:lvl7pPr indent="1371600" defTabSz="457200" latinLnBrk="0">
       <a:lnSpc>
-        <a:spcPct val="117999"/>
+        <a:spcPct val="118000"/>
       </a:lnSpc>
       <a:defRPr sz="2200">
         <a:latin typeface="Helvetica Neue"/>
@@ -509,7 +497,7 @@
     </a:lvl7pPr>
     <a:lvl8pPr indent="1600200" defTabSz="457200" latinLnBrk="0">
       <a:lnSpc>
-        <a:spcPct val="117999"/>
+        <a:spcPct val="118000"/>
       </a:lnSpc>
       <a:defRPr sz="2200">
         <a:latin typeface="Helvetica Neue"/>
@@ -520,7 +508,7 @@
     </a:lvl8pPr>
     <a:lvl9pPr indent="1828800" defTabSz="457200" latinLnBrk="0">
       <a:lnSpc>
-        <a:spcPct val="117999"/>
+        <a:spcPct val="118000"/>
       </a:lnSpc>
       <a:defRPr sz="2200">
         <a:latin typeface="Helvetica Neue"/>
@@ -534,7 +522,7 @@
 </file>
 
 <file path=ppt/slideLayouts/slideLayout1.xml><?xml version="1.0" encoding="utf-8"?>
-<p:sldLayout xmlns:a="http://schemas.openxmlformats.org/drawingml/2006/main" xmlns:r="http://schemas.openxmlformats.org/officeDocument/2006/relationships" xmlns:p="http://schemas.openxmlformats.org/presentationml/2006/main" type="title" showMasterSp="1" showMasterPhAnim="1">
+<p:sldLayout xmlns:a="http://schemas.openxmlformats.org/drawingml/2006/main" xmlns:r="http://schemas.openxmlformats.org/officeDocument/2006/relationships" xmlns:p="http://schemas.openxmlformats.org/presentationml/2006/main" type="title">
   <p:cSld name="标题与副标题">
     <p:spTree>
       <p:nvGrpSpPr>
@@ -555,7 +543,7 @@
           <p:cNvPr id="11" name="Shape 11"/>
           <p:cNvSpPr/>
           <p:nvPr>
-            <p:ph type="title"/>
+            <p:ph type="title" hasCustomPrompt="1"/>
           </p:nvPr>
         </p:nvSpPr>
         <p:spPr>
@@ -571,7 +559,6 @@
           <a:bodyPr anchor="b"/>
           <a:lstStyle/>
           <a:p>
-            <a:pPr/>
             <a:r>
               <a:t>标题文本</a:t>
             </a:r>
@@ -583,7 +570,7 @@
           <p:cNvPr id="12" name="Shape 12"/>
           <p:cNvSpPr/>
           <p:nvPr>
-            <p:ph type="body" sz="quarter" idx="1"/>
+            <p:ph type="body" sz="quarter" idx="1" hasCustomPrompt="1"/>
           </p:nvPr>
         </p:nvSpPr>
         <p:spPr>
@@ -640,7 +627,6 @@
             </a:lvl5pPr>
           </a:lstStyle>
           <a:p>
-            <a:pPr/>
             <a:r>
               <a:t>正文级别 1</a:t>
             </a:r>
@@ -688,8 +674,10 @@
           <a:bodyPr/>
           <a:lstStyle/>
           <a:p>
-            <a:pPr/>
-            <a:fld id="{86CB4B4D-7CA3-9044-876B-883B54F8677D}" type="slidenum"/>
+            <a:fld id="{86CB4B4D-7CA3-9044-876B-883B54F8677D}" type="slidenum">
+              <a:rPr/>
+            </a:fld>
+            <a:endParaRPr/>
           </a:p>
         </p:txBody>
       </p:sp>
@@ -698,12 +686,12 @@
   <p:clrMapOvr>
     <a:masterClrMapping/>
   </p:clrMapOvr>
-  <p:transition xmlns:p14="http://schemas.microsoft.com/office/powerpoint/2010/main" spd="med" advClick="1"/>
+  <p:transition spd="med"/>
 </p:sldLayout>
 </file>
 
 <file path=ppt/slideLayouts/slideLayout10.xml><?xml version="1.0" encoding="utf-8"?>
-<p:sldLayout xmlns:a="http://schemas.openxmlformats.org/drawingml/2006/main" xmlns:r="http://schemas.openxmlformats.org/officeDocument/2006/relationships" xmlns:p="http://schemas.openxmlformats.org/presentationml/2006/main" type="tx" showMasterSp="1" showMasterPhAnim="1">
+<p:sldLayout xmlns:a="http://schemas.openxmlformats.org/drawingml/2006/main" xmlns:r="http://schemas.openxmlformats.org/officeDocument/2006/relationships" xmlns:p="http://schemas.openxmlformats.org/presentationml/2006/main" type="tx">
   <p:cSld name="引文">
     <p:spTree>
       <p:nvGrpSpPr>
@@ -724,7 +712,7 @@
           <p:cNvPr id="93" name="Shape 93"/>
           <p:cNvSpPr/>
           <p:nvPr>
-            <p:ph type="body" sz="quarter" idx="13"/>
+            <p:ph type="body" sz="quarter" idx="13" hasCustomPrompt="1"/>
           </p:nvPr>
         </p:nvSpPr>
         <p:spPr>
@@ -756,7 +744,6 @@
             </a:lvl1pPr>
           </a:lstStyle>
           <a:p>
-            <a:pPr/>
             <a:r>
               <a:t>–Johnny Appleseed</a:t>
             </a:r>
@@ -768,7 +755,7 @@
           <p:cNvPr id="94" name="Shape 94"/>
           <p:cNvSpPr/>
           <p:nvPr>
-            <p:ph type="body" sz="quarter" idx="14"/>
+            <p:ph type="body" sz="quarter" idx="14" hasCustomPrompt="1"/>
           </p:nvPr>
         </p:nvSpPr>
         <p:spPr>
@@ -794,7 +781,6 @@
             </a:lvl1pPr>
           </a:lstStyle>
           <a:p>
-            <a:pPr/>
             <a:r>
               <a:t>“在此键入引文。”</a:t>
             </a:r>
@@ -818,8 +804,10 @@
           <a:bodyPr/>
           <a:lstStyle/>
           <a:p>
-            <a:pPr/>
-            <a:fld id="{86CB4B4D-7CA3-9044-876B-883B54F8677D}" type="slidenum"/>
+            <a:fld id="{86CB4B4D-7CA3-9044-876B-883B54F8677D}" type="slidenum">
+              <a:rPr/>
+            </a:fld>
+            <a:endParaRPr/>
           </a:p>
         </p:txBody>
       </p:sp>
@@ -828,12 +816,12 @@
   <p:clrMapOvr>
     <a:masterClrMapping/>
   </p:clrMapOvr>
-  <p:transition xmlns:p14="http://schemas.microsoft.com/office/powerpoint/2010/main" spd="med" advClick="1"/>
+  <p:transition spd="med"/>
 </p:sldLayout>
 </file>
 
 <file path=ppt/slideLayouts/slideLayout11.xml><?xml version="1.0" encoding="utf-8"?>
-<p:sldLayout xmlns:a="http://schemas.openxmlformats.org/drawingml/2006/main" xmlns:r="http://schemas.openxmlformats.org/officeDocument/2006/relationships" xmlns:p="http://schemas.openxmlformats.org/presentationml/2006/main" type="tx" showMasterSp="1" showMasterPhAnim="1">
+<p:sldLayout xmlns:a="http://schemas.openxmlformats.org/drawingml/2006/main" xmlns:r="http://schemas.openxmlformats.org/officeDocument/2006/relationships" xmlns:p="http://schemas.openxmlformats.org/presentationml/2006/main" type="tx">
   <p:cSld name="照片">
     <p:spTree>
       <p:nvGrpSpPr>
@@ -871,9 +859,7 @@
             <a:noAutofit/>
           </a:bodyPr>
           <a:lstStyle/>
-          <a:p>
-            <a:pPr/>
-          </a:p>
+          <a:p/>
         </p:txBody>
       </p:sp>
       <p:sp>
@@ -893,8 +879,10 @@
           <a:bodyPr/>
           <a:lstStyle/>
           <a:p>
-            <a:pPr/>
-            <a:fld id="{86CB4B4D-7CA3-9044-876B-883B54F8677D}" type="slidenum"/>
+            <a:fld id="{86CB4B4D-7CA3-9044-876B-883B54F8677D}" type="slidenum">
+              <a:rPr/>
+            </a:fld>
+            <a:endParaRPr/>
           </a:p>
         </p:txBody>
       </p:sp>
@@ -903,12 +891,12 @@
   <p:clrMapOvr>
     <a:masterClrMapping/>
   </p:clrMapOvr>
-  <p:transition xmlns:p14="http://schemas.microsoft.com/office/powerpoint/2010/main" spd="med" advClick="1"/>
+  <p:transition spd="med"/>
 </p:sldLayout>
 </file>
 
 <file path=ppt/slideLayouts/slideLayout12.xml><?xml version="1.0" encoding="utf-8"?>
-<p:sldLayout xmlns:a="http://schemas.openxmlformats.org/drawingml/2006/main" xmlns:r="http://schemas.openxmlformats.org/officeDocument/2006/relationships" xmlns:p="http://schemas.openxmlformats.org/presentationml/2006/main" type="tx" showMasterSp="1" showMasterPhAnim="1">
+<p:sldLayout xmlns:a="http://schemas.openxmlformats.org/drawingml/2006/main" xmlns:r="http://schemas.openxmlformats.org/officeDocument/2006/relationships" xmlns:p="http://schemas.openxmlformats.org/presentationml/2006/main" type="tx">
   <p:cSld name="空白">
     <p:spTree>
       <p:nvGrpSpPr>
@@ -941,8 +929,10 @@
           <a:bodyPr/>
           <a:lstStyle/>
           <a:p>
-            <a:pPr/>
-            <a:fld id="{86CB4B4D-7CA3-9044-876B-883B54F8677D}" type="slidenum"/>
+            <a:fld id="{86CB4B4D-7CA3-9044-876B-883B54F8677D}" type="slidenum">
+              <a:rPr/>
+            </a:fld>
+            <a:endParaRPr/>
           </a:p>
         </p:txBody>
       </p:sp>
@@ -951,12 +941,12 @@
   <p:clrMapOvr>
     <a:masterClrMapping/>
   </p:clrMapOvr>
-  <p:transition xmlns:p14="http://schemas.microsoft.com/office/powerpoint/2010/main" spd="med" advClick="1"/>
+  <p:transition spd="med"/>
 </p:sldLayout>
 </file>
 
 <file path=ppt/slideLayouts/slideLayout2.xml><?xml version="1.0" encoding="utf-8"?>
-<p:sldLayout xmlns:a="http://schemas.openxmlformats.org/drawingml/2006/main" xmlns:r="http://schemas.openxmlformats.org/officeDocument/2006/relationships" xmlns:p="http://schemas.openxmlformats.org/presentationml/2006/main" type="tx" showMasterSp="1" showMasterPhAnim="1">
+<p:sldLayout xmlns:a="http://schemas.openxmlformats.org/drawingml/2006/main" xmlns:r="http://schemas.openxmlformats.org/officeDocument/2006/relationships" xmlns:p="http://schemas.openxmlformats.org/presentationml/2006/main" type="tx">
   <p:cSld name="照片 - 水平">
     <p:spTree>
       <p:nvGrpSpPr>
@@ -994,9 +984,7 @@
             <a:noAutofit/>
           </a:bodyPr>
           <a:lstStyle/>
-          <a:p>
-            <a:pPr/>
-          </a:p>
+          <a:p/>
         </p:txBody>
       </p:sp>
       <p:sp>
@@ -1004,7 +992,7 @@
           <p:cNvPr id="21" name="Shape 21"/>
           <p:cNvSpPr/>
           <p:nvPr>
-            <p:ph type="title"/>
+            <p:ph type="title" hasCustomPrompt="1"/>
           </p:nvPr>
         </p:nvSpPr>
         <p:spPr>
@@ -1020,7 +1008,6 @@
           <a:bodyPr anchor="b"/>
           <a:lstStyle/>
           <a:p>
-            <a:pPr/>
             <a:r>
               <a:t>标题文本</a:t>
             </a:r>
@@ -1032,7 +1019,7 @@
           <p:cNvPr id="22" name="Shape 22"/>
           <p:cNvSpPr/>
           <p:nvPr>
-            <p:ph type="body" sz="quarter" idx="1"/>
+            <p:ph type="body" sz="quarter" idx="1" hasCustomPrompt="1"/>
           </p:nvPr>
         </p:nvSpPr>
         <p:spPr>
@@ -1089,7 +1076,6 @@
             </a:lvl5pPr>
           </a:lstStyle>
           <a:p>
-            <a:pPr/>
             <a:r>
               <a:t>正文级别 1</a:t>
             </a:r>
@@ -1137,8 +1123,10 @@
           <a:bodyPr/>
           <a:lstStyle/>
           <a:p>
-            <a:pPr/>
-            <a:fld id="{86CB4B4D-7CA3-9044-876B-883B54F8677D}" type="slidenum"/>
+            <a:fld id="{86CB4B4D-7CA3-9044-876B-883B54F8677D}" type="slidenum">
+              <a:rPr/>
+            </a:fld>
+            <a:endParaRPr/>
           </a:p>
         </p:txBody>
       </p:sp>
@@ -1147,12 +1135,12 @@
   <p:clrMapOvr>
     <a:masterClrMapping/>
   </p:clrMapOvr>
-  <p:transition xmlns:p14="http://schemas.microsoft.com/office/powerpoint/2010/main" spd="med" advClick="1"/>
+  <p:transition spd="med"/>
 </p:sldLayout>
 </file>
 
 <file path=ppt/slideLayouts/slideLayout3.xml><?xml version="1.0" encoding="utf-8"?>
-<p:sldLayout xmlns:a="http://schemas.openxmlformats.org/drawingml/2006/main" xmlns:r="http://schemas.openxmlformats.org/officeDocument/2006/relationships" xmlns:p="http://schemas.openxmlformats.org/presentationml/2006/main" type="tx" showMasterSp="1" showMasterPhAnim="1">
+<p:sldLayout xmlns:a="http://schemas.openxmlformats.org/drawingml/2006/main" xmlns:r="http://schemas.openxmlformats.org/officeDocument/2006/relationships" xmlns:p="http://schemas.openxmlformats.org/presentationml/2006/main" type="tx">
   <p:cSld name="标题 - 居中">
     <p:spTree>
       <p:nvGrpSpPr>
@@ -1173,7 +1161,7 @@
           <p:cNvPr id="30" name="Shape 30"/>
           <p:cNvSpPr/>
           <p:nvPr>
-            <p:ph type="title"/>
+            <p:ph type="title" hasCustomPrompt="1"/>
           </p:nvPr>
         </p:nvSpPr>
         <p:spPr>
@@ -1189,7 +1177,6 @@
           <a:bodyPr/>
           <a:lstStyle/>
           <a:p>
-            <a:pPr/>
             <a:r>
               <a:t>标题文本</a:t>
             </a:r>
@@ -1213,8 +1200,10 @@
           <a:bodyPr/>
           <a:lstStyle/>
           <a:p>
-            <a:pPr/>
-            <a:fld id="{86CB4B4D-7CA3-9044-876B-883B54F8677D}" type="slidenum"/>
+            <a:fld id="{86CB4B4D-7CA3-9044-876B-883B54F8677D}" type="slidenum">
+              <a:rPr/>
+            </a:fld>
+            <a:endParaRPr/>
           </a:p>
         </p:txBody>
       </p:sp>
@@ -1223,12 +1212,12 @@
   <p:clrMapOvr>
     <a:masterClrMapping/>
   </p:clrMapOvr>
-  <p:transition xmlns:p14="http://schemas.microsoft.com/office/powerpoint/2010/main" spd="med" advClick="1"/>
+  <p:transition spd="med"/>
 </p:sldLayout>
 </file>
 
 <file path=ppt/slideLayouts/slideLayout4.xml><?xml version="1.0" encoding="utf-8"?>
-<p:sldLayout xmlns:a="http://schemas.openxmlformats.org/drawingml/2006/main" xmlns:r="http://schemas.openxmlformats.org/officeDocument/2006/relationships" xmlns:p="http://schemas.openxmlformats.org/presentationml/2006/main" type="tx" showMasterSp="1" showMasterPhAnim="1">
+<p:sldLayout xmlns:a="http://schemas.openxmlformats.org/drawingml/2006/main" xmlns:r="http://schemas.openxmlformats.org/officeDocument/2006/relationships" xmlns:p="http://schemas.openxmlformats.org/presentationml/2006/main" type="tx">
   <p:cSld name="照片 - 垂直">
     <p:spTree>
       <p:nvGrpSpPr>
@@ -1266,9 +1255,7 @@
             <a:noAutofit/>
           </a:bodyPr>
           <a:lstStyle/>
-          <a:p>
-            <a:pPr/>
-          </a:p>
+          <a:p/>
         </p:txBody>
       </p:sp>
       <p:sp>
@@ -1276,7 +1263,7 @@
           <p:cNvPr id="39" name="Shape 39"/>
           <p:cNvSpPr/>
           <p:nvPr>
-            <p:ph type="title"/>
+            <p:ph type="title" hasCustomPrompt="1"/>
           </p:nvPr>
         </p:nvSpPr>
         <p:spPr>
@@ -1296,7 +1283,6 @@
             </a:lvl1pPr>
           </a:lstStyle>
           <a:p>
-            <a:pPr/>
             <a:r>
               <a:t>标题文本</a:t>
             </a:r>
@@ -1308,7 +1294,7 @@
           <p:cNvPr id="40" name="Shape 40"/>
           <p:cNvSpPr/>
           <p:nvPr>
-            <p:ph type="body" sz="quarter" idx="1"/>
+            <p:ph type="body" sz="quarter" idx="1" hasCustomPrompt="1"/>
           </p:nvPr>
         </p:nvSpPr>
         <p:spPr>
@@ -1365,7 +1351,6 @@
             </a:lvl5pPr>
           </a:lstStyle>
           <a:p>
-            <a:pPr/>
             <a:r>
               <a:t>正文级别 1</a:t>
             </a:r>
@@ -1413,8 +1398,10 @@
           <a:bodyPr/>
           <a:lstStyle/>
           <a:p>
-            <a:pPr/>
-            <a:fld id="{86CB4B4D-7CA3-9044-876B-883B54F8677D}" type="slidenum"/>
+            <a:fld id="{86CB4B4D-7CA3-9044-876B-883B54F8677D}" type="slidenum">
+              <a:rPr/>
+            </a:fld>
+            <a:endParaRPr/>
           </a:p>
         </p:txBody>
       </p:sp>
@@ -1423,12 +1410,12 @@
   <p:clrMapOvr>
     <a:masterClrMapping/>
   </p:clrMapOvr>
-  <p:transition xmlns:p14="http://schemas.microsoft.com/office/powerpoint/2010/main" spd="med" advClick="1"/>
+  <p:transition spd="med"/>
 </p:sldLayout>
 </file>
 
 <file path=ppt/slideLayouts/slideLayout5.xml><?xml version="1.0" encoding="utf-8"?>
-<p:sldLayout xmlns:a="http://schemas.openxmlformats.org/drawingml/2006/main" xmlns:r="http://schemas.openxmlformats.org/officeDocument/2006/relationships" xmlns:p="http://schemas.openxmlformats.org/presentationml/2006/main" type="tx" showMasterSp="1" showMasterPhAnim="1">
+<p:sldLayout xmlns:a="http://schemas.openxmlformats.org/drawingml/2006/main" xmlns:r="http://schemas.openxmlformats.org/officeDocument/2006/relationships" xmlns:p="http://schemas.openxmlformats.org/presentationml/2006/main" type="tx">
   <p:cSld name="标题 - 顶部对齐">
     <p:spTree>
       <p:nvGrpSpPr>
@@ -1449,7 +1436,7 @@
           <p:cNvPr id="48" name="Shape 48"/>
           <p:cNvSpPr/>
           <p:nvPr>
-            <p:ph type="title"/>
+            <p:ph type="title" hasCustomPrompt="1"/>
           </p:nvPr>
         </p:nvSpPr>
         <p:spPr>
@@ -1461,7 +1448,6 @@
           <a:bodyPr/>
           <a:lstStyle/>
           <a:p>
-            <a:pPr/>
             <a:r>
               <a:t>标题文本</a:t>
             </a:r>
@@ -1485,8 +1471,10 @@
           <a:bodyPr/>
           <a:lstStyle/>
           <a:p>
-            <a:pPr/>
-            <a:fld id="{86CB4B4D-7CA3-9044-876B-883B54F8677D}" type="slidenum"/>
+            <a:fld id="{86CB4B4D-7CA3-9044-876B-883B54F8677D}" type="slidenum">
+              <a:rPr/>
+            </a:fld>
+            <a:endParaRPr/>
           </a:p>
         </p:txBody>
       </p:sp>
@@ -1495,12 +1483,12 @@
   <p:clrMapOvr>
     <a:masterClrMapping/>
   </p:clrMapOvr>
-  <p:transition xmlns:p14="http://schemas.microsoft.com/office/powerpoint/2010/main" spd="med" advClick="1"/>
+  <p:transition spd="med"/>
 </p:sldLayout>
 </file>
 
 <file path=ppt/slideLayouts/slideLayout6.xml><?xml version="1.0" encoding="utf-8"?>
-<p:sldLayout xmlns:a="http://schemas.openxmlformats.org/drawingml/2006/main" xmlns:r="http://schemas.openxmlformats.org/officeDocument/2006/relationships" xmlns:p="http://schemas.openxmlformats.org/presentationml/2006/main" type="tx" showMasterSp="1" showMasterPhAnim="1">
+<p:sldLayout xmlns:a="http://schemas.openxmlformats.org/drawingml/2006/main" xmlns:r="http://schemas.openxmlformats.org/officeDocument/2006/relationships" xmlns:p="http://schemas.openxmlformats.org/presentationml/2006/main" type="tx">
   <p:cSld name="标题与项目符号">
     <p:spTree>
       <p:nvGrpSpPr>
@@ -1521,7 +1509,7 @@
           <p:cNvPr id="56" name="Shape 56"/>
           <p:cNvSpPr/>
           <p:nvPr>
-            <p:ph type="title"/>
+            <p:ph type="title" hasCustomPrompt="1"/>
           </p:nvPr>
         </p:nvSpPr>
         <p:spPr>
@@ -1533,7 +1521,6 @@
           <a:bodyPr/>
           <a:lstStyle/>
           <a:p>
-            <a:pPr/>
             <a:r>
               <a:t>标题文本</a:t>
             </a:r>
@@ -1545,7 +1532,7 @@
           <p:cNvPr id="57" name="Shape 57"/>
           <p:cNvSpPr/>
           <p:nvPr>
-            <p:ph type="body" idx="1"/>
+            <p:ph type="body" idx="1" hasCustomPrompt="1"/>
           </p:nvPr>
         </p:nvSpPr>
         <p:spPr>
@@ -1557,7 +1544,6 @@
           <a:bodyPr/>
           <a:lstStyle/>
           <a:p>
-            <a:pPr/>
             <a:r>
               <a:t>正文级别 1</a:t>
             </a:r>
@@ -1605,8 +1591,10 @@
           <a:bodyPr/>
           <a:lstStyle/>
           <a:p>
-            <a:pPr/>
-            <a:fld id="{86CB4B4D-7CA3-9044-876B-883B54F8677D}" type="slidenum"/>
+            <a:fld id="{86CB4B4D-7CA3-9044-876B-883B54F8677D}" type="slidenum">
+              <a:rPr/>
+            </a:fld>
+            <a:endParaRPr/>
           </a:p>
         </p:txBody>
       </p:sp>
@@ -1615,12 +1603,12 @@
   <p:clrMapOvr>
     <a:masterClrMapping/>
   </p:clrMapOvr>
-  <p:transition xmlns:p14="http://schemas.microsoft.com/office/powerpoint/2010/main" spd="med" advClick="1"/>
+  <p:transition spd="med"/>
 </p:sldLayout>
 </file>
 
 <file path=ppt/slideLayouts/slideLayout7.xml><?xml version="1.0" encoding="utf-8"?>
-<p:sldLayout xmlns:a="http://schemas.openxmlformats.org/drawingml/2006/main" xmlns:r="http://schemas.openxmlformats.org/officeDocument/2006/relationships" xmlns:p="http://schemas.openxmlformats.org/presentationml/2006/main" type="tx" showMasterSp="1" showMasterPhAnim="1">
+<p:sldLayout xmlns:a="http://schemas.openxmlformats.org/drawingml/2006/main" xmlns:r="http://schemas.openxmlformats.org/officeDocument/2006/relationships" xmlns:p="http://schemas.openxmlformats.org/presentationml/2006/main" type="tx">
   <p:cSld name="标题、项目符号与照片">
     <p:spTree>
       <p:nvGrpSpPr>
@@ -1658,9 +1646,7 @@
             <a:noAutofit/>
           </a:bodyPr>
           <a:lstStyle/>
-          <a:p>
-            <a:pPr/>
-          </a:p>
+          <a:p/>
         </p:txBody>
       </p:sp>
       <p:sp>
@@ -1668,7 +1654,7 @@
           <p:cNvPr id="66" name="Shape 66"/>
           <p:cNvSpPr/>
           <p:nvPr>
-            <p:ph type="title"/>
+            <p:ph type="title" hasCustomPrompt="1"/>
           </p:nvPr>
         </p:nvSpPr>
         <p:spPr>
@@ -1680,7 +1666,6 @@
           <a:bodyPr/>
           <a:lstStyle/>
           <a:p>
-            <a:pPr/>
             <a:r>
               <a:t>标题文本</a:t>
             </a:r>
@@ -1692,7 +1677,7 @@
           <p:cNvPr id="67" name="Shape 67"/>
           <p:cNvSpPr/>
           <p:nvPr>
-            <p:ph type="body" sz="half" idx="1"/>
+            <p:ph type="body" sz="half" idx="1" hasCustomPrompt="1"/>
           </p:nvPr>
         </p:nvSpPr>
         <p:spPr>
@@ -1739,7 +1724,6 @@
             </a:lvl5pPr>
           </a:lstStyle>
           <a:p>
-            <a:pPr/>
             <a:r>
               <a:t>正文级别 1</a:t>
             </a:r>
@@ -1787,8 +1771,10 @@
           <a:bodyPr/>
           <a:lstStyle/>
           <a:p>
-            <a:pPr/>
-            <a:fld id="{86CB4B4D-7CA3-9044-876B-883B54F8677D}" type="slidenum"/>
+            <a:fld id="{86CB4B4D-7CA3-9044-876B-883B54F8677D}" type="slidenum">
+              <a:rPr/>
+            </a:fld>
+            <a:endParaRPr/>
           </a:p>
         </p:txBody>
       </p:sp>
@@ -1797,12 +1783,12 @@
   <p:clrMapOvr>
     <a:masterClrMapping/>
   </p:clrMapOvr>
-  <p:transition xmlns:p14="http://schemas.microsoft.com/office/powerpoint/2010/main" spd="med" advClick="1"/>
+  <p:transition spd="med"/>
 </p:sldLayout>
 </file>
 
 <file path=ppt/slideLayouts/slideLayout8.xml><?xml version="1.0" encoding="utf-8"?>
-<p:sldLayout xmlns:a="http://schemas.openxmlformats.org/drawingml/2006/main" xmlns:r="http://schemas.openxmlformats.org/officeDocument/2006/relationships" xmlns:p="http://schemas.openxmlformats.org/presentationml/2006/main" type="tx" showMasterSp="1" showMasterPhAnim="1">
+<p:sldLayout xmlns:a="http://schemas.openxmlformats.org/drawingml/2006/main" xmlns:r="http://schemas.openxmlformats.org/officeDocument/2006/relationships" xmlns:p="http://schemas.openxmlformats.org/presentationml/2006/main" type="tx">
   <p:cSld name="项目符号">
     <p:spTree>
       <p:nvGrpSpPr>
@@ -1823,7 +1809,7 @@
           <p:cNvPr id="75" name="Shape 75"/>
           <p:cNvSpPr/>
           <p:nvPr>
-            <p:ph type="body" idx="1"/>
+            <p:ph type="body" idx="1" hasCustomPrompt="1"/>
           </p:nvPr>
         </p:nvSpPr>
         <p:spPr>
@@ -1839,7 +1825,6 @@
           <a:bodyPr/>
           <a:lstStyle/>
           <a:p>
-            <a:pPr/>
             <a:r>
               <a:t>正文级别 1</a:t>
             </a:r>
@@ -1887,8 +1872,10 @@
           <a:bodyPr/>
           <a:lstStyle/>
           <a:p>
-            <a:pPr/>
-            <a:fld id="{86CB4B4D-7CA3-9044-876B-883B54F8677D}" type="slidenum"/>
+            <a:fld id="{86CB4B4D-7CA3-9044-876B-883B54F8677D}" type="slidenum">
+              <a:rPr/>
+            </a:fld>
+            <a:endParaRPr/>
           </a:p>
         </p:txBody>
       </p:sp>
@@ -1897,12 +1884,12 @@
   <p:clrMapOvr>
     <a:masterClrMapping/>
   </p:clrMapOvr>
-  <p:transition xmlns:p14="http://schemas.microsoft.com/office/powerpoint/2010/main" spd="med" advClick="1"/>
+  <p:transition spd="med"/>
 </p:sldLayout>
 </file>
 
 <file path=ppt/slideLayouts/slideLayout9.xml><?xml version="1.0" encoding="utf-8"?>
-<p:sldLayout xmlns:a="http://schemas.openxmlformats.org/drawingml/2006/main" xmlns:r="http://schemas.openxmlformats.org/officeDocument/2006/relationships" xmlns:p="http://schemas.openxmlformats.org/presentationml/2006/main" type="tx" showMasterSp="1" showMasterPhAnim="1">
+<p:sldLayout xmlns:a="http://schemas.openxmlformats.org/drawingml/2006/main" xmlns:r="http://schemas.openxmlformats.org/officeDocument/2006/relationships" xmlns:p="http://schemas.openxmlformats.org/presentationml/2006/main" type="tx">
   <p:cSld name="照片 - 3 联">
     <p:spTree>
       <p:nvGrpSpPr>
@@ -1940,9 +1927,7 @@
             <a:noAutofit/>
           </a:bodyPr>
           <a:lstStyle/>
-          <a:p>
-            <a:pPr/>
-          </a:p>
+          <a:p/>
         </p:txBody>
       </p:sp>
       <p:sp>
@@ -1967,9 +1952,7 @@
             <a:noAutofit/>
           </a:bodyPr>
           <a:lstStyle/>
-          <a:p>
-            <a:pPr/>
-          </a:p>
+          <a:p/>
         </p:txBody>
       </p:sp>
       <p:sp>
@@ -1994,9 +1977,7 @@
             <a:noAutofit/>
           </a:bodyPr>
           <a:lstStyle/>
-          <a:p>
-            <a:pPr/>
-          </a:p>
+          <a:p/>
         </p:txBody>
       </p:sp>
       <p:sp>
@@ -2016,8 +1997,10 @@
           <a:bodyPr/>
           <a:lstStyle/>
           <a:p>
-            <a:pPr/>
-            <a:fld id="{86CB4B4D-7CA3-9044-876B-883B54F8677D}" type="slidenum"/>
+            <a:fld id="{86CB4B4D-7CA3-9044-876B-883B54F8677D}" type="slidenum">
+              <a:rPr/>
+            </a:fld>
+            <a:endParaRPr/>
           </a:p>
         </p:txBody>
       </p:sp>
@@ -2026,7 +2009,7 @@
   <p:clrMapOvr>
     <a:masterClrMapping/>
   </p:clrMapOvr>
-  <p:transition xmlns:p14="http://schemas.microsoft.com/office/powerpoint/2010/main" spd="med" advClick="1"/>
+  <p:transition spd="med"/>
 </p:sldLayout>
 </file>
 
@@ -2038,6 +2021,7 @@
         <a:solidFill>
           <a:srgbClr val="FFFFFF"/>
         </a:solidFill>
+        <a:effectLst/>
       </p:bgPr>
     </p:bg>
     <p:spTree>
@@ -2073,19 +2057,13 @@
           <a:ln w="12700">
             <a:miter lim="400000"/>
           </a:ln>
-          <a:extLst>
-            <a:ext uri="{C572A759-6A51-4108-AA02-DFA0A04FC94B}">
-              <ma14:wrappingTextBoxFlag xmlns:ma14="http://schemas.microsoft.com/office/mac/drawingml/2011/main" val="1"/>
-            </a:ext>
-          </a:extLst>
         </p:spPr>
         <p:txBody>
           <a:bodyPr lIns="50800" tIns="50800" rIns="50800" bIns="50800" anchor="ctr">
-            <a:normAutofit fontScale="100000" lnSpcReduction="0"/>
+            <a:normAutofit/>
           </a:bodyPr>
           <a:lstStyle/>
           <a:p>
-            <a:pPr/>
             <a:r>
               <a:t>标题文本</a:t>
             </a:r>
@@ -2111,19 +2089,13 @@
           <a:ln w="12700">
             <a:miter lim="400000"/>
           </a:ln>
-          <a:extLst>
-            <a:ext uri="{C572A759-6A51-4108-AA02-DFA0A04FC94B}">
-              <ma14:wrappingTextBoxFlag xmlns:ma14="http://schemas.microsoft.com/office/mac/drawingml/2011/main" val="1"/>
-            </a:ext>
-          </a:extLst>
         </p:spPr>
         <p:txBody>
           <a:bodyPr lIns="50800" tIns="50800" rIns="50800" bIns="50800" anchor="ctr">
-            <a:normAutofit fontScale="100000" lnSpcReduction="0"/>
+            <a:normAutofit/>
           </a:bodyPr>
           <a:lstStyle/>
           <a:p>
-            <a:pPr/>
             <a:r>
               <a:t>正文级别 1</a:t>
             </a:r>
@@ -2184,8 +2156,10 @@
             </a:lvl1pPr>
           </a:lstStyle>
           <a:p>
-            <a:pPr/>
-            <a:fld id="{86CB4B4D-7CA3-9044-876B-883B54F8677D}" type="slidenum"/>
+            <a:fld id="{86CB4B4D-7CA3-9044-876B-883B54F8677D}" type="slidenum">
+              <a:rPr/>
+            </a:fld>
+            <a:endParaRPr/>
           </a:p>
         </p:txBody>
       </p:sp>
@@ -2193,20 +2167,20 @@
   </p:cSld>
   <p:clrMap bg1="lt1" tx1="dk1" bg2="lt2" tx2="dk2" accent1="accent1" accent2="accent2" accent3="accent3" accent4="accent4" accent5="accent5" accent6="accent6" hlink="hlink" folHlink="folHlink"/>
   <p:sldLayoutIdLst>
-    <p:sldLayoutId id="2147483649" r:id="rId2"/>
-    <p:sldLayoutId id="2147483650" r:id="rId3"/>
-    <p:sldLayoutId id="2147483651" r:id="rId4"/>
-    <p:sldLayoutId id="2147483652" r:id="rId5"/>
-    <p:sldLayoutId id="2147483653" r:id="rId6"/>
-    <p:sldLayoutId id="2147483654" r:id="rId7"/>
-    <p:sldLayoutId id="2147483655" r:id="rId8"/>
-    <p:sldLayoutId id="2147483656" r:id="rId9"/>
-    <p:sldLayoutId id="2147483657" r:id="rId10"/>
-    <p:sldLayoutId id="2147483658" r:id="rId11"/>
-    <p:sldLayoutId id="2147483659" r:id="rId12"/>
-    <p:sldLayoutId id="2147483660" r:id="rId13"/>
+    <p:sldLayoutId id="2147483649" r:id="rId1"/>
+    <p:sldLayoutId id="2147483650" r:id="rId2"/>
+    <p:sldLayoutId id="2147483651" r:id="rId3"/>
+    <p:sldLayoutId id="2147483652" r:id="rId4"/>
+    <p:sldLayoutId id="2147483653" r:id="rId5"/>
+    <p:sldLayoutId id="2147483654" r:id="rId6"/>
+    <p:sldLayoutId id="2147483655" r:id="rId7"/>
+    <p:sldLayoutId id="2147483656" r:id="rId8"/>
+    <p:sldLayoutId id="2147483657" r:id="rId9"/>
+    <p:sldLayoutId id="2147483658" r:id="rId10"/>
+    <p:sldLayoutId id="2147483659" r:id="rId11"/>
+    <p:sldLayoutId id="2147483660" r:id="rId12"/>
   </p:sldLayoutIdLst>
-  <p:transition xmlns:p14="http://schemas.microsoft.com/office/powerpoint/2010/main" spd="med" advClick="1"/>
+  <p:transition spd="med"/>
   <p:txStyles>
     <p:titleStyle>
       <a:lvl1pPr marL="0" marR="0" indent="0" algn="ctr" defTabSz="825500" rtl="0" latinLnBrk="0">
@@ -2223,8 +2197,7 @@
         <a:buSzTx/>
         <a:buFontTx/>
         <a:buNone/>
-        <a:tabLst/>
-        <a:defRPr b="0" baseline="0" cap="none" i="0" spc="0" strike="noStrike" sz="11200" u="none">
+        <a:defRPr sz="11200" b="0" i="0" u="none" strike="noStrike" cap="none" spc="0" baseline="0">
           <a:ln>
             <a:noFill/>
           </a:ln>
@@ -2252,8 +2225,7 @@
         <a:buSzTx/>
         <a:buFontTx/>
         <a:buNone/>
-        <a:tabLst/>
-        <a:defRPr b="0" baseline="0" cap="none" i="0" spc="0" strike="noStrike" sz="11200" u="none">
+        <a:defRPr sz="11200" b="0" i="0" u="none" strike="noStrike" cap="none" spc="0" baseline="0">
           <a:ln>
             <a:noFill/>
           </a:ln>
@@ -2281,8 +2253,7 @@
         <a:buSzTx/>
         <a:buFontTx/>
         <a:buNone/>
-        <a:tabLst/>
-        <a:defRPr b="0" baseline="0" cap="none" i="0" spc="0" strike="noStrike" sz="11200" u="none">
+        <a:defRPr sz="11200" b="0" i="0" u="none" strike="noStrike" cap="none" spc="0" baseline="0">
           <a:ln>
             <a:noFill/>
           </a:ln>
@@ -2310,8 +2281,7 @@
         <a:buSzTx/>
         <a:buFontTx/>
         <a:buNone/>
-        <a:tabLst/>
-        <a:defRPr b="0" baseline="0" cap="none" i="0" spc="0" strike="noStrike" sz="11200" u="none">
+        <a:defRPr sz="11200" b="0" i="0" u="none" strike="noStrike" cap="none" spc="0" baseline="0">
           <a:ln>
             <a:noFill/>
           </a:ln>
@@ -2339,8 +2309,7 @@
         <a:buSzTx/>
         <a:buFontTx/>
         <a:buNone/>
-        <a:tabLst/>
-        <a:defRPr b="0" baseline="0" cap="none" i="0" spc="0" strike="noStrike" sz="11200" u="none">
+        <a:defRPr sz="11200" b="0" i="0" u="none" strike="noStrike" cap="none" spc="0" baseline="0">
           <a:ln>
             <a:noFill/>
           </a:ln>
@@ -2368,8 +2337,7 @@
         <a:buSzTx/>
         <a:buFontTx/>
         <a:buNone/>
-        <a:tabLst/>
-        <a:defRPr b="0" baseline="0" cap="none" i="0" spc="0" strike="noStrike" sz="11200" u="none">
+        <a:defRPr sz="11200" b="0" i="0" u="none" strike="noStrike" cap="none" spc="0" baseline="0">
           <a:ln>
             <a:noFill/>
           </a:ln>
@@ -2397,8 +2365,7 @@
         <a:buSzTx/>
         <a:buFontTx/>
         <a:buNone/>
-        <a:tabLst/>
-        <a:defRPr b="0" baseline="0" cap="none" i="0" spc="0" strike="noStrike" sz="11200" u="none">
+        <a:defRPr sz="11200" b="0" i="0" u="none" strike="noStrike" cap="none" spc="0" baseline="0">
           <a:ln>
             <a:noFill/>
           </a:ln>
@@ -2426,8 +2393,7 @@
         <a:buSzTx/>
         <a:buFontTx/>
         <a:buNone/>
-        <a:tabLst/>
-        <a:defRPr b="0" baseline="0" cap="none" i="0" spc="0" strike="noStrike" sz="11200" u="none">
+        <a:defRPr sz="11200" b="0" i="0" u="none" strike="noStrike" cap="none" spc="0" baseline="0">
           <a:ln>
             <a:noFill/>
           </a:ln>
@@ -2455,8 +2421,7 @@
         <a:buSzTx/>
         <a:buFontTx/>
         <a:buNone/>
-        <a:tabLst/>
-        <a:defRPr b="0" baseline="0" cap="none" i="0" spc="0" strike="noStrike" sz="11200" u="none">
+        <a:defRPr sz="11200" b="0" i="0" u="none" strike="noStrike" cap="none" spc="0" baseline="0">
           <a:ln>
             <a:noFill/>
           </a:ln>
@@ -2486,8 +2451,7 @@
         <a:buSzPct val="75000"/>
         <a:buFontTx/>
         <a:buChar char="•"/>
-        <a:tabLst/>
-        <a:defRPr b="0" baseline="0" cap="none" i="0" spc="0" strike="noStrike" sz="5200" u="none">
+        <a:defRPr sz="5200" b="0" i="0" u="none" strike="noStrike" cap="none" spc="0" baseline="0">
           <a:ln>
             <a:noFill/>
           </a:ln>
@@ -2515,8 +2479,7 @@
         <a:buSzPct val="75000"/>
         <a:buFontTx/>
         <a:buChar char="•"/>
-        <a:tabLst/>
-        <a:defRPr b="0" baseline="0" cap="none" i="0" spc="0" strike="noStrike" sz="5200" u="none">
+        <a:defRPr sz="5200" b="0" i="0" u="none" strike="noStrike" cap="none" spc="0" baseline="0">
           <a:ln>
             <a:noFill/>
           </a:ln>
@@ -2544,8 +2507,7 @@
         <a:buSzPct val="75000"/>
         <a:buFontTx/>
         <a:buChar char="•"/>
-        <a:tabLst/>
-        <a:defRPr b="0" baseline="0" cap="none" i="0" spc="0" strike="noStrike" sz="5200" u="none">
+        <a:defRPr sz="5200" b="0" i="0" u="none" strike="noStrike" cap="none" spc="0" baseline="0">
           <a:ln>
             <a:noFill/>
           </a:ln>
@@ -2573,8 +2535,7 @@
         <a:buSzPct val="75000"/>
         <a:buFontTx/>
         <a:buChar char="•"/>
-        <a:tabLst/>
-        <a:defRPr b="0" baseline="0" cap="none" i="0" spc="0" strike="noStrike" sz="5200" u="none">
+        <a:defRPr sz="5200" b="0" i="0" u="none" strike="noStrike" cap="none" spc="0" baseline="0">
           <a:ln>
             <a:noFill/>
           </a:ln>
@@ -2602,8 +2563,7 @@
         <a:buSzPct val="75000"/>
         <a:buFontTx/>
         <a:buChar char="•"/>
-        <a:tabLst/>
-        <a:defRPr b="0" baseline="0" cap="none" i="0" spc="0" strike="noStrike" sz="5200" u="none">
+        <a:defRPr sz="5200" b="0" i="0" u="none" strike="noStrike" cap="none" spc="0" baseline="0">
           <a:ln>
             <a:noFill/>
           </a:ln>
@@ -2631,8 +2591,7 @@
         <a:buSzPct val="75000"/>
         <a:buFontTx/>
         <a:buChar char="•"/>
-        <a:tabLst/>
-        <a:defRPr b="0" baseline="0" cap="none" i="0" spc="0" strike="noStrike" sz="5200" u="none">
+        <a:defRPr sz="5200" b="0" i="0" u="none" strike="noStrike" cap="none" spc="0" baseline="0">
           <a:ln>
             <a:noFill/>
           </a:ln>
@@ -2660,8 +2619,7 @@
         <a:buSzPct val="75000"/>
         <a:buFontTx/>
         <a:buChar char="•"/>
-        <a:tabLst/>
-        <a:defRPr b="0" baseline="0" cap="none" i="0" spc="0" strike="noStrike" sz="5200" u="none">
+        <a:defRPr sz="5200" b="0" i="0" u="none" strike="noStrike" cap="none" spc="0" baseline="0">
           <a:ln>
             <a:noFill/>
           </a:ln>
@@ -2689,8 +2647,7 @@
         <a:buSzPct val="75000"/>
         <a:buFontTx/>
         <a:buChar char="•"/>
-        <a:tabLst/>
-        <a:defRPr b="0" baseline="0" cap="none" i="0" spc="0" strike="noStrike" sz="5200" u="none">
+        <a:defRPr sz="5200" b="0" i="0" u="none" strike="noStrike" cap="none" spc="0" baseline="0">
           <a:ln>
             <a:noFill/>
           </a:ln>
@@ -2718,8 +2675,7 @@
         <a:buSzPct val="75000"/>
         <a:buFontTx/>
         <a:buChar char="•"/>
-        <a:tabLst/>
-        <a:defRPr b="0" baseline="0" cap="none" i="0" spc="0" strike="noStrike" sz="5200" u="none">
+        <a:defRPr sz="5200" b="0" i="0" u="none" strike="noStrike" cap="none" spc="0" baseline="0">
           <a:ln>
             <a:noFill/>
           </a:ln>
@@ -2749,8 +2705,7 @@
         <a:buSzTx/>
         <a:buFontTx/>
         <a:buNone/>
-        <a:tabLst/>
-        <a:defRPr b="0" baseline="0" cap="none" i="0" spc="0" strike="noStrike" sz="2400" u="none">
+        <a:defRPr sz="2400" b="0" i="0" u="none" strike="noStrike" cap="none" spc="0" baseline="0">
           <a:ln>
             <a:noFill/>
           </a:ln>
@@ -2778,8 +2733,7 @@
         <a:buSzTx/>
         <a:buFontTx/>
         <a:buNone/>
-        <a:tabLst/>
-        <a:defRPr b="0" baseline="0" cap="none" i="0" spc="0" strike="noStrike" sz="2400" u="none">
+        <a:defRPr sz="2400" b="0" i="0" u="none" strike="noStrike" cap="none" spc="0" baseline="0">
           <a:ln>
             <a:noFill/>
           </a:ln>
@@ -2807,8 +2761,7 @@
         <a:buSzTx/>
         <a:buFontTx/>
         <a:buNone/>
-        <a:tabLst/>
-        <a:defRPr b="0" baseline="0" cap="none" i="0" spc="0" strike="noStrike" sz="2400" u="none">
+        <a:defRPr sz="2400" b="0" i="0" u="none" strike="noStrike" cap="none" spc="0" baseline="0">
           <a:ln>
             <a:noFill/>
           </a:ln>
@@ -2836,8 +2789,7 @@
         <a:buSzTx/>
         <a:buFontTx/>
         <a:buNone/>
-        <a:tabLst/>
-        <a:defRPr b="0" baseline="0" cap="none" i="0" spc="0" strike="noStrike" sz="2400" u="none">
+        <a:defRPr sz="2400" b="0" i="0" u="none" strike="noStrike" cap="none" spc="0" baseline="0">
           <a:ln>
             <a:noFill/>
           </a:ln>
@@ -2865,8 +2817,7 @@
         <a:buSzTx/>
         <a:buFontTx/>
         <a:buNone/>
-        <a:tabLst/>
-        <a:defRPr b="0" baseline="0" cap="none" i="0" spc="0" strike="noStrike" sz="2400" u="none">
+        <a:defRPr sz="2400" b="0" i="0" u="none" strike="noStrike" cap="none" spc="0" baseline="0">
           <a:ln>
             <a:noFill/>
           </a:ln>
@@ -2894,8 +2845,7 @@
         <a:buSzTx/>
         <a:buFontTx/>
         <a:buNone/>
-        <a:tabLst/>
-        <a:defRPr b="0" baseline="0" cap="none" i="0" spc="0" strike="noStrike" sz="2400" u="none">
+        <a:defRPr sz="2400" b="0" i="0" u="none" strike="noStrike" cap="none" spc="0" baseline="0">
           <a:ln>
             <a:noFill/>
           </a:ln>
@@ -2923,8 +2873,7 @@
         <a:buSzTx/>
         <a:buFontTx/>
         <a:buNone/>
-        <a:tabLst/>
-        <a:defRPr b="0" baseline="0" cap="none" i="0" spc="0" strike="noStrike" sz="2400" u="none">
+        <a:defRPr sz="2400" b="0" i="0" u="none" strike="noStrike" cap="none" spc="0" baseline="0">
           <a:ln>
             <a:noFill/>
           </a:ln>
@@ -2952,8 +2901,7 @@
         <a:buSzTx/>
         <a:buFontTx/>
         <a:buNone/>
-        <a:tabLst/>
-        <a:defRPr b="0" baseline="0" cap="none" i="0" spc="0" strike="noStrike" sz="2400" u="none">
+        <a:defRPr sz="2400" b="0" i="0" u="none" strike="noStrike" cap="none" spc="0" baseline="0">
           <a:ln>
             <a:noFill/>
           </a:ln>
@@ -2981,8 +2929,7 @@
         <a:buSzTx/>
         <a:buFontTx/>
         <a:buNone/>
-        <a:tabLst/>
-        <a:defRPr b="0" baseline="0" cap="none" i="0" spc="0" strike="noStrike" sz="2400" u="none">
+        <a:defRPr sz="2400" b="0" i="0" u="none" strike="noStrike" cap="none" spc="0" baseline="0">
           <a:ln>
             <a:noFill/>
           </a:ln>
@@ -3002,7 +2949,7 @@
 </file>
 
 <file path=ppt/slides/slide1.xml><?xml version="1.0" encoding="utf-8"?>
-<p:sld xmlns:a="http://schemas.openxmlformats.org/drawingml/2006/main" xmlns:r="http://schemas.openxmlformats.org/officeDocument/2006/relationships" xmlns:p="http://schemas.openxmlformats.org/presentationml/2006/main" showMasterSp="1" showMasterPhAnim="1">
+<p:sld xmlns:a="http://schemas.openxmlformats.org/drawingml/2006/main" xmlns:r="http://schemas.openxmlformats.org/officeDocument/2006/relationships" xmlns:p="http://schemas.openxmlformats.org/presentationml/2006/main">
   <p:cSld>
     <p:spTree>
       <p:nvGrpSpPr>
@@ -3036,7 +2983,7 @@
           <a:lstStyle/>
           <a:p>
             <a:pPr defTabSz="800735">
-              <a:defRPr sz="10864"/>
+              <a:defRPr sz="10865"/>
             </a:pPr>
             <a:r>
               <a:t>庖丁解牛Linux内核分析</a:t>
@@ -3044,7 +2991,7 @@
           </a:p>
           <a:p>
             <a:pPr defTabSz="800735">
-              <a:defRPr sz="10864"/>
+              <a:defRPr sz="10865"/>
             </a:pPr>
             <a:r>
               <a:t>进程的切换和系统的一般执行过程</a:t>
@@ -3061,9 +3008,7 @@
           <p:nvPr/>
         </p:nvPicPr>
         <p:blipFill>
-          <a:blip r:embed="rId2">
-            <a:extLst/>
-          </a:blip>
+          <a:blip r:embed="rId1"/>
           <a:stretch>
             <a:fillRect/>
           </a:stretch>
@@ -3078,6 +3023,8 @@
           </a:prstGeom>
           <a:ln w="12700">
             <a:miter lim="400000"/>
+            <a:headEnd/>
+            <a:tailEnd/>
           </a:ln>
         </p:spPr>
       </p:pic>
@@ -3098,11 +3045,6 @@
           <a:ln w="12700">
             <a:miter lim="400000"/>
           </a:ln>
-          <a:extLst>
-            <a:ext uri="{C572A759-6A51-4108-AA02-DFA0A04FC94B}">
-              <ma14:wrappingTextBoxFlag xmlns:ma14="http://schemas.microsoft.com/office/mac/drawingml/2011/main" val="1"/>
-            </a:ext>
-          </a:extLst>
         </p:spPr>
         <p:txBody>
           <a:bodyPr wrap="none" lIns="50800" tIns="50800" rIns="50800" bIns="50800" anchor="ctr">
@@ -3114,7 +3056,6 @@
             </a:lvl1pPr>
           </a:lstStyle>
           <a:p>
-            <a:pPr/>
             <a:r>
               <a:t>关注孟宁</a:t>
             </a:r>
@@ -3138,15 +3079,10 @@
           <a:ln w="12700">
             <a:miter lim="400000"/>
           </a:ln>
-          <a:extLst>
-            <a:ext uri="{C572A759-6A51-4108-AA02-DFA0A04FC94B}">
-              <ma14:wrappingTextBoxFlag xmlns:ma14="http://schemas.microsoft.com/office/mac/drawingml/2011/main" val="1"/>
-            </a:ext>
-          </a:extLst>
         </p:spPr>
         <p:txBody>
           <a:bodyPr lIns="50800" tIns="50800" rIns="50800" bIns="50800">
-            <a:normAutofit fontScale="100000" lnSpcReduction="0"/>
+            <a:normAutofit/>
           </a:bodyPr>
           <a:lstStyle>
             <a:lvl1pPr>
@@ -3154,7 +3090,6 @@
             </a:lvl1pPr>
           </a:lstStyle>
           <a:p>
-            <a:pPr/>
             <a:r>
               <a:t>孟宁</a:t>
             </a:r>
@@ -3170,9 +3105,7 @@
           <p:nvPr/>
         </p:nvPicPr>
         <p:blipFill>
-          <a:blip r:embed="rId3">
-            <a:extLst/>
-          </a:blip>
+          <a:blip r:embed="rId2"/>
           <a:stretch>
             <a:fillRect/>
           </a:stretch>
@@ -3187,6 +3120,8 @@
           </a:prstGeom>
           <a:ln w="12700">
             <a:miter lim="400000"/>
+            <a:headEnd/>
+            <a:tailEnd/>
           </a:ln>
         </p:spPr>
       </p:pic>
@@ -3195,12 +3130,12 @@
   <p:clrMapOvr>
     <a:masterClrMapping/>
   </p:clrMapOvr>
-  <p:transition xmlns:p14="http://schemas.microsoft.com/office/powerpoint/2010/main" spd="med" advClick="1"/>
+  <p:transition spd="med"/>
 </p:sld>
 </file>
 
 <file path=ppt/slides/slide10.xml><?xml version="1.0" encoding="utf-8"?>
-<p:sld xmlns:a="http://schemas.openxmlformats.org/drawingml/2006/main" xmlns:r="http://schemas.openxmlformats.org/officeDocument/2006/relationships" xmlns:p="http://schemas.openxmlformats.org/presentationml/2006/main" showMasterSp="1" showMasterPhAnim="1">
+<p:sld xmlns:a="http://schemas.openxmlformats.org/drawingml/2006/main" xmlns:r="http://schemas.openxmlformats.org/officeDocument/2006/relationships" xmlns:p="http://schemas.openxmlformats.org/presentationml/2006/main">
   <p:cSld>
     <p:spTree>
       <p:nvGrpSpPr>
@@ -3233,7 +3168,6 @@
           <a:bodyPr/>
           <a:lstStyle/>
           <a:p>
-            <a:pPr/>
             <a:r>
               <a:t>内核线程与多线程编程</a:t>
             </a:r>
@@ -3261,7 +3195,7 @@
               <a:spcBef>
                 <a:spcPts val="5300"/>
               </a:spcBef>
-              <a:defRPr sz="4732"/>
+              <a:defRPr sz="4730"/>
             </a:pPr>
             <a:r>
               <a:t>Linux内核中没有操作系统原理中定义的线程概念。从内核的角度看，不管是进程还是内核线程都对应一个task_struct数据结构，本质上都是进程。Linux系统在用户态实现的线程库pthread是通过在内核中多个进程共享一个地址空间实现的。</a:t>
@@ -3272,7 +3206,7 @@
               <a:spcBef>
                 <a:spcPts val="5300"/>
               </a:spcBef>
-              <a:defRPr sz="4732"/>
+              <a:defRPr sz="4730"/>
             </a:pPr>
             <a:r>
               <a:t>另外需要特别说明的是，我们分析的大多代码是基于Linux 5.4.34内核，个别部分作为对比引用了Linux 3.18.6内核代码。除特别说明外一般也适用于Linux 3.0之后的其他版本内核，但不适用于Linux 3.0之前的古老内核，比如Linux 2.4和Linux 2.6。新版内核中断处理程序中没有上半部下半部的概念，下半部都统一到内核线程中来处理。新版内核在中断处理程序、内核线程和用户进程上抽象得更加干净清晰，在设计质量和代码质量上都有显著改善。</a:t>
@@ -3285,12 +3219,19 @@
   <p:clrMapOvr>
     <a:masterClrMapping/>
   </p:clrMapOvr>
-  <p:transition xmlns:p14="http://schemas.microsoft.com/office/powerpoint/2010/main" spd="med" advClick="1" p14:dur="1000"/>
+  <mc:AlternateContent xmlns:mc="http://schemas.openxmlformats.org/markup-compatibility/2006">
+    <mc:Choice xmlns:p14="http://schemas.microsoft.com/office/powerpoint/2010/main" Requires="p14">
+      <p:transition spd="med" p14:dur="1000"/>
+    </mc:Choice>
+    <mc:Fallback>
+      <p:transition spd="med"/>
+    </mc:Fallback>
+  </mc:AlternateContent>
 </p:sld>
 </file>
 
 <file path=ppt/slides/slide11.xml><?xml version="1.0" encoding="utf-8"?>
-<p:sld xmlns:a="http://schemas.openxmlformats.org/drawingml/2006/main" xmlns:r="http://schemas.openxmlformats.org/officeDocument/2006/relationships" xmlns:p="http://schemas.openxmlformats.org/presentationml/2006/main" showMasterSp="1" showMasterPhAnim="1">
+<p:sld xmlns:a="http://schemas.openxmlformats.org/drawingml/2006/main" xmlns:r="http://schemas.openxmlformats.org/officeDocument/2006/relationships" xmlns:p="http://schemas.openxmlformats.org/presentationml/2006/main">
   <p:cSld>
     <p:spTree>
       <p:nvGrpSpPr>
@@ -3323,7 +3264,6 @@
           <a:bodyPr/>
           <a:lstStyle/>
           <a:p>
-            <a:pPr/>
             <a:r>
               <a:t>进程调度概述</a:t>
             </a:r>
@@ -3351,7 +3291,7 @@
               <a:spcBef>
                 <a:spcPts val="4800"/>
               </a:spcBef>
-              <a:defRPr sz="4316"/>
+              <a:defRPr sz="4315"/>
             </a:pPr>
             <a:r>
               <a:t>进程调度策略就是从就绪队列中选择一个进程的策略方法。一般来说就是挑最重要的、最需要的（最着急的）、等了最长时间的（排队）等，和人类排队抢资源很一样一样的。进度调度可以分为两个层次，一个是策略一个算法。</a:t>
@@ -3362,7 +3302,7 @@
               <a:spcBef>
                 <a:spcPts val="4800"/>
               </a:spcBef>
-              <a:defRPr sz="4316"/>
+              <a:defRPr sz="4315"/>
             </a:pPr>
             <a:r>
               <a:t>	•	进程调度策略：首先要考虑这个策略的整体目标，是追求资源利用率最高，还是追求响应最即时，或是追求其他的特定目标。为了满足定下的这些目标，就需要找对应的方法或机制作为对策，这就是进程调度策略，显然进程调度策略站的层次更高。</a:t>
@@ -3373,7 +3313,7 @@
               <a:spcBef>
                 <a:spcPts val="4800"/>
               </a:spcBef>
-              <a:defRPr sz="4316"/>
+              <a:defRPr sz="4315"/>
             </a:pPr>
             <a:r>
               <a:t>	•	进程调度算法：接下来考虑如何实现进程调度策略来达成设定的目标。是用数组、链表、图，还是树来存储就绪进程呢？在加入就绪队列时就排序，还是调度时再排序？时间复杂度可以接受吗？这些具体的实现就是进程调度算法需要考虑的问题。</a:t>
@@ -3386,12 +3326,19 @@
   <p:clrMapOvr>
     <a:masterClrMapping/>
   </p:clrMapOvr>
-  <p:transition xmlns:p14="http://schemas.microsoft.com/office/powerpoint/2010/main" spd="med" advClick="1" p14:dur="1000"/>
+  <mc:AlternateContent xmlns:mc="http://schemas.openxmlformats.org/markup-compatibility/2006">
+    <mc:Choice xmlns:p14="http://schemas.microsoft.com/office/powerpoint/2010/main" Requires="p14">
+      <p:transition spd="med" p14:dur="1000"/>
+    </mc:Choice>
+    <mc:Fallback>
+      <p:transition spd="med"/>
+    </mc:Fallback>
+  </mc:AlternateContent>
 </p:sld>
 </file>
 
 <file path=ppt/slides/slide12.xml><?xml version="1.0" encoding="utf-8"?>
-<p:sld xmlns:a="http://schemas.openxmlformats.org/drawingml/2006/main" xmlns:r="http://schemas.openxmlformats.org/officeDocument/2006/relationships" xmlns:p="http://schemas.openxmlformats.org/presentationml/2006/main" showMasterSp="1" showMasterPhAnim="1">
+<p:sld xmlns:a="http://schemas.openxmlformats.org/drawingml/2006/main" xmlns:r="http://schemas.openxmlformats.org/officeDocument/2006/relationships" xmlns:p="http://schemas.openxmlformats.org/presentationml/2006/main">
   <p:cSld>
     <p:spTree>
       <p:nvGrpSpPr>
@@ -3424,7 +3371,6 @@
           <a:bodyPr/>
           <a:lstStyle/>
           <a:p>
-            <a:pPr/>
             <a:r>
               <a:t>进程的分类</a:t>
             </a:r>
@@ -3452,7 +3398,7 @@
               <a:spcBef>
                 <a:spcPts val="4700"/>
               </a:spcBef>
-              <a:defRPr sz="4212"/>
+              <a:defRPr sz="4210"/>
             </a:pPr>
             <a:r>
               <a:t>为了满足不同进程的的需要，首先就要给进程分类。从不同的视角看，进程可以有多种不同的分类方式。这里选取两种和调度相关的分类方式。</a:t>
@@ -3463,7 +3409,7 @@
               <a:spcBef>
                 <a:spcPts val="4700"/>
               </a:spcBef>
-              <a:defRPr sz="4212"/>
+              <a:defRPr sz="4210"/>
             </a:pPr>
             <a:r>
               <a:t>	•	按消耗资源的类型对进程分类</a:t>
@@ -3474,7 +3420,7 @@
               <a:spcBef>
                 <a:spcPts val="4700"/>
               </a:spcBef>
-              <a:defRPr sz="4212"/>
+              <a:defRPr sz="4210"/>
             </a:pPr>
             <a:r>
               <a:t>	◦	I/O消耗型进程。典型的像需要大量文件读写操作的或网络读写操作的，如文件服务器的服务进程。这种进程的特点就是CPU负载不高，大量时间都在等待读写数据。</a:t>
@@ -3485,7 +3431,7 @@
               <a:spcBef>
                 <a:spcPts val="4700"/>
               </a:spcBef>
-              <a:defRPr sz="4212"/>
+              <a:defRPr sz="4210"/>
             </a:pPr>
             <a:r>
               <a:t>	◦	计算消耗型进程。典型的像视频编码转换、科学计算等。这种进程的特点就是CPU占用率几乎为100%，但没有太多I/O读写操作。</a:t>
@@ -3496,7 +3442,7 @@
               <a:spcBef>
                 <a:spcPts val="4700"/>
               </a:spcBef>
-              <a:defRPr sz="4212"/>
+              <a:defRPr sz="4210"/>
             </a:pPr>
             <a:r>
               <a:t>在实际的进程调度中要综合考虑这两种类型的进程，通过组合以达到较高的资源利用率。</a:t>
@@ -3509,12 +3455,19 @@
   <p:clrMapOvr>
     <a:masterClrMapping/>
   </p:clrMapOvr>
-  <p:transition xmlns:p14="http://schemas.microsoft.com/office/powerpoint/2010/main" spd="med" advClick="1" p14:dur="1000"/>
+  <mc:AlternateContent xmlns:mc="http://schemas.openxmlformats.org/markup-compatibility/2006">
+    <mc:Choice xmlns:p14="http://schemas.microsoft.com/office/powerpoint/2010/main" Requires="p14">
+      <p:transition spd="med" p14:dur="1000"/>
+    </mc:Choice>
+    <mc:Fallback>
+      <p:transition spd="med"/>
+    </mc:Fallback>
+  </mc:AlternateContent>
 </p:sld>
 </file>
 
 <file path=ppt/slides/slide13.xml><?xml version="1.0" encoding="utf-8"?>
-<p:sld xmlns:a="http://schemas.openxmlformats.org/drawingml/2006/main" xmlns:r="http://schemas.openxmlformats.org/officeDocument/2006/relationships" xmlns:p="http://schemas.openxmlformats.org/presentationml/2006/main" showMasterSp="1" showMasterPhAnim="1">
+<p:sld xmlns:a="http://schemas.openxmlformats.org/drawingml/2006/main" xmlns:r="http://schemas.openxmlformats.org/officeDocument/2006/relationships" xmlns:p="http://schemas.openxmlformats.org/presentationml/2006/main">
   <p:cSld>
     <p:spTree>
       <p:nvGrpSpPr>
@@ -3547,7 +3500,6 @@
           <a:bodyPr/>
           <a:lstStyle/>
           <a:p>
-            <a:pPr/>
             <a:r>
               <a:t>进程的分类</a:t>
             </a:r>
@@ -3575,7 +3527,7 @@
               <a:spcBef>
                 <a:spcPts val="5000"/>
               </a:spcBef>
-              <a:defRPr sz="4472"/>
+              <a:defRPr sz="4470"/>
             </a:pPr>
             <a:r>
               <a:t>	•	按响应时效对进程分类</a:t>
@@ -3586,7 +3538,7 @@
               <a:spcBef>
                 <a:spcPts val="5000"/>
               </a:spcBef>
-              <a:defRPr sz="4472"/>
+              <a:defRPr sz="4470"/>
             </a:pPr>
             <a:r>
               <a:t>	◦	批处理进程。此类进程不需要人机交互，在后台运行，需要占用大量的系统资源，但是能够忍受响应延迟，比如编译器。</a:t>
@@ -3597,7 +3549,7 @@
               <a:spcBef>
                 <a:spcPts val="5000"/>
               </a:spcBef>
-              <a:defRPr sz="4472"/>
+              <a:defRPr sz="4470"/>
             </a:pPr>
             <a:r>
               <a:t>	◦	交互式进程。此类进程有大量的人机交互，因此进程不断地处于睡眠状态，等待用户输入，典型的应用比如编辑器Vim。此类进程对系统响应时间要求比较高，否则用户会感觉系统反应迟缓。</a:t>
@@ -3608,7 +3560,7 @@
               <a:spcBef>
                 <a:spcPts val="5000"/>
               </a:spcBef>
-              <a:defRPr sz="4472"/>
+              <a:defRPr sz="4470"/>
             </a:pPr>
             <a:r>
               <a:t>	◦	实时进程。实时进程对调度延迟的要求最高，这些进程往往执行非常重要的操作，要求立即响应并执行。比如视频播放软件或飞机飞行控制系统，很明显这类程序不能容忍长时间的调度延迟，轻则影响电影放映效果，重则机毁人亡。</a:t>
@@ -3621,12 +3573,19 @@
   <p:clrMapOvr>
     <a:masterClrMapping/>
   </p:clrMapOvr>
-  <p:transition xmlns:p14="http://schemas.microsoft.com/office/powerpoint/2010/main" spd="med" advClick="1" p14:dur="1000"/>
+  <mc:AlternateContent xmlns:mc="http://schemas.openxmlformats.org/markup-compatibility/2006">
+    <mc:Choice xmlns:p14="http://schemas.microsoft.com/office/powerpoint/2010/main" Requires="p14">
+      <p:transition spd="med" p14:dur="1000"/>
+    </mc:Choice>
+    <mc:Fallback>
+      <p:transition spd="med"/>
+    </mc:Fallback>
+  </mc:AlternateContent>
 </p:sld>
 </file>
 
 <file path=ppt/slides/slide14.xml><?xml version="1.0" encoding="utf-8"?>
-<p:sld xmlns:a="http://schemas.openxmlformats.org/drawingml/2006/main" xmlns:r="http://schemas.openxmlformats.org/officeDocument/2006/relationships" xmlns:p="http://schemas.openxmlformats.org/presentationml/2006/main" showMasterSp="1" showMasterPhAnim="1">
+<p:sld xmlns:a="http://schemas.openxmlformats.org/drawingml/2006/main" xmlns:r="http://schemas.openxmlformats.org/officeDocument/2006/relationships" xmlns:p="http://schemas.openxmlformats.org/presentationml/2006/main">
   <p:cSld>
     <p:spTree>
       <p:nvGrpSpPr>
@@ -3659,7 +3618,6 @@
           <a:bodyPr/>
           <a:lstStyle/>
           <a:p>
-            <a:pPr/>
             <a:r>
               <a:t>Linux调度策略</a:t>
             </a:r>
@@ -3687,7 +3645,7 @@
               <a:spcBef>
                 <a:spcPts val="5300"/>
               </a:spcBef>
-              <a:defRPr sz="4732"/>
+              <a:defRPr sz="4730"/>
             </a:pPr>
             <a:r>
               <a:t>根据进程的不同分类，Linux采用不同的调度策略。早期很多用户共享同一台小型机，调度算法追求吞吐率、利用率、公平性；现在的个人电脑更强调人机交互响应速度；而很多自动控制场合使用的嵌入式系统更强调实时性。当前Linux系统的解决方案是，对于实时进程，Linux采用FIFO（先进先出）或者Round Robin（时间片轮转）的调度策略。对其他进程，当前Linux采用CFS（Completely Fair Scheduler）调度器，核心思想是“完全公平”。这个设计理念不仅大大简化了调度器的代码复杂度，还对各种调度需求的提供了更完美支持。</a:t>
@@ -3698,7 +3656,7 @@
               <a:spcBef>
                 <a:spcPts val="5300"/>
               </a:spcBef>
-              <a:defRPr sz="4732"/>
+              <a:defRPr sz="4730"/>
             </a:pPr>
             <a:r>
               <a:t>在写此文时，作者的微信共占用CPU时间7小时，期间经过了4741853次上下文切换，约每次运行0.0053秒。</a:t>
@@ -3711,12 +3669,19 @@
   <p:clrMapOvr>
     <a:masterClrMapping/>
   </p:clrMapOvr>
-  <p:transition xmlns:p14="http://schemas.microsoft.com/office/powerpoint/2010/main" spd="med" advClick="1" p14:dur="1000"/>
+  <mc:AlternateContent xmlns:mc="http://schemas.openxmlformats.org/markup-compatibility/2006">
+    <mc:Choice xmlns:p14="http://schemas.microsoft.com/office/powerpoint/2010/main" Requires="p14">
+      <p:transition spd="med" p14:dur="1000"/>
+    </mc:Choice>
+    <mc:Fallback>
+      <p:transition spd="med"/>
+    </mc:Fallback>
+  </mc:AlternateContent>
 </p:sld>
 </file>
 
 <file path=ppt/slides/slide15.xml><?xml version="1.0" encoding="utf-8"?>
-<p:sld xmlns:a="http://schemas.openxmlformats.org/drawingml/2006/main" xmlns:r="http://schemas.openxmlformats.org/officeDocument/2006/relationships" xmlns:p="http://schemas.openxmlformats.org/presentationml/2006/main" showMasterSp="1" showMasterPhAnim="1">
+<p:sld xmlns:a="http://schemas.openxmlformats.org/drawingml/2006/main" xmlns:r="http://schemas.openxmlformats.org/officeDocument/2006/relationships" xmlns:p="http://schemas.openxmlformats.org/presentationml/2006/main">
   <p:cSld>
     <p:spTree>
       <p:nvGrpSpPr>
@@ -3749,7 +3714,6 @@
           <a:bodyPr/>
           <a:lstStyle/>
           <a:p>
-            <a:pPr/>
             <a:r>
               <a:t>Linux进程调度策略</a:t>
             </a:r>
@@ -3776,11 +3740,10 @@
               <a:spcBef>
                 <a:spcPts val="5700"/>
               </a:spcBef>
-              <a:defRPr sz="5096"/>
+              <a:defRPr sz="5095"/>
             </a:lvl1pPr>
           </a:lstStyle>
           <a:p>
-            <a:pPr/>
             <a:r>
               <a:t>Linux系统中常用的几种调度策略为SCHED_NORMAL、SCHED_FIFO、SCHED_RR、SCHED_BATCH。其中SCHED_NORMAL是用于普通进程的调度类，而SCHED_FIFO和SCHED_RR是用于实时进程的调度类，优先级高于SCHED_NORMAL。内核中根据进程的优先级来区分普通进程与实时进程，Linux内核进程优先级为0～139，数值越高，优先级越低，0为最高优先级。实时进程的优先级取值为0~99；而普通进程只具有nice值，nice值映射到优先级为100～139。子进程会继承父进程的优先级。对于实时进程，Linux系统会尽量使其调度延时在一个时间期限内，但是不能保证总是如此，不过正常情况下已经可以满足比较严格的时间要求了。</a:t>
             </a:r>
@@ -3792,12 +3755,19 @@
   <p:clrMapOvr>
     <a:masterClrMapping/>
   </p:clrMapOvr>
-  <p:transition xmlns:p14="http://schemas.microsoft.com/office/powerpoint/2010/main" spd="med" advClick="1" p14:dur="1000"/>
+  <mc:AlternateContent xmlns:mc="http://schemas.openxmlformats.org/markup-compatibility/2006">
+    <mc:Choice xmlns:p14="http://schemas.microsoft.com/office/powerpoint/2010/main" Requires="p14">
+      <p:transition spd="med" p14:dur="1000"/>
+    </mc:Choice>
+    <mc:Fallback>
+      <p:transition spd="med"/>
+    </mc:Fallback>
+  </mc:AlternateContent>
 </p:sld>
 </file>
 
 <file path=ppt/slides/slide16.xml><?xml version="1.0" encoding="utf-8"?>
-<p:sld xmlns:a="http://schemas.openxmlformats.org/drawingml/2006/main" xmlns:r="http://schemas.openxmlformats.org/officeDocument/2006/relationships" xmlns:p="http://schemas.openxmlformats.org/presentationml/2006/main" showMasterSp="1" showMasterPhAnim="1">
+<p:sld xmlns:a="http://schemas.openxmlformats.org/drawingml/2006/main" xmlns:r="http://schemas.openxmlformats.org/officeDocument/2006/relationships" xmlns:p="http://schemas.openxmlformats.org/presentationml/2006/main">
   <p:cSld>
     <p:spTree>
       <p:nvGrpSpPr>
@@ -3830,7 +3800,6 @@
           <a:bodyPr/>
           <a:lstStyle/>
           <a:p>
-            <a:pPr/>
             <a:r>
               <a:t>SCHED_FIFO和SCHED_RR</a:t>
             </a:r>
@@ -3854,7 +3823,6 @@
           <a:bodyPr/>
           <a:lstStyle/>
           <a:p>
-            <a:pPr/>
             <a:r>
               <a:t>实时进程的优先级是静态设定的，而且始终大于普通进程的优先级。因此只有当就绪队列中没有实时进程的情况下，普通进程才能够获得调度执行机会。实时进程采用两种调度策略：SCHED_FIFO和SCHED_RR。SCHED_FIFO采用先进先出的策略，对于所有相同优先级的进程，最先进入就绪队列的进程总能优先获得调度，直到其主动放弃CPU。SCHED_RR（Round Robin）采用更加公平的轮转策略，比FIFO多一个时间片，使得相同优先级的实时进程能够轮流获得调度，每次运行一个时间片。</a:t>
             </a:r>
@@ -3866,12 +3834,19 @@
   <p:clrMapOvr>
     <a:masterClrMapping/>
   </p:clrMapOvr>
-  <p:transition xmlns:p14="http://schemas.microsoft.com/office/powerpoint/2010/main" spd="med" advClick="1" p14:dur="1000"/>
+  <mc:AlternateContent xmlns:mc="http://schemas.openxmlformats.org/markup-compatibility/2006">
+    <mc:Choice xmlns:p14="http://schemas.microsoft.com/office/powerpoint/2010/main" Requires="p14">
+      <p:transition spd="med" p14:dur="1000"/>
+    </mc:Choice>
+    <mc:Fallback>
+      <p:transition spd="med"/>
+    </mc:Fallback>
+  </mc:AlternateContent>
 </p:sld>
 </file>
 
 <file path=ppt/slides/slide17.xml><?xml version="1.0" encoding="utf-8"?>
-<p:sld xmlns:a="http://schemas.openxmlformats.org/drawingml/2006/main" xmlns:r="http://schemas.openxmlformats.org/officeDocument/2006/relationships" xmlns:p="http://schemas.openxmlformats.org/presentationml/2006/main" showMasterSp="1" showMasterPhAnim="1">
+<p:sld xmlns:a="http://schemas.openxmlformats.org/drawingml/2006/main" xmlns:r="http://schemas.openxmlformats.org/officeDocument/2006/relationships" xmlns:p="http://schemas.openxmlformats.org/presentationml/2006/main">
   <p:cSld>
     <p:spTree>
       <p:nvGrpSpPr>
@@ -3904,7 +3879,6 @@
           <a:bodyPr/>
           <a:lstStyle/>
           <a:p>
-            <a:pPr/>
             <a:r>
               <a:t>SCHED_NORMAL</a:t>
             </a:r>
@@ -3932,7 +3906,7 @@
               <a:spcBef>
                 <a:spcPts val="4200"/>
               </a:spcBef>
-              <a:defRPr sz="3744"/>
+              <a:defRPr sz="3745"/>
             </a:pPr>
             <a:r>
               <a:t>Linux 2.6之后的内核版本中，SCHED_NORMAL使用的是Linux 2.6.23版本内核中引入的CFS（Complete Fair Scheduler）调度管理程序。如果同时运行只有两个相同优先级的进程，它们分到的CPU时间各是50%。如果优先级不同，比如有两个进程，对应的nice值分别为0（普通进程）和+19（低优先级进程），那么普通进程将会占有19/20×100%的CPU时间，而低优先级进程将会占有1/20×100%的CPU时间（按优先级占不同比例的时间，具体数值只做举例说明，Linux内核中计算出来的数值会不一样）。这样每个进程能够分配到的CPU时间占有比例跟系统当前的负载（所有处于运行态的进程数以及各进程的优先级）有关，同一个进程在本身优先级不变的情况下分到的CPU时间占比会根据系统负载变化而发生变化，即与时间片没有一个固定的对应关系。</a:t>
@@ -3943,7 +3917,7 @@
               <a:spcBef>
                 <a:spcPts val="4200"/>
               </a:spcBef>
-              <a:defRPr sz="3744"/>
+              <a:defRPr sz="3745"/>
             </a:pPr>
             <a:r>
               <a:t>CFS算法对交互式进程的响应较好，由于交互式进程基本处于等待事件的阻塞态中，执行的时间很少，而计算类进程在执行的时间会比较长。如果计算类进程正在执行时，交互式进程等待的事件发生了，CFS马上就会判断出交互式进程在之前时间段内执行的时间很少，那么CFS将会立即使交互式的进程占有CPU开始执行，因此系统总是能及时响应交互式进程。</a:t>
@@ -3956,12 +3930,19 @@
   <p:clrMapOvr>
     <a:masterClrMapping/>
   </p:clrMapOvr>
-  <p:transition xmlns:p14="http://schemas.microsoft.com/office/powerpoint/2010/main" spd="med" advClick="1" p14:dur="1000"/>
+  <mc:AlternateContent xmlns:mc="http://schemas.openxmlformats.org/markup-compatibility/2006">
+    <mc:Choice xmlns:p14="http://schemas.microsoft.com/office/powerpoint/2010/main" Requires="p14">
+      <p:transition spd="med" p14:dur="1000"/>
+    </mc:Choice>
+    <mc:Fallback>
+      <p:transition spd="med"/>
+    </mc:Fallback>
+  </mc:AlternateContent>
 </p:sld>
 </file>
 
 <file path=ppt/slides/slide18.xml><?xml version="1.0" encoding="utf-8"?>
-<p:sld xmlns:a="http://schemas.openxmlformats.org/drawingml/2006/main" xmlns:r="http://schemas.openxmlformats.org/officeDocument/2006/relationships" xmlns:p="http://schemas.openxmlformats.org/presentationml/2006/main" showMasterSp="1" showMasterPhAnim="1">
+<p:sld xmlns:a="http://schemas.openxmlformats.org/drawingml/2006/main" xmlns:r="http://schemas.openxmlformats.org/officeDocument/2006/relationships" xmlns:p="http://schemas.openxmlformats.org/presentationml/2006/main">
   <p:cSld>
     <p:spTree>
       <p:nvGrpSpPr>
@@ -3994,7 +3975,6 @@
           <a:bodyPr/>
           <a:lstStyle/>
           <a:p>
-            <a:pPr/>
             <a:r>
               <a:t>CFS进程调度算法</a:t>
             </a:r>
@@ -4022,7 +4002,7 @@
               <a:spcBef>
                 <a:spcPts val="4800"/>
               </a:spcBef>
-              <a:defRPr sz="4316"/>
+              <a:defRPr sz="4315"/>
             </a:pPr>
             <a:r>
               <a:t>CFS即为完全公平调度算法，其基本原理是基于权重的动态优先级调度算法。每个进程使用CPU的顺序由进程已使用的CPU虚拟时间（vruntime）决定，已使用的虚拟时间越少，进程排序就越靠前，进程再次被调度执行的概率也就越高。每个进程每次占用CPU后能够执行的时间（ideal_runtime）由进程的权重决定，并且保证在某个时间周期（__sched_period）内运行队列里的所有进程都能够至少被调度执行一次。</a:t>
@@ -4033,7 +4013,7 @@
               <a:spcBef>
                 <a:spcPts val="4800"/>
               </a:spcBef>
-              <a:defRPr sz="4316"/>
+              <a:defRPr sz="4315"/>
             </a:pPr>
             <a:r>
               <a:t>Linux传统默认时钟周期为10ms（param.h中HZ定义），而Linux 5.4.34版本内核为1ms，于内核配置文件中CONFIG_HZ配置该值为1000，时钟中断为每1/CONFIG_HZ秒，即1/1000秒。</a:t>
@@ -4044,7 +4024,7 @@
               <a:spcBef>
                 <a:spcPts val="4800"/>
               </a:spcBef>
-              <a:defRPr sz="4316"/>
+              <a:defRPr sz="4315"/>
             </a:pPr>
             <a:r>
               <a:t>Linux采用红黑树（rb_tree）来存储就绪进程指针，当进程插入就绪队列时根据vruntime排序，调度时只需选择最左的叶子节点即可。</a:t>
@@ -4057,12 +4037,19 @@
   <p:clrMapOvr>
     <a:masterClrMapping/>
   </p:clrMapOvr>
-  <p:transition xmlns:p14="http://schemas.microsoft.com/office/powerpoint/2010/main" spd="med" advClick="1" p14:dur="1000"/>
+  <mc:AlternateContent xmlns:mc="http://schemas.openxmlformats.org/markup-compatibility/2006">
+    <mc:Choice xmlns:p14="http://schemas.microsoft.com/office/powerpoint/2010/main" Requires="p14">
+      <p:transition spd="med" p14:dur="1000"/>
+    </mc:Choice>
+    <mc:Fallback>
+      <p:transition spd="med"/>
+    </mc:Fallback>
+  </mc:AlternateContent>
 </p:sld>
 </file>
 
 <file path=ppt/slides/slide19.xml><?xml version="1.0" encoding="utf-8"?>
-<p:sld xmlns:a="http://schemas.openxmlformats.org/drawingml/2006/main" xmlns:r="http://schemas.openxmlformats.org/officeDocument/2006/relationships" xmlns:p="http://schemas.openxmlformats.org/presentationml/2006/main" showMasterSp="1" showMasterPhAnim="1">
+<p:sld xmlns:a="http://schemas.openxmlformats.org/drawingml/2006/main" xmlns:r="http://schemas.openxmlformats.org/officeDocument/2006/relationships" xmlns:p="http://schemas.openxmlformats.org/presentationml/2006/main">
   <p:cSld>
     <p:spTree>
       <p:nvGrpSpPr>
@@ -4095,7 +4082,6 @@
           <a:bodyPr/>
           <a:lstStyle/>
           <a:p>
-            <a:pPr/>
             <a:r>
               <a:t>进程上下文切换</a:t>
             </a:r>
@@ -4122,11 +4108,10 @@
               <a:spcBef>
                 <a:spcPts val="5700"/>
               </a:spcBef>
-              <a:defRPr sz="5096"/>
+              <a:defRPr sz="5095"/>
             </a:lvl1pPr>
           </a:lstStyle>
           <a:p>
-            <a:pPr/>
             <a:r>
               <a:t>为了控制进程的执行，内核必须有能力挂起正在CPU上运行的进程，并恢复执行以前挂起的某个进程。这种行为被称为进程切换，任务切换或进程上下文切换。尽管每个进程可以拥有属于自己的地址空间，但所有进程必须共享CPU及寄存器。因此在恢复一个进程执行之前，内核必须确保每个寄存器装入了挂起进程时的值。进程恢复执行前必须装入寄存器的一组数据，称为进程的CPU上下文。您可以将其想象成对CPU的某时刻的状态拍了一张“照片”，“照片”中有CPU所有寄存器的值。同样进程切换就是拍一张当前进程所有状态的大“照片”保存下来，其中就包括进程的CPU上下文的小“照片”，然后将导入一张之前保存下来的其他进程的所有状态信息恢复执行。</a:t>
             </a:r>
@@ -4138,12 +4123,19 @@
   <p:clrMapOvr>
     <a:masterClrMapping/>
   </p:clrMapOvr>
-  <p:transition xmlns:p14="http://schemas.microsoft.com/office/powerpoint/2010/main" spd="med" advClick="1" p14:dur="1000"/>
+  <mc:AlternateContent xmlns:mc="http://schemas.openxmlformats.org/markup-compatibility/2006">
+    <mc:Choice xmlns:p14="http://schemas.microsoft.com/office/powerpoint/2010/main" Requires="p14">
+      <p:transition spd="med" p14:dur="1000"/>
+    </mc:Choice>
+    <mc:Fallback>
+      <p:transition spd="med"/>
+    </mc:Fallback>
+  </mc:AlternateContent>
 </p:sld>
 </file>
 
 <file path=ppt/slides/slide2.xml><?xml version="1.0" encoding="utf-8"?>
-<p:sld xmlns:a="http://schemas.openxmlformats.org/drawingml/2006/main" xmlns:r="http://schemas.openxmlformats.org/officeDocument/2006/relationships" xmlns:p="http://schemas.openxmlformats.org/presentationml/2006/main" showMasterSp="1" showMasterPhAnim="1">
+<p:sld xmlns:a="http://schemas.openxmlformats.org/drawingml/2006/main" xmlns:r="http://schemas.openxmlformats.org/officeDocument/2006/relationships" xmlns:p="http://schemas.openxmlformats.org/presentationml/2006/main">
   <p:cSld>
     <p:spTree>
       <p:nvGrpSpPr>
@@ -4176,11 +4168,10 @@
           <a:bodyPr/>
           <a:lstStyle>
             <a:lvl1pPr defTabSz="800735">
-              <a:defRPr sz="10864"/>
+              <a:defRPr sz="10865"/>
             </a:lvl1pPr>
           </a:lstStyle>
           <a:p>
-            <a:pPr/>
             <a:r>
               <a:t>进程的切换和系统的一般执行过程</a:t>
             </a:r>
@@ -4204,31 +4195,26 @@
           <a:bodyPr/>
           <a:lstStyle/>
           <a:p>
-            <a:pPr/>
             <a:r>
               <a:t>进程调度的时机</a:t>
             </a:r>
           </a:p>
           <a:p>
-            <a:pPr/>
             <a:r>
               <a:t>进程调度概述</a:t>
             </a:r>
           </a:p>
           <a:p>
-            <a:pPr/>
             <a:r>
               <a:t>进程上下文切换</a:t>
             </a:r>
           </a:p>
           <a:p>
-            <a:pPr/>
             <a:r>
               <a:t>Linux系统的运行过程</a:t>
             </a:r>
           </a:p>
           <a:p>
-            <a:pPr/>
             <a:r>
               <a:t>Linux系统构架与执行过程概览</a:t>
             </a:r>
@@ -4240,12 +4226,19 @@
   <p:clrMapOvr>
     <a:masterClrMapping/>
   </p:clrMapOvr>
-  <p:transition xmlns:p14="http://schemas.microsoft.com/office/powerpoint/2010/main" spd="med" advClick="1" p14:dur="1000"/>
+  <mc:AlternateContent xmlns:mc="http://schemas.openxmlformats.org/markup-compatibility/2006">
+    <mc:Choice xmlns:p14="http://schemas.microsoft.com/office/powerpoint/2010/main" Requires="p14">
+      <p:transition spd="med" p14:dur="1000"/>
+    </mc:Choice>
+    <mc:Fallback>
+      <p:transition spd="med"/>
+    </mc:Fallback>
+  </mc:AlternateContent>
 </p:sld>
 </file>
 
 <file path=ppt/slides/slide20.xml><?xml version="1.0" encoding="utf-8"?>
-<p:sld xmlns:a="http://schemas.openxmlformats.org/drawingml/2006/main" xmlns:r="http://schemas.openxmlformats.org/officeDocument/2006/relationships" xmlns:p="http://schemas.openxmlformats.org/presentationml/2006/main" showMasterSp="1" showMasterPhAnim="1">
+<p:sld xmlns:a="http://schemas.openxmlformats.org/drawingml/2006/main" xmlns:r="http://schemas.openxmlformats.org/officeDocument/2006/relationships" xmlns:p="http://schemas.openxmlformats.org/presentationml/2006/main">
   <p:cSld>
     <p:spTree>
       <p:nvGrpSpPr>
@@ -4277,12 +4270,11 @@
         <p:txBody>
           <a:bodyPr/>
           <a:lstStyle>
-            <a:lvl1pPr defTabSz="635634">
-              <a:defRPr sz="8624"/>
+            <a:lvl1pPr defTabSz="635635">
+              <a:defRPr sz="8625"/>
             </a:lvl1pPr>
           </a:lstStyle>
           <a:p>
-            <a:pPr/>
             <a:r>
               <a:t>进程上下文包含了进程执行需要的所有信息</a:t>
             </a:r>
@@ -4306,19 +4298,16 @@
           <a:bodyPr/>
           <a:lstStyle/>
           <a:p>
-            <a:pPr/>
             <a:r>
               <a:t>	•	用户地址空间：包括程序代码、数据、用户堆栈等。</a:t>
             </a:r>
           </a:p>
           <a:p>
-            <a:pPr/>
             <a:r>
               <a:t>	•	控制信息：进程描述符、内核堆栈等。</a:t>
             </a:r>
           </a:p>
           <a:p>
-            <a:pPr/>
             <a:r>
               <a:t>	•	进程的CPU上下文，相关寄存器的值。</a:t>
             </a:r>
@@ -4330,12 +4319,19 @@
   <p:clrMapOvr>
     <a:masterClrMapping/>
   </p:clrMapOvr>
-  <p:transition xmlns:p14="http://schemas.microsoft.com/office/powerpoint/2010/main" spd="med" advClick="1" p14:dur="1000"/>
+  <mc:AlternateContent xmlns:mc="http://schemas.openxmlformats.org/markup-compatibility/2006">
+    <mc:Choice xmlns:p14="http://schemas.microsoft.com/office/powerpoint/2010/main" Requires="p14">
+      <p:transition spd="med" p14:dur="1000"/>
+    </mc:Choice>
+    <mc:Fallback>
+      <p:transition spd="med"/>
+    </mc:Fallback>
+  </mc:AlternateContent>
 </p:sld>
 </file>
 
 <file path=ppt/slides/slide21.xml><?xml version="1.0" encoding="utf-8"?>
-<p:sld xmlns:a="http://schemas.openxmlformats.org/drawingml/2006/main" xmlns:r="http://schemas.openxmlformats.org/officeDocument/2006/relationships" xmlns:p="http://schemas.openxmlformats.org/presentationml/2006/main" showMasterSp="1" showMasterPhAnim="1">
+<p:sld xmlns:a="http://schemas.openxmlformats.org/drawingml/2006/main" xmlns:r="http://schemas.openxmlformats.org/officeDocument/2006/relationships" xmlns:p="http://schemas.openxmlformats.org/presentationml/2006/main">
   <p:cSld>
     <p:spTree>
       <p:nvGrpSpPr>
@@ -4368,7 +4364,6 @@
           <a:bodyPr/>
           <a:lstStyle/>
           <a:p>
-            <a:pPr/>
             <a:r>
               <a:t>进程切换就是变更进程上下文</a:t>
             </a:r>
@@ -4453,12 +4448,19 @@
   <p:clrMapOvr>
     <a:masterClrMapping/>
   </p:clrMapOvr>
-  <p:transition xmlns:p14="http://schemas.microsoft.com/office/powerpoint/2010/main" spd="med" advClick="1" p14:dur="1000"/>
+  <mc:AlternateContent xmlns:mc="http://schemas.openxmlformats.org/markup-compatibility/2006">
+    <mc:Choice xmlns:p14="http://schemas.microsoft.com/office/powerpoint/2010/main" Requires="p14">
+      <p:transition spd="med" p14:dur="1000"/>
+    </mc:Choice>
+    <mc:Fallback>
+      <p:transition spd="med"/>
+    </mc:Fallback>
+  </mc:AlternateContent>
 </p:sld>
 </file>
 
 <file path=ppt/slides/slide22.xml><?xml version="1.0" encoding="utf-8"?>
-<p:sld xmlns:a="http://schemas.openxmlformats.org/drawingml/2006/main" xmlns:r="http://schemas.openxmlformats.org/officeDocument/2006/relationships" xmlns:p="http://schemas.openxmlformats.org/presentationml/2006/main" showMasterSp="1" showMasterPhAnim="1">
+<p:sld xmlns:a="http://schemas.openxmlformats.org/drawingml/2006/main" xmlns:r="http://schemas.openxmlformats.org/officeDocument/2006/relationships" xmlns:p="http://schemas.openxmlformats.org/presentationml/2006/main">
   <p:cSld>
     <p:spTree>
       <p:nvGrpSpPr>
@@ -4491,7 +4493,6 @@
           <a:bodyPr/>
           <a:lstStyle/>
           <a:p>
-            <a:pPr/>
             <a:r>
               <a:t>进程切换</a:t>
             </a:r>
@@ -4519,7 +4520,7 @@
               <a:spcBef>
                 <a:spcPts val="5000"/>
               </a:spcBef>
-              <a:defRPr sz="4472"/>
+              <a:defRPr sz="4470"/>
             </a:pPr>
             <a:r>
               <a:t>每个进程描述符包含一个类型为thread_struct的thread成员变量，只要进程被切换出去，内核就把其CPU上下文保存在这个结构体变量thread和内核堆栈中。thread_struct数据结构包含部分CPU寄存器的状态，另外一些寄存器的状态存储在内核堆栈中。</a:t>
@@ -4530,7 +4531,7 @@
               <a:spcBef>
                 <a:spcPts val="5000"/>
               </a:spcBef>
-              <a:defRPr sz="4472"/>
+              <a:defRPr sz="4470"/>
             </a:pPr>
             <a:r>
               <a:t>在实际代码中，每个进程切换基本由两个步骤组成。</a:t>
@@ -4541,7 +4542,7 @@
               <a:spcBef>
                 <a:spcPts val="5000"/>
               </a:spcBef>
-              <a:defRPr sz="4472"/>
+              <a:defRPr sz="4470"/>
             </a:pPr>
             <a:r>
               <a:t>	•	切换页全局目录（CR3）以安装一个新的地址空间，这样不同进程的虚拟地址如0x8048400（32位x86）就会经过不同的页表转换为不同的物理地址。</a:t>
@@ -4552,7 +4553,7 @@
               <a:spcBef>
                 <a:spcPts val="5000"/>
               </a:spcBef>
-              <a:defRPr sz="4472"/>
+              <a:defRPr sz="4470"/>
             </a:pPr>
             <a:r>
               <a:t>	•	切换内核态堆栈和进程的CPU上下文，因为进程的CPU上下文提供了内核执行新进程所需要的所有信息，包含所有CPU寄存器状态。</a:t>
@@ -4565,12 +4566,19 @@
   <p:clrMapOvr>
     <a:masterClrMapping/>
   </p:clrMapOvr>
-  <p:transition xmlns:p14="http://schemas.microsoft.com/office/powerpoint/2010/main" spd="med" advClick="1" p14:dur="1000"/>
+  <mc:AlternateContent xmlns:mc="http://schemas.openxmlformats.org/markup-compatibility/2006">
+    <mc:Choice xmlns:p14="http://schemas.microsoft.com/office/powerpoint/2010/main" Requires="p14">
+      <p:transition spd="med" p14:dur="1000"/>
+    </mc:Choice>
+    <mc:Fallback>
+      <p:transition spd="med"/>
+    </mc:Fallback>
+  </mc:AlternateContent>
 </p:sld>
 </file>
 
 <file path=ppt/slides/slide23.xml><?xml version="1.0" encoding="utf-8"?>
-<p:sld xmlns:a="http://schemas.openxmlformats.org/drawingml/2006/main" xmlns:r="http://schemas.openxmlformats.org/officeDocument/2006/relationships" xmlns:p="http://schemas.openxmlformats.org/presentationml/2006/main" showMasterSp="1" showMasterPhAnim="1">
+<p:sld xmlns:a="http://schemas.openxmlformats.org/drawingml/2006/main" xmlns:r="http://schemas.openxmlformats.org/officeDocument/2006/relationships" xmlns:p="http://schemas.openxmlformats.org/presentationml/2006/main">
   <p:cSld>
     <p:spTree>
       <p:nvGrpSpPr>
@@ -4602,12 +4610,11 @@
         <p:txBody>
           <a:bodyPr/>
           <a:lstStyle>
-            <a:lvl1pPr defTabSz="792479">
-              <a:defRPr sz="10752"/>
+            <a:lvl1pPr defTabSz="792480">
+              <a:defRPr sz="10750"/>
             </a:lvl1pPr>
           </a:lstStyle>
           <a:p>
-            <a:pPr/>
             <a:r>
               <a:t>linux-3.18.6进程切换核心代码分析</a:t>
             </a:r>
@@ -4631,13 +4638,11 @@
           <a:bodyPr/>
           <a:lstStyle/>
           <a:p>
-            <a:pPr/>
             <a:r>
               <a:t>由于linux-5.4.34进程切换的代码与linux-3.18.6相比变化较大，而linux-3.18.6的进程切换与mykernel内核范例代码一致，且易于理解，因此我们首先分析32位x86体系结构下linux-3.18.6进程切换核心代码。</a:t>
             </a:r>
           </a:p>
           <a:p>
-            <a:pPr/>
             <a:r>
               <a:t>schedule()函数选择一个新的进程来运行，并调用context_switch进行上下文的切换。context_switch首先调用switch_mm切换CR3，然后调用宏switch_to来进行CPU上下文切换。</a:t>
             </a:r>
@@ -4649,12 +4654,19 @@
   <p:clrMapOvr>
     <a:masterClrMapping/>
   </p:clrMapOvr>
-  <p:transition xmlns:p14="http://schemas.microsoft.com/office/powerpoint/2010/main" spd="med" advClick="1" p14:dur="1000"/>
+  <mc:AlternateContent xmlns:mc="http://schemas.openxmlformats.org/markup-compatibility/2006">
+    <mc:Choice xmlns:p14="http://schemas.microsoft.com/office/powerpoint/2010/main" Requires="p14">
+      <p:transition spd="med" p14:dur="1000"/>
+    </mc:Choice>
+    <mc:Fallback>
+      <p:transition spd="med"/>
+    </mc:Fallback>
+  </mc:AlternateContent>
 </p:sld>
 </file>
 
 <file path=ppt/slides/slide24.xml><?xml version="1.0" encoding="utf-8"?>
-<p:sld xmlns:a="http://schemas.openxmlformats.org/drawingml/2006/main" xmlns:r="http://schemas.openxmlformats.org/officeDocument/2006/relationships" xmlns:p="http://schemas.openxmlformats.org/presentationml/2006/main" showMasterSp="1" showMasterPhAnim="1">
+<p:sld xmlns:a="http://schemas.openxmlformats.org/drawingml/2006/main" xmlns:r="http://schemas.openxmlformats.org/officeDocument/2006/relationships" xmlns:p="http://schemas.openxmlformats.org/presentationml/2006/main">
   <p:cSld>
     <p:spTree>
       <p:nvGrpSpPr>
@@ -4687,11 +4699,6 @@
           <a:ln w="12700">
             <a:miter lim="400000"/>
           </a:ln>
-          <a:extLst>
-            <a:ext uri="{C572A759-6A51-4108-AA02-DFA0A04FC94B}">
-              <ma14:wrappingTextBoxFlag xmlns:ma14="http://schemas.microsoft.com/office/mac/drawingml/2011/main" val="1"/>
-            </a:ext>
-          </a:extLst>
         </p:spPr>
         <p:txBody>
           <a:bodyPr wrap="none" lIns="50800" tIns="50800" rIns="50800" bIns="50800" anchor="ctr">
@@ -4822,12 +4829,11 @@
         <p:txBody>
           <a:bodyPr/>
           <a:lstStyle>
-            <a:lvl1pPr defTabSz="487044">
-              <a:defRPr sz="6607"/>
+            <a:lvl1pPr defTabSz="487045">
+              <a:defRPr sz="6605"/>
             </a:lvl1pPr>
           </a:lstStyle>
           <a:p>
-            <a:pPr/>
             <a:r>
               <a:t>context_switch部分关键代码</a:t>
             </a:r>
@@ -4839,12 +4845,19 @@
   <p:clrMapOvr>
     <a:masterClrMapping/>
   </p:clrMapOvr>
-  <p:transition xmlns:p14="http://schemas.microsoft.com/office/powerpoint/2010/main" spd="med" advClick="1" p14:dur="1000"/>
+  <mc:AlternateContent xmlns:mc="http://schemas.openxmlformats.org/markup-compatibility/2006">
+    <mc:Choice xmlns:p14="http://schemas.microsoft.com/office/powerpoint/2010/main" Requires="p14">
+      <p:transition spd="med" p14:dur="1000"/>
+    </mc:Choice>
+    <mc:Fallback>
+      <p:transition spd="med"/>
+    </mc:Fallback>
+  </mc:AlternateContent>
 </p:sld>
 </file>
 
 <file path=ppt/slides/slide25.xml><?xml version="1.0" encoding="utf-8"?>
-<p:sld xmlns:a="http://schemas.openxmlformats.org/drawingml/2006/main" xmlns:r="http://schemas.openxmlformats.org/officeDocument/2006/relationships" xmlns:p="http://schemas.openxmlformats.org/presentationml/2006/main" showMasterSp="1" showMasterPhAnim="1">
+<p:sld xmlns:a="http://schemas.openxmlformats.org/drawingml/2006/main" xmlns:r="http://schemas.openxmlformats.org/officeDocument/2006/relationships" xmlns:p="http://schemas.openxmlformats.org/presentationml/2006/main">
   <p:cSld>
     <p:spTree>
       <p:nvGrpSpPr>
@@ -4877,11 +4890,10 @@
           <a:bodyPr/>
           <a:lstStyle>
             <a:lvl1pPr defTabSz="751205">
-              <a:defRPr sz="10192"/>
+              <a:defRPr sz="10190"/>
             </a:lvl1pPr>
           </a:lstStyle>
           <a:p>
-            <a:pPr/>
             <a:r>
               <a:t>进程的内核堆栈及CPU上下文的切换</a:t>
             </a:r>
@@ -4909,13 +4921,11 @@
           <a:bodyPr/>
           <a:lstStyle/>
           <a:p>
-            <a:pPr/>
             <a:r>
               <a:t>为了阅读方便，将上述代码简化为如下C和汇编结合的伪代码。</a:t>
             </a:r>
           </a:p>
           <a:p>
-            <a:pPr/>
             <a:r>
               <a:t>阅读完整代码请扫二维码获取链接</a:t>
             </a:r>
@@ -4939,11 +4949,6 @@
           <a:ln w="12700">
             <a:miter lim="400000"/>
           </a:ln>
-          <a:extLst>
-            <a:ext uri="{C572A759-6A51-4108-AA02-DFA0A04FC94B}">
-              <ma14:wrappingTextBoxFlag xmlns:ma14="http://schemas.microsoft.com/office/mac/drawingml/2011/main" val="1"/>
-            </a:ext>
-          </a:extLst>
         </p:spPr>
         <p:txBody>
           <a:bodyPr wrap="none" lIns="50800" tIns="50800" rIns="50800" bIns="50800" anchor="ctr">
@@ -5030,9 +5035,7 @@
           <p:nvPr/>
         </p:nvPicPr>
         <p:blipFill>
-          <a:blip r:embed="rId2">
-            <a:extLst/>
-          </a:blip>
+          <a:blip r:embed="rId1"/>
           <a:stretch>
             <a:fillRect/>
           </a:stretch>
@@ -5047,6 +5050,8 @@
           </a:prstGeom>
           <a:ln w="12700">
             <a:miter lim="400000"/>
+            <a:headEnd/>
+            <a:tailEnd/>
           </a:ln>
         </p:spPr>
       </p:pic>
@@ -5055,12 +5060,19 @@
   <p:clrMapOvr>
     <a:masterClrMapping/>
   </p:clrMapOvr>
-  <p:transition xmlns:p14="http://schemas.microsoft.com/office/powerpoint/2010/main" spd="med" advClick="1" p14:dur="1000"/>
+  <mc:AlternateContent xmlns:mc="http://schemas.openxmlformats.org/markup-compatibility/2006">
+    <mc:Choice xmlns:p14="http://schemas.microsoft.com/office/powerpoint/2010/main" Requires="p14">
+      <p:transition spd="med" p14:dur="1000"/>
+    </mc:Choice>
+    <mc:Fallback>
+      <p:transition spd="med"/>
+    </mc:Fallback>
+  </mc:AlternateContent>
 </p:sld>
 </file>
 
 <file path=ppt/slides/slide26.xml><?xml version="1.0" encoding="utf-8"?>
-<p:sld xmlns:a="http://schemas.openxmlformats.org/drawingml/2006/main" xmlns:r="http://schemas.openxmlformats.org/officeDocument/2006/relationships" xmlns:p="http://schemas.openxmlformats.org/presentationml/2006/main" showMasterSp="1" showMasterPhAnim="1">
+<p:sld xmlns:a="http://schemas.openxmlformats.org/drawingml/2006/main" xmlns:r="http://schemas.openxmlformats.org/officeDocument/2006/relationships" xmlns:p="http://schemas.openxmlformats.org/presentationml/2006/main">
   <p:cSld>
     <p:spTree>
       <p:nvGrpSpPr>
@@ -5097,7 +5109,6 @@
           <a:bodyPr/>
           <a:lstStyle/>
           <a:p>
-            <a:pPr/>
             <a:r>
               <a:t>进程的内核堆栈及CPU上下文的切换</a:t>
             </a:r>
@@ -5113,9 +5124,7 @@
           <p:nvPr/>
         </p:nvPicPr>
         <p:blipFill>
-          <a:blip r:embed="rId2">
-            <a:extLst/>
-          </a:blip>
+          <a:blip r:embed="rId1"/>
           <a:stretch>
             <a:fillRect/>
           </a:stretch>
@@ -5130,6 +5139,8 @@
           </a:prstGeom>
           <a:ln w="12700">
             <a:miter lim="400000"/>
+            <a:headEnd/>
+            <a:tailEnd/>
           </a:ln>
         </p:spPr>
       </p:pic>
@@ -5138,12 +5149,19 @@
   <p:clrMapOvr>
     <a:masterClrMapping/>
   </p:clrMapOvr>
-  <p:transition xmlns:p14="http://schemas.microsoft.com/office/powerpoint/2010/main" spd="med" advClick="1" p14:dur="1000"/>
+  <mc:AlternateContent xmlns:mc="http://schemas.openxmlformats.org/markup-compatibility/2006">
+    <mc:Choice xmlns:p14="http://schemas.microsoft.com/office/powerpoint/2010/main" Requires="p14">
+      <p:transition spd="med" p14:dur="1000"/>
+    </mc:Choice>
+    <mc:Fallback>
+      <p:transition spd="med"/>
+    </mc:Fallback>
+  </mc:AlternateContent>
 </p:sld>
 </file>
 
 <file path=ppt/slides/slide27.xml><?xml version="1.0" encoding="utf-8"?>
-<p:sld xmlns:a="http://schemas.openxmlformats.org/drawingml/2006/main" xmlns:r="http://schemas.openxmlformats.org/officeDocument/2006/relationships" xmlns:p="http://schemas.openxmlformats.org/presentationml/2006/main" showMasterSp="1" showMasterPhAnim="1">
+<p:sld xmlns:a="http://schemas.openxmlformats.org/drawingml/2006/main" xmlns:r="http://schemas.openxmlformats.org/officeDocument/2006/relationships" xmlns:p="http://schemas.openxmlformats.org/presentationml/2006/main">
   <p:cSld>
     <p:spTree>
       <p:nvGrpSpPr>
@@ -5176,7 +5194,6 @@
           <a:bodyPr/>
           <a:lstStyle/>
           <a:p>
-            <a:pPr/>
             <a:r>
               <a:t>函数调用堆栈框架</a:t>
             </a:r>
@@ -5199,15 +5216,14 @@
         <p:txBody>
           <a:bodyPr/>
           <a:lstStyle>
-            <a:lvl1pPr marL="628650" indent="-628650" defTabSz="817244">
+            <a:lvl1pPr marL="628650" indent="-628650" defTabSz="817245">
               <a:spcBef>
                 <a:spcPts val="5800"/>
               </a:spcBef>
-              <a:defRPr sz="5148"/>
+              <a:defRPr sz="5150"/>
             </a:lvl1pPr>
           </a:lstStyle>
           <a:p>
-            <a:pPr/>
             <a:r>
               <a:t>堆栈存储了进程所有的函数调用历史，所以剩下的只要顺着堆栈返回上一级函数即可。由于__switch_to是被schedule()函数调用的，而schedule()函数又在其他中断（系统调用）处理过程中被调用，比如sys_exit()中，所以先返回到next进程上次切换让出CPU时的schedule()函数中，然后返回到调用schedule()的中断（系统调用）处理过程中。系统调用是在用户空间通过int 0x80触发的，所以通过iret将中断上下文返回到系统调用被触发的地方，接着继续执行用户空间的代码。这样就回到了next进程的用户空间代码。注意由于此时的返回路径是根据next堆栈中保存的返回地址来返回的，所以肯定会返回到next进程中。</a:t>
             </a:r>
@@ -5219,12 +5235,19 @@
   <p:clrMapOvr>
     <a:masterClrMapping/>
   </p:clrMapOvr>
-  <p:transition xmlns:p14="http://schemas.microsoft.com/office/powerpoint/2010/main" spd="med" advClick="1" p14:dur="1000"/>
+  <mc:AlternateContent xmlns:mc="http://schemas.openxmlformats.org/markup-compatibility/2006">
+    <mc:Choice xmlns:p14="http://schemas.microsoft.com/office/powerpoint/2010/main" Requires="p14">
+      <p:transition spd="med" p14:dur="1000"/>
+    </mc:Choice>
+    <mc:Fallback>
+      <p:transition spd="med"/>
+    </mc:Fallback>
+  </mc:AlternateContent>
 </p:sld>
 </file>
 
 <file path=ppt/slides/slide28.xml><?xml version="1.0" encoding="utf-8"?>
-<p:sld xmlns:a="http://schemas.openxmlformats.org/drawingml/2006/main" xmlns:r="http://schemas.openxmlformats.org/officeDocument/2006/relationships" xmlns:p="http://schemas.openxmlformats.org/presentationml/2006/main" showMasterSp="1" showMasterPhAnim="1">
+<p:sld xmlns:a="http://schemas.openxmlformats.org/drawingml/2006/main" xmlns:r="http://schemas.openxmlformats.org/officeDocument/2006/relationships" xmlns:p="http://schemas.openxmlformats.org/presentationml/2006/main">
   <p:cSld>
     <p:spTree>
       <p:nvGrpSpPr>
@@ -5257,7 +5280,6 @@
           <a:bodyPr/>
           <a:lstStyle/>
           <a:p>
-            <a:pPr/>
             <a:r>
               <a:t>中断上下文和进程上下文</a:t>
             </a:r>
@@ -5284,11 +5306,10 @@
               <a:spcBef>
                 <a:spcPts val="5700"/>
               </a:spcBef>
-              <a:defRPr sz="5096"/>
+              <a:defRPr sz="5095"/>
             </a:lvl1pPr>
           </a:lstStyle>
           <a:p>
-            <a:pPr/>
             <a:r>
               <a:t>进程上下文切换时需要保存要切换进程的相关信息（如thread.sp与thread.ip），这与中断上下文的切换是不同的。中断是在一个进程当中从进程的用户态到进程的内核态，或从进程的内核态返回到进程的用户态，而切换进程需要在不同的进程间切换。但一般进程上下文切换是嵌套到中断上下文切换中的，比如前述系统调用作为一种中断先陷入内核，即发生中断保存现场和系统调用处理过程。其中调用了schedule函数发生进程上下文切换，当系统调用返回到用户态时会恢复现场，至此完成了保存现场和恢复现场，即完成了中断上下文切换。而本节前述内容主要关注进程上下文切换，请注意理清中断上下文和进程上下文两者之间的关系。</a:t>
             </a:r>
@@ -5300,12 +5321,19 @@
   <p:clrMapOvr>
     <a:masterClrMapping/>
   </p:clrMapOvr>
-  <p:transition xmlns:p14="http://schemas.microsoft.com/office/powerpoint/2010/main" spd="med" advClick="1" p14:dur="1000"/>
+  <mc:AlternateContent xmlns:mc="http://schemas.openxmlformats.org/markup-compatibility/2006">
+    <mc:Choice xmlns:p14="http://schemas.microsoft.com/office/powerpoint/2010/main" Requires="p14">
+      <p:transition spd="med" p14:dur="1000"/>
+    </mc:Choice>
+    <mc:Fallback>
+      <p:transition spd="med"/>
+    </mc:Fallback>
+  </mc:AlternateContent>
 </p:sld>
 </file>
 
 <file path=ppt/slides/slide29.xml><?xml version="1.0" encoding="utf-8"?>
-<p:sld xmlns:a="http://schemas.openxmlformats.org/drawingml/2006/main" xmlns:r="http://schemas.openxmlformats.org/officeDocument/2006/relationships" xmlns:p="http://schemas.openxmlformats.org/presentationml/2006/main" showMasterSp="1" showMasterPhAnim="1">
+<p:sld xmlns:a="http://schemas.openxmlformats.org/drawingml/2006/main" xmlns:r="http://schemas.openxmlformats.org/officeDocument/2006/relationships" xmlns:p="http://schemas.openxmlformats.org/presentationml/2006/main">
   <p:cSld>
     <p:spTree>
       <p:nvGrpSpPr>
@@ -5337,12 +5365,11 @@
         <p:txBody>
           <a:bodyPr/>
           <a:lstStyle>
-            <a:lvl1pPr defTabSz="792479">
-              <a:defRPr sz="10752"/>
+            <a:lvl1pPr defTabSz="792480">
+              <a:defRPr sz="10750"/>
             </a:lvl1pPr>
           </a:lstStyle>
           <a:p>
-            <a:pPr/>
             <a:r>
               <a:t>linux-5.4.34进程切换核心代码分析</a:t>
             </a:r>
@@ -5366,13 +5393,11 @@
           <a:bodyPr/>
           <a:lstStyle/>
           <a:p>
-            <a:pPr/>
             <a:r>
               <a:t>linux-5.4.34进程切换过程在逻辑上并没有根本性的变化，但是代码实现方式有较大的改变，我们以x86-64体系结构为例具体分析一下。</a:t>
             </a:r>
           </a:p>
           <a:p>
-            <a:pPr/>
             <a:r>
               <a:t>首先看context_switch，见kernel/sched/core.c，尽管代码变化较大，但还是可以看到进程地址空间mm的切换和进程关键上下文的切换switch_to。</a:t>
             </a:r>
@@ -5384,12 +5409,19 @@
   <p:clrMapOvr>
     <a:masterClrMapping/>
   </p:clrMapOvr>
-  <p:transition xmlns:p14="http://schemas.microsoft.com/office/powerpoint/2010/main" spd="med" advClick="1" p14:dur="1000"/>
+  <mc:AlternateContent xmlns:mc="http://schemas.openxmlformats.org/markup-compatibility/2006">
+    <mc:Choice xmlns:p14="http://schemas.microsoft.com/office/powerpoint/2010/main" Requires="p14">
+      <p:transition spd="med" p14:dur="1000"/>
+    </mc:Choice>
+    <mc:Fallback>
+      <p:transition spd="med"/>
+    </mc:Fallback>
+  </mc:AlternateContent>
 </p:sld>
 </file>
 
 <file path=ppt/slides/slide3.xml><?xml version="1.0" encoding="utf-8"?>
-<p:sld xmlns:a="http://schemas.openxmlformats.org/drawingml/2006/main" xmlns:r="http://schemas.openxmlformats.org/officeDocument/2006/relationships" xmlns:p="http://schemas.openxmlformats.org/presentationml/2006/main" showMasterSp="1" showMasterPhAnim="1">
+<p:sld xmlns:a="http://schemas.openxmlformats.org/drawingml/2006/main" xmlns:r="http://schemas.openxmlformats.org/officeDocument/2006/relationships" xmlns:p="http://schemas.openxmlformats.org/presentationml/2006/main">
   <p:cSld>
     <p:spTree>
       <p:nvGrpSpPr>
@@ -5422,7 +5454,6 @@
           <a:bodyPr/>
           <a:lstStyle/>
           <a:p>
-            <a:pPr/>
             <a:r>
               <a:t>进程调度的时机</a:t>
             </a:r>
@@ -5450,7 +5481,7 @@
               <a:spcBef>
                 <a:spcPts val="4300"/>
               </a:spcBef>
-              <a:defRPr sz="3796"/>
+              <a:defRPr sz="3795"/>
             </a:pPr>
             <a:r>
               <a:t>先从中断说起，因为进程调度的时机很多都与中断相关。中断有很多种，都是程序执行过程中的强制性转移，转移到操作系统内核相应的处理程序。中断在本质上都是软件或者硬件发生了某种情形而通知处理器的行为，处理器进而停止正在运行的当前进程，对这些通知做出相应反应，即转去执行预定义的中断处理程序（内核代码入口），这就需要从进程的指令流里切换出来。</a:t>
@@ -5461,7 +5492,7 @@
               <a:spcBef>
                 <a:spcPts val="4300"/>
               </a:spcBef>
-              <a:defRPr sz="3796"/>
+              <a:defRPr sz="3795"/>
             </a:pPr>
             <a:r>
               <a:t>中断能起到暂停当前进程指令流（Linux内核中称为thread）转去执行中断处理程序的作用，中断处理程序是与当前进程指令流独立的内核代码指令流。从用户程序的角度看进程调度的时机一般都是中断处理后和中断返回前的时机点进行，只有内核线程可以直接调用schedule函数主动发起进程调度和进程切换。</a:t>
@@ -5472,7 +5503,7 @@
               <a:spcBef>
                 <a:spcPts val="4300"/>
               </a:spcBef>
-              <a:defRPr sz="3796"/>
+              <a:defRPr sz="3795"/>
             </a:pPr>
             <a:r>
               <a:t>中断处理后，会检查一下是否需要进程调度。需要则切换进程（本质上是切换两个进程的内核堆栈和thread），不需要则一路顺着函数调用堆栈正常中断返回iret，这样就自然回到原进程继续运行了。</a:t>
@@ -5485,12 +5516,19 @@
   <p:clrMapOvr>
     <a:masterClrMapping/>
   </p:clrMapOvr>
-  <p:transition xmlns:p14="http://schemas.microsoft.com/office/powerpoint/2010/main" spd="med" advClick="1" p14:dur="1000"/>
+  <mc:AlternateContent xmlns:mc="http://schemas.openxmlformats.org/markup-compatibility/2006">
+    <mc:Choice xmlns:p14="http://schemas.microsoft.com/office/powerpoint/2010/main" Requires="p14">
+      <p:transition spd="med" p14:dur="1000"/>
+    </mc:Choice>
+    <mc:Fallback>
+      <p:transition spd="med"/>
+    </mc:Fallback>
+  </mc:AlternateContent>
 </p:sld>
 </file>
 
 <file path=ppt/slides/slide30.xml><?xml version="1.0" encoding="utf-8"?>
-<p:sld xmlns:a="http://schemas.openxmlformats.org/drawingml/2006/main" xmlns:r="http://schemas.openxmlformats.org/officeDocument/2006/relationships" xmlns:p="http://schemas.openxmlformats.org/presentationml/2006/main" showMasterSp="1" showMasterPhAnim="1">
+<p:sld xmlns:a="http://schemas.openxmlformats.org/drawingml/2006/main" xmlns:r="http://schemas.openxmlformats.org/officeDocument/2006/relationships" xmlns:p="http://schemas.openxmlformats.org/presentationml/2006/main">
   <p:cSld>
     <p:spTree>
       <p:nvGrpSpPr>
@@ -5525,7 +5563,6 @@
             <a:lvl1pPr algn="l"/>
           </a:lstStyle>
           <a:p>
-            <a:pPr/>
             <a:r>
               <a:t>swtich_to</a:t>
             </a:r>
@@ -5553,22 +5590,22 @@
           <a:bodyPr/>
           <a:lstStyle/>
           <a:p>
-            <a:pPr marL="596900" indent="-596900" defTabSz="775969">
+            <a:pPr marL="596900" indent="-596900" defTabSz="775970">
               <a:spcBef>
                 <a:spcPts val="5500"/>
               </a:spcBef>
-              <a:defRPr sz="4888"/>
+              <a:defRPr sz="4890"/>
             </a:pPr>
             <a:r>
               <a:t>进程关键上下文的切换swtich_to，见arch/x86/include/asm/switch_to.h</a:t>
             </a:r>
           </a:p>
           <a:p>
-            <a:pPr marL="596900" indent="-596900" defTabSz="775969">
+            <a:pPr marL="596900" indent="-596900" defTabSz="775970">
               <a:spcBef>
                 <a:spcPts val="5500"/>
               </a:spcBef>
-              <a:defRPr sz="4888"/>
+              <a:defRPr sz="4890"/>
             </a:pPr>
             <a:r>
               <a:t>其中的__switch_to_asm是一段汇编代码，见arch/x86/entry/entry_64.S，这段汇编代码与3.18.6的汇编代码结构是相似的，有内核堆栈栈顶指针RSP寄存器的切换，有jmp    __switch_to，但是没有了thread.ip及标号1的位置，关键的指令指针寄存器RIP是怎么切换的呢？</a:t>
@@ -5593,11 +5630,6 @@
           <a:ln w="12700">
             <a:miter lim="400000"/>
           </a:ln>
-          <a:extLst>
-            <a:ext uri="{C572A759-6A51-4108-AA02-DFA0A04FC94B}">
-              <ma14:wrappingTextBoxFlag xmlns:ma14="http://schemas.microsoft.com/office/mac/drawingml/2011/main" val="1"/>
-            </a:ext>
-          </a:extLst>
         </p:spPr>
         <p:txBody>
           <a:bodyPr wrap="none" lIns="50800" tIns="50800" rIns="50800" bIns="50800" anchor="ctr">
@@ -5775,11 +5807,6 @@
           <a:ln w="12700">
             <a:miter lim="400000"/>
           </a:ln>
-          <a:extLst>
-            <a:ext uri="{C572A759-6A51-4108-AA02-DFA0A04FC94B}">
-              <ma14:wrappingTextBoxFlag xmlns:ma14="http://schemas.microsoft.com/office/mac/drawingml/2011/main" val="1"/>
-            </a:ext>
-          </a:extLst>
         </p:spPr>
         <p:txBody>
           <a:bodyPr wrap="none" lIns="50800" tIns="50800" rIns="50800" bIns="50800" anchor="ctr">
@@ -5787,7 +5814,6 @@
           </a:bodyPr>
           <a:lstStyle/>
           <a:p>
-            <a:pPr/>
             <a:r>
               <a:t>((last) = __switch_to_asm((prev), (next)));</a:t>
             </a:r>
@@ -5799,12 +5825,19 @@
   <p:clrMapOvr>
     <a:masterClrMapping/>
   </p:clrMapOvr>
-  <p:transition xmlns:p14="http://schemas.microsoft.com/office/powerpoint/2010/main" spd="med" advClick="1" p14:dur="1000"/>
+  <mc:AlternateContent xmlns:mc="http://schemas.openxmlformats.org/markup-compatibility/2006">
+    <mc:Choice xmlns:p14="http://schemas.microsoft.com/office/powerpoint/2010/main" Requires="p14">
+      <p:transition spd="med" p14:dur="1000"/>
+    </mc:Choice>
+    <mc:Fallback>
+      <p:transition spd="med"/>
+    </mc:Fallback>
+  </mc:AlternateContent>
 </p:sld>
 </file>
 
 <file path=ppt/slides/slide31.xml><?xml version="1.0" encoding="utf-8"?>
-<p:sld xmlns:a="http://schemas.openxmlformats.org/drawingml/2006/main" xmlns:r="http://schemas.openxmlformats.org/officeDocument/2006/relationships" xmlns:p="http://schemas.openxmlformats.org/presentationml/2006/main" showMasterSp="1" showMasterPhAnim="1">
+<p:sld xmlns:a="http://schemas.openxmlformats.org/drawingml/2006/main" xmlns:r="http://schemas.openxmlformats.org/officeDocument/2006/relationships" xmlns:p="http://schemas.openxmlformats.org/presentationml/2006/main">
   <p:cSld>
     <p:spTree>
       <p:nvGrpSpPr>
@@ -5837,7 +5870,6 @@
           <a:bodyPr/>
           <a:lstStyle/>
           <a:p>
-            <a:pPr/>
             <a:r>
               <a:t>函数调用堆栈框架</a:t>
             </a:r>
@@ -5865,7 +5897,7 @@
               <a:spcBef>
                 <a:spcPts val="5000"/>
               </a:spcBef>
-              <a:defRPr sz="4472"/>
+              <a:defRPr sz="4470"/>
             </a:pPr>
             <a:r>
               <a:t>这里需要对函数调用堆栈框架的深入理解才能发现端倪，注意__switch_to_asm是在C代码中调用的，也就是使用call指令，而这段汇编的结尾是jmp __switch_to，__switch_to函数是C代码最后有个return，也就是ret指令。</a:t>
@@ -5876,7 +5908,7 @@
               <a:spcBef>
                 <a:spcPts val="5000"/>
               </a:spcBef>
-              <a:defRPr sz="4472"/>
+              <a:defRPr sz="4470"/>
             </a:pPr>
             <a:r>
               <a:t>将__switch_to_asm和__switch_to结合起来，正好是call指令和ret指令的配对出现。</a:t>
@@ -5887,7 +5919,7 @@
               <a:spcBef>
                 <a:spcPts val="5000"/>
               </a:spcBef>
-              <a:defRPr sz="4472"/>
+              <a:defRPr sz="4470"/>
             </a:pPr>
             <a:r>
               <a:t>call指令压栈RIP寄存器到进程切换前的prev进程内核堆栈；而ret指令出栈存入RIP寄存器的是进程切换之后的next进程的内核堆栈栈顶数据。</a:t>
@@ -5898,7 +5930,7 @@
               <a:spcBef>
                 <a:spcPts val="5000"/>
               </a:spcBef>
-              <a:defRPr sz="4472"/>
+              <a:defRPr sz="4470"/>
             </a:pPr>
             <a:r>
               <a:t>如果您没有豁然开朗的话，我们可以看看fork之后子进程被调度执行的情况，或许能帮您理解。</a:t>
@@ -5911,12 +5943,19 @@
   <p:clrMapOvr>
     <a:masterClrMapping/>
   </p:clrMapOvr>
-  <p:transition xmlns:p14="http://schemas.microsoft.com/office/powerpoint/2010/main" spd="med" advClick="1" p14:dur="1000"/>
+  <mc:AlternateContent xmlns:mc="http://schemas.openxmlformats.org/markup-compatibility/2006">
+    <mc:Choice xmlns:p14="http://schemas.microsoft.com/office/powerpoint/2010/main" Requires="p14">
+      <p:transition spd="med" p14:dur="1000"/>
+    </mc:Choice>
+    <mc:Fallback>
+      <p:transition spd="med"/>
+    </mc:Fallback>
+  </mc:AlternateContent>
 </p:sld>
 </file>
 
 <file path=ppt/slides/slide32.xml><?xml version="1.0" encoding="utf-8"?>
-<p:sld xmlns:a="http://schemas.openxmlformats.org/drawingml/2006/main" xmlns:r="http://schemas.openxmlformats.org/officeDocument/2006/relationships" xmlns:p="http://schemas.openxmlformats.org/presentationml/2006/main" showMasterSp="1" showMasterPhAnim="1">
+<p:sld xmlns:a="http://schemas.openxmlformats.org/drawingml/2006/main" xmlns:r="http://schemas.openxmlformats.org/officeDocument/2006/relationships" xmlns:p="http://schemas.openxmlformats.org/presentationml/2006/main">
   <p:cSld>
     <p:spTree>
       <p:nvGrpSpPr>
@@ -5949,7 +5988,6 @@
           <a:bodyPr/>
           <a:lstStyle/>
           <a:p>
-            <a:pPr/>
             <a:r>
               <a:t>fork子进程的起点ret_from_fork</a:t>
             </a:r>
@@ -5977,13 +6015,11 @@
           <a:bodyPr/>
           <a:lstStyle/>
           <a:p>
-            <a:pPr/>
             <a:r>
               <a:t>先来看fork子进程的内核堆栈，从struct fork_frame可以看出它是在struct pt_regs的基础上增加了struct inactive_task_frame。</a:t>
             </a:r>
           </a:p>
           <a:p>
-            <a:pPr/>
             <a:r>
               <a:t>对照一下__switch_to_asm汇编代码中压栈和出栈的寄存器，是不是完全一致，就栈顶多了一个ret_addr，在fork子进程中存储的就是子进程的起始点ret_from_fork。</a:t>
             </a:r>
@@ -5995,12 +6031,19 @@
   <p:clrMapOvr>
     <a:masterClrMapping/>
   </p:clrMapOvr>
-  <p:transition xmlns:p14="http://schemas.microsoft.com/office/powerpoint/2010/main" spd="med" advClick="1" p14:dur="1000"/>
+  <mc:AlternateContent xmlns:mc="http://schemas.openxmlformats.org/markup-compatibility/2006">
+    <mc:Choice xmlns:p14="http://schemas.microsoft.com/office/powerpoint/2010/main" Requires="p14">
+      <p:transition spd="med" p14:dur="1000"/>
+    </mc:Choice>
+    <mc:Fallback>
+      <p:transition spd="med"/>
+    </mc:Fallback>
+  </mc:AlternateContent>
 </p:sld>
 </file>
 
 <file path=ppt/slides/slide33.xml><?xml version="1.0" encoding="utf-8"?>
-<p:sld xmlns:a="http://schemas.openxmlformats.org/drawingml/2006/main" xmlns:r="http://schemas.openxmlformats.org/officeDocument/2006/relationships" xmlns:p="http://schemas.openxmlformats.org/presentationml/2006/main" showMasterSp="1" showMasterPhAnim="1">
+<p:sld xmlns:a="http://schemas.openxmlformats.org/drawingml/2006/main" xmlns:r="http://schemas.openxmlformats.org/officeDocument/2006/relationships" xmlns:p="http://schemas.openxmlformats.org/presentationml/2006/main">
   <p:cSld>
     <p:spTree>
       <p:nvGrpSpPr>
@@ -6036,12 +6079,11 @@
         <p:txBody>
           <a:bodyPr/>
           <a:lstStyle>
-            <a:lvl1pPr defTabSz="396239">
-              <a:defRPr sz="5376"/>
+            <a:lvl1pPr defTabSz="396240">
+              <a:defRPr sz="5375"/>
             </a:lvl1pPr>
           </a:lstStyle>
           <a:p>
-            <a:pPr/>
             <a:r>
               <a:t>系统调用的内核堆栈</a:t>
             </a:r>
@@ -6065,11 +6107,6 @@
           <a:ln w="12700">
             <a:miter lim="400000"/>
           </a:ln>
-          <a:extLst>
-            <a:ext uri="{C572A759-6A51-4108-AA02-DFA0A04FC94B}">
-              <ma14:wrappingTextBoxFlag xmlns:ma14="http://schemas.microsoft.com/office/mac/drawingml/2011/main" val="1"/>
-            </a:ext>
-          </a:extLst>
         </p:spPr>
         <p:txBody>
           <a:bodyPr wrap="none" lIns="50800" tIns="50800" rIns="50800" bIns="50800" anchor="ctr">
@@ -6306,6 +6343,170 @@
           <a:xfrm>
             <a:off x="16498574" y="3946598"/>
             <a:ext cx="3736354" cy="8220690"/>
+          </a:xfrm>
+          <a:prstGeom prst="rect">
+            <a:avLst/>
+          </a:prstGeom>
+          <a:blipFill>
+            <a:blip r:embed="rId1"/>
+          </a:blipFill>
+          <a:ln w="12700">
+            <a:miter lim="400000"/>
+          </a:ln>
+          <a:effectLst>
+            <a:outerShdw blurRad="38100" dist="25400" dir="5400000" rotWithShape="0">
+              <a:srgbClr val="000000">
+                <a:alpha val="50000"/>
+              </a:srgbClr>
+            </a:outerShdw>
+          </a:effectLst>
+        </p:spPr>
+        <p:txBody>
+          <a:bodyPr lIns="50800" tIns="50800" rIns="50800" bIns="50800" anchor="ctr"/>
+          <a:lstStyle/>
+          <a:p>
+            <a:pPr>
+              <a:defRPr sz="3200">
+                <a:solidFill>
+                  <a:srgbClr val="FFFFFF"/>
+                </a:solidFill>
+              </a:defRPr>
+            </a:pPr>
+          </a:p>
+        </p:txBody>
+      </p:sp>
+      <p:sp>
+        <p:nvSpPr>
+          <p:cNvPr id="225" name="Shape 225"/>
+          <p:cNvSpPr/>
+          <p:nvPr/>
+        </p:nvSpPr>
+        <p:spPr>
+          <a:xfrm>
+            <a:off x="21249189" y="4478490"/>
+            <a:ext cx="1" cy="7052333"/>
+          </a:xfrm>
+          <a:prstGeom prst="line">
+            <a:avLst/>
+          </a:prstGeom>
+          <a:ln w="25400">
+            <a:solidFill>
+              <a:srgbClr val="000000"/>
+            </a:solidFill>
+            <a:miter lim="400000"/>
+            <a:tailEnd type="triangle"/>
+          </a:ln>
+        </p:spPr>
+        <p:txBody>
+          <a:bodyPr lIns="50800" tIns="50800" rIns="50800" bIns="50800" anchor="ctr"/>
+          <a:lstStyle/>
+          <a:p>
+            <a:pPr>
+              <a:defRPr sz="3200"/>
+            </a:pPr>
+          </a:p>
+        </p:txBody>
+      </p:sp>
+      <p:sp>
+        <p:nvSpPr>
+          <p:cNvPr id="226" name="Shape 226"/>
+          <p:cNvSpPr/>
+          <p:nvPr/>
+        </p:nvSpPr>
+        <p:spPr>
+          <a:xfrm>
+            <a:off x="20239539" y="3529698"/>
+            <a:ext cx="2019301" cy="990601"/>
+          </a:xfrm>
+          <a:prstGeom prst="rect">
+            <a:avLst/>
+          </a:prstGeom>
+          <a:ln w="12700">
+            <a:miter lim="400000"/>
+          </a:ln>
+        </p:spPr>
+        <p:txBody>
+          <a:bodyPr wrap="none" lIns="50800" tIns="50800" rIns="50800" bIns="50800" anchor="ctr">
+            <a:spAutoFit/>
+          </a:bodyPr>
+          <a:lstStyle/>
+          <a:p>
+            <a:r>
+              <a:t>高地址</a:t>
+            </a:r>
+          </a:p>
+        </p:txBody>
+      </p:sp>
+      <p:sp>
+        <p:nvSpPr>
+          <p:cNvPr id="227" name="Shape 227"/>
+          <p:cNvSpPr/>
+          <p:nvPr/>
+        </p:nvSpPr>
+        <p:spPr>
+          <a:xfrm>
+            <a:off x="20239539" y="11519485"/>
+            <a:ext cx="2019301" cy="990601"/>
+          </a:xfrm>
+          <a:prstGeom prst="rect">
+            <a:avLst/>
+          </a:prstGeom>
+          <a:ln w="12700">
+            <a:miter lim="400000"/>
+          </a:ln>
+        </p:spPr>
+        <p:txBody>
+          <a:bodyPr wrap="none" lIns="50800" tIns="50800" rIns="50800" bIns="50800" anchor="ctr">
+            <a:spAutoFit/>
+          </a:bodyPr>
+          <a:lstStyle/>
+          <a:p>
+            <a:r>
+              <a:t>低地址</a:t>
+            </a:r>
+          </a:p>
+        </p:txBody>
+      </p:sp>
+      <p:sp>
+        <p:nvSpPr>
+          <p:cNvPr id="228" name="Shape 228"/>
+          <p:cNvSpPr/>
+          <p:nvPr/>
+        </p:nvSpPr>
+        <p:spPr>
+          <a:xfrm>
+            <a:off x="17039600" y="2627010"/>
+            <a:ext cx="2654301" cy="990601"/>
+          </a:xfrm>
+          <a:prstGeom prst="rect">
+            <a:avLst/>
+          </a:prstGeom>
+          <a:ln w="12700">
+            <a:miter lim="400000"/>
+          </a:ln>
+        </p:spPr>
+        <p:txBody>
+          <a:bodyPr wrap="none" lIns="50800" tIns="50800" rIns="50800" bIns="50800" anchor="ctr">
+            <a:spAutoFit/>
+          </a:bodyPr>
+          <a:lstStyle/>
+          <a:p>
+            <a:r>
+              <a:t>内核堆栈</a:t>
+            </a:r>
+          </a:p>
+        </p:txBody>
+      </p:sp>
+      <p:sp>
+        <p:nvSpPr>
+          <p:cNvPr id="229" name="Shape 229"/>
+          <p:cNvSpPr/>
+          <p:nvPr/>
+        </p:nvSpPr>
+        <p:spPr>
+          <a:xfrm>
+            <a:off x="16492060" y="3946598"/>
+            <a:ext cx="3749383" cy="1270001"/>
           </a:xfrm>
           <a:prstGeom prst="rect">
             <a:avLst/>
@@ -6317,7 +6518,7 @@
             <a:miter lim="400000"/>
           </a:ln>
           <a:effectLst>
-            <a:outerShdw sx="100000" sy="100000" kx="0" ky="0" algn="b" rotWithShape="0" blurRad="38100" dist="25400" dir="5400000">
+            <a:outerShdw blurRad="38100" dist="25400" dir="5400000" rotWithShape="0">
               <a:srgbClr val="000000">
                 <a:alpha val="50000"/>
               </a:srgbClr>
@@ -6340,188 +6541,6 @@
       </p:sp>
       <p:sp>
         <p:nvSpPr>
-          <p:cNvPr id="225" name="Shape 225"/>
-          <p:cNvSpPr/>
-          <p:nvPr/>
-        </p:nvSpPr>
-        <p:spPr>
-          <a:xfrm>
-            <a:off x="21249189" y="4478490"/>
-            <a:ext cx="1" cy="7052333"/>
-          </a:xfrm>
-          <a:prstGeom prst="line">
-            <a:avLst/>
-          </a:prstGeom>
-          <a:ln w="25400">
-            <a:solidFill>
-              <a:srgbClr val="000000"/>
-            </a:solidFill>
-            <a:miter lim="400000"/>
-            <a:tailEnd type="triangle"/>
-          </a:ln>
-        </p:spPr>
-        <p:txBody>
-          <a:bodyPr lIns="50800" tIns="50800" rIns="50800" bIns="50800" anchor="ctr"/>
-          <a:lstStyle/>
-          <a:p>
-            <a:pPr>
-              <a:defRPr sz="3200"/>
-            </a:pPr>
-          </a:p>
-        </p:txBody>
-      </p:sp>
-      <p:sp>
-        <p:nvSpPr>
-          <p:cNvPr id="226" name="Shape 226"/>
-          <p:cNvSpPr/>
-          <p:nvPr/>
-        </p:nvSpPr>
-        <p:spPr>
-          <a:xfrm>
-            <a:off x="20239539" y="3529698"/>
-            <a:ext cx="2019301" cy="990601"/>
-          </a:xfrm>
-          <a:prstGeom prst="rect">
-            <a:avLst/>
-          </a:prstGeom>
-          <a:ln w="12700">
-            <a:miter lim="400000"/>
-          </a:ln>
-          <a:extLst>
-            <a:ext uri="{C572A759-6A51-4108-AA02-DFA0A04FC94B}">
-              <ma14:wrappingTextBoxFlag xmlns:ma14="http://schemas.microsoft.com/office/mac/drawingml/2011/main" val="1"/>
-            </a:ext>
-          </a:extLst>
-        </p:spPr>
-        <p:txBody>
-          <a:bodyPr wrap="none" lIns="50800" tIns="50800" rIns="50800" bIns="50800" anchor="ctr">
-            <a:spAutoFit/>
-          </a:bodyPr>
-          <a:lstStyle/>
-          <a:p>
-            <a:pPr/>
-            <a:r>
-              <a:t>高地址</a:t>
-            </a:r>
-          </a:p>
-        </p:txBody>
-      </p:sp>
-      <p:sp>
-        <p:nvSpPr>
-          <p:cNvPr id="227" name="Shape 227"/>
-          <p:cNvSpPr/>
-          <p:nvPr/>
-        </p:nvSpPr>
-        <p:spPr>
-          <a:xfrm>
-            <a:off x="20239539" y="11519485"/>
-            <a:ext cx="2019301" cy="990601"/>
-          </a:xfrm>
-          <a:prstGeom prst="rect">
-            <a:avLst/>
-          </a:prstGeom>
-          <a:ln w="12700">
-            <a:miter lim="400000"/>
-          </a:ln>
-          <a:extLst>
-            <a:ext uri="{C572A759-6A51-4108-AA02-DFA0A04FC94B}">
-              <ma14:wrappingTextBoxFlag xmlns:ma14="http://schemas.microsoft.com/office/mac/drawingml/2011/main" val="1"/>
-            </a:ext>
-          </a:extLst>
-        </p:spPr>
-        <p:txBody>
-          <a:bodyPr wrap="none" lIns="50800" tIns="50800" rIns="50800" bIns="50800" anchor="ctr">
-            <a:spAutoFit/>
-          </a:bodyPr>
-          <a:lstStyle/>
-          <a:p>
-            <a:pPr/>
-            <a:r>
-              <a:t>低地址</a:t>
-            </a:r>
-          </a:p>
-        </p:txBody>
-      </p:sp>
-      <p:sp>
-        <p:nvSpPr>
-          <p:cNvPr id="228" name="Shape 228"/>
-          <p:cNvSpPr/>
-          <p:nvPr/>
-        </p:nvSpPr>
-        <p:spPr>
-          <a:xfrm>
-            <a:off x="17039600" y="2627010"/>
-            <a:ext cx="2654301" cy="990601"/>
-          </a:xfrm>
-          <a:prstGeom prst="rect">
-            <a:avLst/>
-          </a:prstGeom>
-          <a:ln w="12700">
-            <a:miter lim="400000"/>
-          </a:ln>
-          <a:extLst>
-            <a:ext uri="{C572A759-6A51-4108-AA02-DFA0A04FC94B}">
-              <ma14:wrappingTextBoxFlag xmlns:ma14="http://schemas.microsoft.com/office/mac/drawingml/2011/main" val="1"/>
-            </a:ext>
-          </a:extLst>
-        </p:spPr>
-        <p:txBody>
-          <a:bodyPr wrap="none" lIns="50800" tIns="50800" rIns="50800" bIns="50800" anchor="ctr">
-            <a:spAutoFit/>
-          </a:bodyPr>
-          <a:lstStyle/>
-          <a:p>
-            <a:pPr/>
-            <a:r>
-              <a:t>内核堆栈</a:t>
-            </a:r>
-          </a:p>
-        </p:txBody>
-      </p:sp>
-      <p:sp>
-        <p:nvSpPr>
-          <p:cNvPr id="229" name="Shape 229"/>
-          <p:cNvSpPr/>
-          <p:nvPr/>
-        </p:nvSpPr>
-        <p:spPr>
-          <a:xfrm>
-            <a:off x="16492060" y="3946598"/>
-            <a:ext cx="3749383" cy="1270001"/>
-          </a:xfrm>
-          <a:prstGeom prst="rect">
-            <a:avLst/>
-          </a:prstGeom>
-          <a:blipFill>
-            <a:blip r:embed="rId3"/>
-          </a:blipFill>
-          <a:ln w="12700">
-            <a:miter lim="400000"/>
-          </a:ln>
-          <a:effectLst>
-            <a:outerShdw sx="100000" sy="100000" kx="0" ky="0" algn="b" rotWithShape="0" blurRad="38100" dist="25400" dir="5400000">
-              <a:srgbClr val="000000">
-                <a:alpha val="50000"/>
-              </a:srgbClr>
-            </a:outerShdw>
-          </a:effectLst>
-        </p:spPr>
-        <p:txBody>
-          <a:bodyPr lIns="50800" tIns="50800" rIns="50800" bIns="50800" anchor="ctr"/>
-          <a:lstStyle/>
-          <a:p>
-            <a:pPr>
-              <a:defRPr sz="3200">
-                <a:solidFill>
-                  <a:srgbClr val="FFFFFF"/>
-                </a:solidFill>
-              </a:defRPr>
-            </a:pPr>
-          </a:p>
-        </p:txBody>
-      </p:sp>
-      <p:sp>
-        <p:nvSpPr>
           <p:cNvPr id="230" name="Shape 230"/>
           <p:cNvSpPr/>
           <p:nvPr/>
@@ -6537,11 +6556,6 @@
           <a:ln w="12700">
             <a:miter lim="400000"/>
           </a:ln>
-          <a:extLst>
-            <a:ext uri="{C572A759-6A51-4108-AA02-DFA0A04FC94B}">
-              <ma14:wrappingTextBoxFlag xmlns:ma14="http://schemas.microsoft.com/office/mac/drawingml/2011/main" val="1"/>
-            </a:ext>
-          </a:extLst>
         </p:spPr>
         <p:txBody>
           <a:bodyPr wrap="none" lIns="50800" tIns="50800" rIns="50800" bIns="50800" anchor="ctr">
@@ -6557,7 +6571,6 @@
             </a:lvl1pPr>
           </a:lstStyle>
           <a:p>
-            <a:pPr/>
             <a:r>
               <a:t>struct pt_regs</a:t>
             </a:r>
@@ -6569,12 +6582,19 @@
   <p:clrMapOvr>
     <a:masterClrMapping/>
   </p:clrMapOvr>
-  <p:transition xmlns:p14="http://schemas.microsoft.com/office/powerpoint/2010/main" spd="med" advClick="1" p14:dur="1000"/>
+  <mc:AlternateContent xmlns:mc="http://schemas.openxmlformats.org/markup-compatibility/2006">
+    <mc:Choice xmlns:p14="http://schemas.microsoft.com/office/powerpoint/2010/main" Requires="p14">
+      <p:transition spd="med" p14:dur="1000"/>
+    </mc:Choice>
+    <mc:Fallback>
+      <p:transition spd="med"/>
+    </mc:Fallback>
+  </mc:AlternateContent>
 </p:sld>
 </file>
 
 <file path=ppt/slides/slide34.xml><?xml version="1.0" encoding="utf-8"?>
-<p:sld xmlns:a="http://schemas.openxmlformats.org/drawingml/2006/main" xmlns:r="http://schemas.openxmlformats.org/officeDocument/2006/relationships" xmlns:p="http://schemas.openxmlformats.org/presentationml/2006/main" showMasterSp="1" showMasterPhAnim="1">
+<p:sld xmlns:a="http://schemas.openxmlformats.org/drawingml/2006/main" xmlns:r="http://schemas.openxmlformats.org/officeDocument/2006/relationships" xmlns:p="http://schemas.openxmlformats.org/presentationml/2006/main">
   <p:cSld>
     <p:spTree>
       <p:nvGrpSpPr>
@@ -6607,7 +6627,6 @@
           <a:bodyPr/>
           <a:lstStyle/>
           <a:p>
-            <a:pPr/>
             <a:r>
               <a:t>fork子进程的内核堆栈</a:t>
             </a:r>
@@ -6624,6 +6643,170 @@
           <a:xfrm>
             <a:off x="16685783" y="4742237"/>
             <a:ext cx="3736354" cy="8220690"/>
+          </a:xfrm>
+          <a:prstGeom prst="rect">
+            <a:avLst/>
+          </a:prstGeom>
+          <a:blipFill>
+            <a:blip r:embed="rId1"/>
+          </a:blipFill>
+          <a:ln w="12700">
+            <a:miter lim="400000"/>
+          </a:ln>
+          <a:effectLst>
+            <a:outerShdw blurRad="38100" dist="25400" dir="5400000" rotWithShape="0">
+              <a:srgbClr val="000000">
+                <a:alpha val="50000"/>
+              </a:srgbClr>
+            </a:outerShdw>
+          </a:effectLst>
+        </p:spPr>
+        <p:txBody>
+          <a:bodyPr lIns="50800" tIns="50800" rIns="50800" bIns="50800" anchor="ctr"/>
+          <a:lstStyle/>
+          <a:p>
+            <a:pPr>
+              <a:defRPr sz="3200">
+                <a:solidFill>
+                  <a:srgbClr val="FFFFFF"/>
+                </a:solidFill>
+              </a:defRPr>
+            </a:pPr>
+          </a:p>
+        </p:txBody>
+      </p:sp>
+      <p:sp>
+        <p:nvSpPr>
+          <p:cNvPr id="234" name="Shape 234"/>
+          <p:cNvSpPr/>
+          <p:nvPr/>
+        </p:nvSpPr>
+        <p:spPr>
+          <a:xfrm>
+            <a:off x="21436398" y="5274129"/>
+            <a:ext cx="1" cy="7052333"/>
+          </a:xfrm>
+          <a:prstGeom prst="line">
+            <a:avLst/>
+          </a:prstGeom>
+          <a:ln w="25400">
+            <a:solidFill>
+              <a:srgbClr val="000000"/>
+            </a:solidFill>
+            <a:miter lim="400000"/>
+            <a:tailEnd type="triangle"/>
+          </a:ln>
+        </p:spPr>
+        <p:txBody>
+          <a:bodyPr lIns="50800" tIns="50800" rIns="50800" bIns="50800" anchor="ctr"/>
+          <a:lstStyle/>
+          <a:p>
+            <a:pPr>
+              <a:defRPr sz="3200"/>
+            </a:pPr>
+          </a:p>
+        </p:txBody>
+      </p:sp>
+      <p:sp>
+        <p:nvSpPr>
+          <p:cNvPr id="235" name="Shape 235"/>
+          <p:cNvSpPr/>
+          <p:nvPr/>
+        </p:nvSpPr>
+        <p:spPr>
+          <a:xfrm>
+            <a:off x="20426748" y="4325337"/>
+            <a:ext cx="2019301" cy="990601"/>
+          </a:xfrm>
+          <a:prstGeom prst="rect">
+            <a:avLst/>
+          </a:prstGeom>
+          <a:ln w="12700">
+            <a:miter lim="400000"/>
+          </a:ln>
+        </p:spPr>
+        <p:txBody>
+          <a:bodyPr wrap="none" lIns="50800" tIns="50800" rIns="50800" bIns="50800" anchor="ctr">
+            <a:spAutoFit/>
+          </a:bodyPr>
+          <a:lstStyle/>
+          <a:p>
+            <a:r>
+              <a:t>高地址</a:t>
+            </a:r>
+          </a:p>
+        </p:txBody>
+      </p:sp>
+      <p:sp>
+        <p:nvSpPr>
+          <p:cNvPr id="236" name="Shape 236"/>
+          <p:cNvSpPr/>
+          <p:nvPr/>
+        </p:nvSpPr>
+        <p:spPr>
+          <a:xfrm>
+            <a:off x="20426748" y="12315124"/>
+            <a:ext cx="2019301" cy="990601"/>
+          </a:xfrm>
+          <a:prstGeom prst="rect">
+            <a:avLst/>
+          </a:prstGeom>
+          <a:ln w="12700">
+            <a:miter lim="400000"/>
+          </a:ln>
+        </p:spPr>
+        <p:txBody>
+          <a:bodyPr wrap="none" lIns="50800" tIns="50800" rIns="50800" bIns="50800" anchor="ctr">
+            <a:spAutoFit/>
+          </a:bodyPr>
+          <a:lstStyle/>
+          <a:p>
+            <a:r>
+              <a:t>低地址</a:t>
+            </a:r>
+          </a:p>
+        </p:txBody>
+      </p:sp>
+      <p:sp>
+        <p:nvSpPr>
+          <p:cNvPr id="237" name="Shape 237"/>
+          <p:cNvSpPr/>
+          <p:nvPr/>
+        </p:nvSpPr>
+        <p:spPr>
+          <a:xfrm>
+            <a:off x="17226809" y="3422650"/>
+            <a:ext cx="2654301" cy="990601"/>
+          </a:xfrm>
+          <a:prstGeom prst="rect">
+            <a:avLst/>
+          </a:prstGeom>
+          <a:ln w="12700">
+            <a:miter lim="400000"/>
+          </a:ln>
+        </p:spPr>
+        <p:txBody>
+          <a:bodyPr wrap="none" lIns="50800" tIns="50800" rIns="50800" bIns="50800" anchor="ctr">
+            <a:spAutoFit/>
+          </a:bodyPr>
+          <a:lstStyle/>
+          <a:p>
+            <a:r>
+              <a:t>内核堆栈</a:t>
+            </a:r>
+          </a:p>
+        </p:txBody>
+      </p:sp>
+      <p:sp>
+        <p:nvSpPr>
+          <p:cNvPr id="238" name="Shape 238"/>
+          <p:cNvSpPr/>
+          <p:nvPr/>
+        </p:nvSpPr>
+        <p:spPr>
+          <a:xfrm>
+            <a:off x="16679268" y="4742237"/>
+            <a:ext cx="3749384" cy="1270001"/>
           </a:xfrm>
           <a:prstGeom prst="rect">
             <a:avLst/>
@@ -6635,7 +6818,7 @@
             <a:miter lim="400000"/>
           </a:ln>
           <a:effectLst>
-            <a:outerShdw sx="100000" sy="100000" kx="0" ky="0" algn="b" rotWithShape="0" blurRad="38100" dist="25400" dir="5400000">
+            <a:outerShdw blurRad="38100" dist="25400" dir="5400000" rotWithShape="0">
               <a:srgbClr val="000000">
                 <a:alpha val="50000"/>
               </a:srgbClr>
@@ -6658,188 +6841,6 @@
       </p:sp>
       <p:sp>
         <p:nvSpPr>
-          <p:cNvPr id="234" name="Shape 234"/>
-          <p:cNvSpPr/>
-          <p:nvPr/>
-        </p:nvSpPr>
-        <p:spPr>
-          <a:xfrm>
-            <a:off x="21436398" y="5274129"/>
-            <a:ext cx="1" cy="7052333"/>
-          </a:xfrm>
-          <a:prstGeom prst="line">
-            <a:avLst/>
-          </a:prstGeom>
-          <a:ln w="25400">
-            <a:solidFill>
-              <a:srgbClr val="000000"/>
-            </a:solidFill>
-            <a:miter lim="400000"/>
-            <a:tailEnd type="triangle"/>
-          </a:ln>
-        </p:spPr>
-        <p:txBody>
-          <a:bodyPr lIns="50800" tIns="50800" rIns="50800" bIns="50800" anchor="ctr"/>
-          <a:lstStyle/>
-          <a:p>
-            <a:pPr>
-              <a:defRPr sz="3200"/>
-            </a:pPr>
-          </a:p>
-        </p:txBody>
-      </p:sp>
-      <p:sp>
-        <p:nvSpPr>
-          <p:cNvPr id="235" name="Shape 235"/>
-          <p:cNvSpPr/>
-          <p:nvPr/>
-        </p:nvSpPr>
-        <p:spPr>
-          <a:xfrm>
-            <a:off x="20426748" y="4325337"/>
-            <a:ext cx="2019301" cy="990601"/>
-          </a:xfrm>
-          <a:prstGeom prst="rect">
-            <a:avLst/>
-          </a:prstGeom>
-          <a:ln w="12700">
-            <a:miter lim="400000"/>
-          </a:ln>
-          <a:extLst>
-            <a:ext uri="{C572A759-6A51-4108-AA02-DFA0A04FC94B}">
-              <ma14:wrappingTextBoxFlag xmlns:ma14="http://schemas.microsoft.com/office/mac/drawingml/2011/main" val="1"/>
-            </a:ext>
-          </a:extLst>
-        </p:spPr>
-        <p:txBody>
-          <a:bodyPr wrap="none" lIns="50800" tIns="50800" rIns="50800" bIns="50800" anchor="ctr">
-            <a:spAutoFit/>
-          </a:bodyPr>
-          <a:lstStyle/>
-          <a:p>
-            <a:pPr/>
-            <a:r>
-              <a:t>高地址</a:t>
-            </a:r>
-          </a:p>
-        </p:txBody>
-      </p:sp>
-      <p:sp>
-        <p:nvSpPr>
-          <p:cNvPr id="236" name="Shape 236"/>
-          <p:cNvSpPr/>
-          <p:nvPr/>
-        </p:nvSpPr>
-        <p:spPr>
-          <a:xfrm>
-            <a:off x="20426748" y="12315124"/>
-            <a:ext cx="2019301" cy="990601"/>
-          </a:xfrm>
-          <a:prstGeom prst="rect">
-            <a:avLst/>
-          </a:prstGeom>
-          <a:ln w="12700">
-            <a:miter lim="400000"/>
-          </a:ln>
-          <a:extLst>
-            <a:ext uri="{C572A759-6A51-4108-AA02-DFA0A04FC94B}">
-              <ma14:wrappingTextBoxFlag xmlns:ma14="http://schemas.microsoft.com/office/mac/drawingml/2011/main" val="1"/>
-            </a:ext>
-          </a:extLst>
-        </p:spPr>
-        <p:txBody>
-          <a:bodyPr wrap="none" lIns="50800" tIns="50800" rIns="50800" bIns="50800" anchor="ctr">
-            <a:spAutoFit/>
-          </a:bodyPr>
-          <a:lstStyle/>
-          <a:p>
-            <a:pPr/>
-            <a:r>
-              <a:t>低地址</a:t>
-            </a:r>
-          </a:p>
-        </p:txBody>
-      </p:sp>
-      <p:sp>
-        <p:nvSpPr>
-          <p:cNvPr id="237" name="Shape 237"/>
-          <p:cNvSpPr/>
-          <p:nvPr/>
-        </p:nvSpPr>
-        <p:spPr>
-          <a:xfrm>
-            <a:off x="17226809" y="3422650"/>
-            <a:ext cx="2654301" cy="990601"/>
-          </a:xfrm>
-          <a:prstGeom prst="rect">
-            <a:avLst/>
-          </a:prstGeom>
-          <a:ln w="12700">
-            <a:miter lim="400000"/>
-          </a:ln>
-          <a:extLst>
-            <a:ext uri="{C572A759-6A51-4108-AA02-DFA0A04FC94B}">
-              <ma14:wrappingTextBoxFlag xmlns:ma14="http://schemas.microsoft.com/office/mac/drawingml/2011/main" val="1"/>
-            </a:ext>
-          </a:extLst>
-        </p:spPr>
-        <p:txBody>
-          <a:bodyPr wrap="none" lIns="50800" tIns="50800" rIns="50800" bIns="50800" anchor="ctr">
-            <a:spAutoFit/>
-          </a:bodyPr>
-          <a:lstStyle/>
-          <a:p>
-            <a:pPr/>
-            <a:r>
-              <a:t>内核堆栈</a:t>
-            </a:r>
-          </a:p>
-        </p:txBody>
-      </p:sp>
-      <p:sp>
-        <p:nvSpPr>
-          <p:cNvPr id="238" name="Shape 238"/>
-          <p:cNvSpPr/>
-          <p:nvPr/>
-        </p:nvSpPr>
-        <p:spPr>
-          <a:xfrm>
-            <a:off x="16679268" y="4742237"/>
-            <a:ext cx="3749384" cy="1270001"/>
-          </a:xfrm>
-          <a:prstGeom prst="rect">
-            <a:avLst/>
-          </a:prstGeom>
-          <a:blipFill>
-            <a:blip r:embed="rId3"/>
-          </a:blipFill>
-          <a:ln w="12700">
-            <a:miter lim="400000"/>
-          </a:ln>
-          <a:effectLst>
-            <a:outerShdw sx="100000" sy="100000" kx="0" ky="0" algn="b" rotWithShape="0" blurRad="38100" dist="25400" dir="5400000">
-              <a:srgbClr val="000000">
-                <a:alpha val="50000"/>
-              </a:srgbClr>
-            </a:outerShdw>
-          </a:effectLst>
-        </p:spPr>
-        <p:txBody>
-          <a:bodyPr lIns="50800" tIns="50800" rIns="50800" bIns="50800" anchor="ctr"/>
-          <a:lstStyle/>
-          <a:p>
-            <a:pPr>
-              <a:defRPr sz="3200">
-                <a:solidFill>
-                  <a:srgbClr val="FFFFFF"/>
-                </a:solidFill>
-              </a:defRPr>
-            </a:pPr>
-          </a:p>
-        </p:txBody>
-      </p:sp>
-      <p:sp>
-        <p:nvSpPr>
           <p:cNvPr id="239" name="Shape 239"/>
           <p:cNvSpPr/>
           <p:nvPr/>
@@ -6855,11 +6856,6 @@
           <a:ln w="12700">
             <a:miter lim="400000"/>
           </a:ln>
-          <a:extLst>
-            <a:ext uri="{C572A759-6A51-4108-AA02-DFA0A04FC94B}">
-              <ma14:wrappingTextBoxFlag xmlns:ma14="http://schemas.microsoft.com/office/mac/drawingml/2011/main" val="1"/>
-            </a:ext>
-          </a:extLst>
         </p:spPr>
         <p:txBody>
           <a:bodyPr wrap="none" lIns="50800" tIns="50800" rIns="50800" bIns="50800" anchor="ctr">
@@ -6875,7 +6871,6 @@
             </a:lvl1pPr>
           </a:lstStyle>
           <a:p>
-            <a:pPr/>
             <a:r>
               <a:t>struct pt_regs</a:t>
             </a:r>
@@ -6897,13 +6892,13 @@
             <a:avLst/>
           </a:prstGeom>
           <a:blipFill>
-            <a:blip r:embed="rId3"/>
+            <a:blip r:embed="rId2"/>
           </a:blipFill>
           <a:ln w="12700">
             <a:miter lim="400000"/>
           </a:ln>
           <a:effectLst>
-            <a:outerShdw sx="100000" sy="100000" kx="0" ky="0" algn="b" rotWithShape="0" blurRad="38100" dist="25400" dir="5400000">
+            <a:outerShdw blurRad="38100" dist="25400" dir="5400000" rotWithShape="0">
               <a:srgbClr val="000000">
                 <a:alpha val="50000"/>
               </a:srgbClr>
@@ -6941,11 +6936,6 @@
           <a:ln w="12700">
             <a:miter lim="400000"/>
           </a:ln>
-          <a:extLst>
-            <a:ext uri="{C572A759-6A51-4108-AA02-DFA0A04FC94B}">
-              <ma14:wrappingTextBoxFlag xmlns:ma14="http://schemas.microsoft.com/office/mac/drawingml/2011/main" val="1"/>
-            </a:ext>
-          </a:extLst>
         </p:spPr>
         <p:txBody>
           <a:bodyPr wrap="none" lIns="50800" tIns="50800" rIns="50800" bIns="50800" anchor="ctr">
@@ -6979,6 +6969,7 @@
               <a:rPr sz="3000"/>
               <a:t>nactive_task_frame</a:t>
             </a:r>
+            <a:endParaRPr sz="3000"/>
           </a:p>
         </p:txBody>
       </p:sp>
@@ -6999,11 +6990,6 @@
           <a:ln w="12700">
             <a:miter lim="400000"/>
           </a:ln>
-          <a:extLst>
-            <a:ext uri="{C572A759-6A51-4108-AA02-DFA0A04FC94B}">
-              <ma14:wrappingTextBoxFlag xmlns:ma14="http://schemas.microsoft.com/office/mac/drawingml/2011/main" val="1"/>
-            </a:ext>
-          </a:extLst>
         </p:spPr>
         <p:txBody>
           <a:bodyPr wrap="none" lIns="50800" tIns="50800" rIns="50800" bIns="50800" anchor="ctr">
@@ -7195,16 +7181,12 @@
       </p:sp>
       <p:pic>
         <p:nvPicPr>
-          <p:cNvPr id="243" name=""/>
-          <p:cNvPicPr>
-            <a:picLocks noChangeAspect="0"/>
-          </p:cNvPicPr>
+          <p:cNvPr id="243" name="图片 242"/>
+          <p:cNvPicPr/>
           <p:nvPr/>
         </p:nvPicPr>
         <p:blipFill>
-          <a:blip r:embed="rId4">
-            <a:extLst/>
-          </a:blip>
+          <a:blip r:embed="rId3"/>
           <a:stretch>
             <a:fillRect/>
           </a:stretch>
@@ -7221,16 +7203,12 @@
       </p:pic>
       <p:pic>
         <p:nvPicPr>
-          <p:cNvPr id="245" name=""/>
-          <p:cNvPicPr>
-            <a:picLocks noChangeAspect="0"/>
-          </p:cNvPicPr>
+          <p:cNvPr id="245" name="图片 244"/>
+          <p:cNvPicPr/>
           <p:nvPr/>
         </p:nvPicPr>
         <p:blipFill>
-          <a:blip r:embed="rId5">
-            <a:extLst/>
-          </a:blip>
+          <a:blip r:embed="rId4"/>
           <a:stretch>
             <a:fillRect/>
           </a:stretch>
@@ -7250,12 +7228,19 @@
   <p:clrMapOvr>
     <a:masterClrMapping/>
   </p:clrMapOvr>
-  <p:transition xmlns:p14="http://schemas.microsoft.com/office/powerpoint/2010/main" spd="med" advClick="1" p14:dur="1000"/>
+  <mc:AlternateContent xmlns:mc="http://schemas.openxmlformats.org/markup-compatibility/2006">
+    <mc:Choice xmlns:p14="http://schemas.microsoft.com/office/powerpoint/2010/main" Requires="p14">
+      <p:transition spd="med" p14:dur="1000"/>
+    </mc:Choice>
+    <mc:Fallback>
+      <p:transition spd="med"/>
+    </mc:Fallback>
+  </mc:AlternateContent>
 </p:sld>
 </file>
 
 <file path=ppt/slides/slide35.xml><?xml version="1.0" encoding="utf-8"?>
-<p:sld xmlns:a="http://schemas.openxmlformats.org/drawingml/2006/main" xmlns:r="http://schemas.openxmlformats.org/officeDocument/2006/relationships" xmlns:p="http://schemas.openxmlformats.org/presentationml/2006/main" showMasterSp="1" showMasterPhAnim="1">
+<p:sld xmlns:a="http://schemas.openxmlformats.org/drawingml/2006/main" xmlns:r="http://schemas.openxmlformats.org/officeDocument/2006/relationships" xmlns:p="http://schemas.openxmlformats.org/presentationml/2006/main">
   <p:cSld>
     <p:spTree>
       <p:nvGrpSpPr>
@@ -7288,7 +7273,6 @@
           <a:bodyPr/>
           <a:lstStyle/>
           <a:p>
-            <a:pPr/>
             <a:r>
               <a:t>中断上下文和进程上下文</a:t>
             </a:r>
@@ -7340,12 +7324,19 @@
   <p:clrMapOvr>
     <a:masterClrMapping/>
   </p:clrMapOvr>
-  <p:transition xmlns:p14="http://schemas.microsoft.com/office/powerpoint/2010/main" spd="med" advClick="1" p14:dur="1000"/>
+  <mc:AlternateContent xmlns:mc="http://schemas.openxmlformats.org/markup-compatibility/2006">
+    <mc:Choice xmlns:p14="http://schemas.microsoft.com/office/powerpoint/2010/main" Requires="p14">
+      <p:transition spd="med" p14:dur="1000"/>
+    </mc:Choice>
+    <mc:Fallback>
+      <p:transition spd="med"/>
+    </mc:Fallback>
+  </mc:AlternateContent>
 </p:sld>
 </file>
 
 <file path=ppt/slides/slide36.xml><?xml version="1.0" encoding="utf-8"?>
-<p:sld xmlns:a="http://schemas.openxmlformats.org/drawingml/2006/main" xmlns:r="http://schemas.openxmlformats.org/officeDocument/2006/relationships" xmlns:p="http://schemas.openxmlformats.org/presentationml/2006/main" showMasterSp="1" showMasterPhAnim="1">
+<p:sld xmlns:a="http://schemas.openxmlformats.org/drawingml/2006/main" xmlns:r="http://schemas.openxmlformats.org/officeDocument/2006/relationships" xmlns:p="http://schemas.openxmlformats.org/presentationml/2006/main">
   <p:cSld>
     <p:spTree>
       <p:nvGrpSpPr>
@@ -7378,7 +7369,6 @@
           <a:bodyPr/>
           <a:lstStyle/>
           <a:p>
-            <a:pPr/>
             <a:r>
               <a:t>Linux系统的一般执行过程</a:t>
             </a:r>
@@ -7402,19 +7392,16 @@
           <a:bodyPr/>
           <a:lstStyle/>
           <a:p>
-            <a:pPr/>
             <a:r>
               <a:t>可以想象一下Linux系统的整体运行过程。其中最基本和一般的场景是：正在运行的用户态进程X切换到用户态进程Y的过程。</a:t>
             </a:r>
           </a:p>
           <a:p>
-            <a:pPr/>
             <a:r>
               <a:t>以32位x86系统结构linux-3.18.6为例</a:t>
             </a:r>
           </a:p>
           <a:p>
-            <a:pPr/>
             <a:r>
               <a:t>与此对应x86-64系统结构linux-5.4.34中的逻辑基本一致，但是代码差异较大</a:t>
             </a:r>
@@ -7426,12 +7413,19 @@
   <p:clrMapOvr>
     <a:masterClrMapping/>
   </p:clrMapOvr>
-  <p:transition xmlns:p14="http://schemas.microsoft.com/office/powerpoint/2010/main" spd="med" advClick="1" p14:dur="1000"/>
+  <mc:AlternateContent xmlns:mc="http://schemas.openxmlformats.org/markup-compatibility/2006">
+    <mc:Choice xmlns:p14="http://schemas.microsoft.com/office/powerpoint/2010/main" Requires="p14">
+      <p:transition spd="med" p14:dur="1000"/>
+    </mc:Choice>
+    <mc:Fallback>
+      <p:transition spd="med"/>
+    </mc:Fallback>
+  </mc:AlternateContent>
 </p:sld>
 </file>
 
 <file path=ppt/slides/slide37.xml><?xml version="1.0" encoding="utf-8"?>
-<p:sld xmlns:a="http://schemas.openxmlformats.org/drawingml/2006/main" xmlns:r="http://schemas.openxmlformats.org/officeDocument/2006/relationships" xmlns:p="http://schemas.openxmlformats.org/presentationml/2006/main" showMasterSp="1" showMasterPhAnim="1">
+<p:sld xmlns:a="http://schemas.openxmlformats.org/drawingml/2006/main" xmlns:r="http://schemas.openxmlformats.org/officeDocument/2006/relationships" xmlns:p="http://schemas.openxmlformats.org/presentationml/2006/main">
   <p:cSld>
     <p:spTree>
       <p:nvGrpSpPr>
@@ -7464,7 +7458,6 @@
           <a:bodyPr/>
           <a:lstStyle/>
           <a:p>
-            <a:pPr/>
             <a:r>
               <a:t>Linux系统的一般执行过程</a:t>
             </a:r>
@@ -7488,121 +7481,121 @@
           <a:bodyPr/>
           <a:lstStyle/>
           <a:p>
-            <a:pPr marL="266700" indent="-266700" defTabSz="346709">
+            <a:pPr marL="266700" indent="-266700" defTabSz="346710">
               <a:spcBef>
                 <a:spcPts val="2400"/>
               </a:spcBef>
-              <a:defRPr sz="2184"/>
+              <a:defRPr sz="2185"/>
             </a:pPr>
             <a:r>
               <a:t>以32位x86系统结构linux-3.18.6为例，以系统调用作为特殊的中断简要总结如下。</a:t>
             </a:r>
           </a:p>
           <a:p>
-            <a:pPr marL="266700" indent="-266700" defTabSz="346709">
+            <a:pPr marL="266700" indent="-266700" defTabSz="346710">
               <a:spcBef>
                 <a:spcPts val="2400"/>
               </a:spcBef>
-              <a:defRPr sz="2184"/>
+              <a:defRPr sz="2185"/>
             </a:pPr>
             <a:r>
               <a:t>（1）正在运行的用户态进程X。</a:t>
             </a:r>
           </a:p>
           <a:p>
-            <a:pPr marL="266700" indent="-266700" defTabSz="346709">
+            <a:pPr marL="266700" indent="-266700" defTabSz="346710">
               <a:spcBef>
                 <a:spcPts val="2400"/>
               </a:spcBef>
-              <a:defRPr sz="2184"/>
+              <a:defRPr sz="2185"/>
             </a:pPr>
             <a:r>
               <a:t>（2）发生中断（包括异常、系统调用等），CPU完成以下动作。</a:t>
             </a:r>
           </a:p>
           <a:p>
-            <a:pPr marL="266700" indent="-266700" defTabSz="346709">
+            <a:pPr marL="266700" indent="-266700" defTabSz="346710">
               <a:spcBef>
                 <a:spcPts val="2400"/>
               </a:spcBef>
-              <a:defRPr sz="2184"/>
+              <a:defRPr sz="2185"/>
             </a:pPr>
             <a:r>
               <a:t>	•	save cs:eip/ss:esp/eflags：当前CPU上下文压入进程X的内核堆栈。</a:t>
             </a:r>
           </a:p>
           <a:p>
-            <a:pPr marL="266700" indent="-266700" defTabSz="346709">
+            <a:pPr marL="266700" indent="-266700" defTabSz="346710">
               <a:spcBef>
                 <a:spcPts val="2400"/>
               </a:spcBef>
-              <a:defRPr sz="2184"/>
+              <a:defRPr sz="2185"/>
             </a:pPr>
             <a:r>
               <a:t>	•	load cs:eip(entry of a specific ISR) and ss:esp(point to kernel stack)：加载当前进程内核堆栈相关信息，跳转到中断处理程序，即中断执行路径的起点。</a:t>
             </a:r>
           </a:p>
           <a:p>
-            <a:pPr marL="266700" indent="-266700" defTabSz="346709">
+            <a:pPr marL="266700" indent="-266700" defTabSz="346710">
               <a:spcBef>
                 <a:spcPts val="2400"/>
               </a:spcBef>
-              <a:defRPr sz="2184"/>
+              <a:defRPr sz="2185"/>
             </a:pPr>
             <a:r>
               <a:t>（3）SAVE_ALL，保存现场，此时完成了中断上下文切换，即从进程X的用户态到进程X的内核态。</a:t>
             </a:r>
           </a:p>
           <a:p>
-            <a:pPr marL="266700" indent="-266700" defTabSz="346709">
+            <a:pPr marL="266700" indent="-266700" defTabSz="346710">
               <a:spcBef>
                 <a:spcPts val="2400"/>
               </a:spcBef>
-              <a:defRPr sz="2184"/>
+              <a:defRPr sz="2185"/>
             </a:pPr>
             <a:r>
               <a:t>（4）中断处理过程中或中断返回前调用了schedule函数，其中的switch_to做了关键的进程上下文切换。将当前进程X的内核堆栈切换到进程调度算法选出来的next进程（本例假定为进程Y）的内核堆栈，并完成了进程上下文所需的EIP等寄存器状态切换。详细过程见前述内容。</a:t>
             </a:r>
           </a:p>
           <a:p>
-            <a:pPr marL="266700" indent="-266700" defTabSz="346709">
+            <a:pPr marL="266700" indent="-266700" defTabSz="346710">
               <a:spcBef>
                 <a:spcPts val="2400"/>
               </a:spcBef>
-              <a:defRPr sz="2184"/>
+              <a:defRPr sz="2185"/>
             </a:pPr>
             <a:r>
               <a:t>（5）标号1，即前述3.18.6内核的swtich_to代码第50行“”1:\t“ ”（地址为switch_to中的“$1f”），之后开始运行进程Y（这里进程Y曾经通过以上步骤被切换出去，因此可以从标号1继续执行）。</a:t>
             </a:r>
           </a:p>
           <a:p>
-            <a:pPr marL="266700" indent="-266700" defTabSz="346709">
+            <a:pPr marL="266700" indent="-266700" defTabSz="346710">
               <a:spcBef>
                 <a:spcPts val="2400"/>
               </a:spcBef>
-              <a:defRPr sz="2184"/>
+              <a:defRPr sz="2185"/>
             </a:pPr>
             <a:r>
               <a:t>（6）restore_all，恢复现场，与（3）中保存现场相对应。注意这里是进程Y的中断处理过程中，而（3）中保存现场是在进程X的中断处理过程中，因为内核堆栈从进程X切换到进程Y了。</a:t>
             </a:r>
           </a:p>
           <a:p>
-            <a:pPr marL="266700" indent="-266700" defTabSz="346709">
+            <a:pPr marL="266700" indent="-266700" defTabSz="346710">
               <a:spcBef>
                 <a:spcPts val="2400"/>
               </a:spcBef>
-              <a:defRPr sz="2184"/>
+              <a:defRPr sz="2185"/>
             </a:pPr>
             <a:r>
               <a:t>（7）iret - pop cs:eip/ss:esp/eflags，从Y进程的内核堆栈中弹出（2）中硬件完成的压栈内容。此时完成了中断上下文的切换，即从进程Y的内核态返回到进程Y的用户态。</a:t>
             </a:r>
           </a:p>
           <a:p>
-            <a:pPr marL="266700" indent="-266700" defTabSz="346709">
+            <a:pPr marL="266700" indent="-266700" defTabSz="346710">
               <a:spcBef>
                 <a:spcPts val="2400"/>
               </a:spcBef>
-              <a:defRPr sz="2184"/>
+              <a:defRPr sz="2185"/>
             </a:pPr>
             <a:r>
               <a:t>（8）继续运行用户态进程Y。</a:t>
@@ -7615,12 +7608,19 @@
   <p:clrMapOvr>
     <a:masterClrMapping/>
   </p:clrMapOvr>
-  <p:transition xmlns:p14="http://schemas.microsoft.com/office/powerpoint/2010/main" spd="med" advClick="1" p14:dur="1000"/>
+  <mc:AlternateContent xmlns:mc="http://schemas.openxmlformats.org/markup-compatibility/2006">
+    <mc:Choice xmlns:p14="http://schemas.microsoft.com/office/powerpoint/2010/main" Requires="p14">
+      <p:transition spd="med" p14:dur="1000"/>
+    </mc:Choice>
+    <mc:Fallback>
+      <p:transition spd="med"/>
+    </mc:Fallback>
+  </mc:AlternateContent>
 </p:sld>
 </file>
 
 <file path=ppt/slides/slide38.xml><?xml version="1.0" encoding="utf-8"?>
-<p:sld xmlns:a="http://schemas.openxmlformats.org/drawingml/2006/main" xmlns:r="http://schemas.openxmlformats.org/officeDocument/2006/relationships" xmlns:p="http://schemas.openxmlformats.org/presentationml/2006/main" showMasterSp="1" showMasterPhAnim="1">
+<p:sld xmlns:a="http://schemas.openxmlformats.org/drawingml/2006/main" xmlns:r="http://schemas.openxmlformats.org/officeDocument/2006/relationships" xmlns:p="http://schemas.openxmlformats.org/presentationml/2006/main">
   <p:cSld>
     <p:spTree>
       <p:nvGrpSpPr>
@@ -7653,7 +7653,6 @@
           <a:bodyPr/>
           <a:lstStyle/>
           <a:p>
-            <a:pPr/>
             <a:r>
               <a:t>Linux系统的一般执行过程</a:t>
             </a:r>
@@ -7677,132 +7676,132 @@
           <a:bodyPr/>
           <a:lstStyle/>
           <a:p>
-            <a:pPr marL="260350" indent="-260350" defTabSz="338454">
+            <a:pPr marL="260350" indent="-260350" defTabSz="338455">
               <a:spcBef>
                 <a:spcPts val="2400"/>
               </a:spcBef>
-              <a:defRPr sz="2132"/>
+              <a:defRPr sz="2130"/>
             </a:pPr>
             <a:r>
               <a:t>（1）正在运行的用户态进程X。</a:t>
             </a:r>
           </a:p>
           <a:p>
-            <a:pPr marL="260350" indent="-260350" defTabSz="338454">
+            <a:pPr marL="260350" indent="-260350" defTabSz="338455">
               <a:spcBef>
                 <a:spcPts val="2400"/>
               </a:spcBef>
-              <a:defRPr sz="2132"/>
+              <a:defRPr sz="2130"/>
             </a:pPr>
             <a:r>
               <a:t>（2）发生中断（包括异常、系统调用等），CPU完成load cs:rip(entry of a specific ISR)，即跳转到中断处理程序入口。</a:t>
             </a:r>
           </a:p>
           <a:p>
-            <a:pPr marL="260350" indent="-260350" defTabSz="338454">
+            <a:pPr marL="260350" indent="-260350" defTabSz="338455">
               <a:spcBef>
                 <a:spcPts val="2400"/>
               </a:spcBef>
-              <a:defRPr sz="2132"/>
+              <a:defRPr sz="2130"/>
             </a:pPr>
             <a:r>
               <a:t>（3）中断上下文切换，具体包括如下几点：</a:t>
             </a:r>
           </a:p>
           <a:p>
-            <a:pPr marL="260350" indent="-260350" defTabSz="338454">
+            <a:pPr marL="260350" indent="-260350" defTabSz="338455">
               <a:spcBef>
                 <a:spcPts val="2400"/>
               </a:spcBef>
-              <a:defRPr sz="2132"/>
+              <a:defRPr sz="2130"/>
             </a:pPr>
             <a:r>
               <a:t>	•	swapgs指令保存现场，可以理解CPU通过swapgs指令给当前CPU寄存器状态做了一个快照。</a:t>
             </a:r>
           </a:p>
           <a:p>
-            <a:pPr marL="260350" indent="-260350" defTabSz="338454">
+            <a:pPr marL="260350" indent="-260350" defTabSz="338455">
               <a:spcBef>
                 <a:spcPts val="2400"/>
               </a:spcBef>
-              <a:defRPr sz="2132"/>
+              <a:defRPr sz="2130"/>
             </a:pPr>
             <a:r>
               <a:t>	•	rsp point to kernel stack，加载当前进程内核堆栈栈顶地址到RSP寄存器。快速系统调用是由系统调用入口处的汇编代码实现用户堆栈和内核堆栈的切换。</a:t>
             </a:r>
           </a:p>
           <a:p>
-            <a:pPr marL="260350" indent="-260350" defTabSz="338454">
+            <a:pPr marL="260350" indent="-260350" defTabSz="338455">
               <a:spcBef>
                 <a:spcPts val="2400"/>
               </a:spcBef>
-              <a:defRPr sz="2132"/>
+              <a:defRPr sz="2130"/>
             </a:pPr>
             <a:r>
               <a:t>	•	save cs:rip/ss:rsp/rflags：将当前CPU关键上下文压入进程X的内核堆栈，快速系统调用是由系统调用入口处的汇编代码实现的。</a:t>
             </a:r>
           </a:p>
           <a:p>
-            <a:pPr marL="260350" indent="-260350" defTabSz="338454">
+            <a:pPr marL="260350" indent="-260350" defTabSz="338455">
               <a:spcBef>
                 <a:spcPts val="2400"/>
               </a:spcBef>
-              <a:defRPr sz="2132"/>
+              <a:defRPr sz="2130"/>
             </a:pPr>
             <a:r>
               <a:t>此时完成了中断上下文切换，即从进程X的用户态到进程X的内核态。</a:t>
             </a:r>
           </a:p>
           <a:p>
-            <a:pPr marL="260350" indent="-260350" defTabSz="338454">
+            <a:pPr marL="260350" indent="-260350" defTabSz="338455">
               <a:spcBef>
                 <a:spcPts val="2400"/>
               </a:spcBef>
-              <a:defRPr sz="2132"/>
+              <a:defRPr sz="2130"/>
             </a:pPr>
             <a:r>
               <a:t>（4）中断处理过程中或中断返回前调用了schedule函数，其中完成了进程调度算法选择next进程、进程地址空间切换、以及switch_to关键的进程上下文切换等。</a:t>
             </a:r>
           </a:p>
           <a:p>
-            <a:pPr marL="260350" indent="-260350" defTabSz="338454">
+            <a:pPr marL="260350" indent="-260350" defTabSz="338455">
               <a:spcBef>
                 <a:spcPts val="2400"/>
               </a:spcBef>
-              <a:defRPr sz="2132"/>
+              <a:defRPr sz="2130"/>
             </a:pPr>
             <a:r>
               <a:t>（5）switch_to调用了__switch_to_asm汇编代码做了关键的进程上下文切换。将当前进程X的内核堆栈切换到进程调度算法选出来的next进程（本例假定为进程Y）的内核堆栈，并完成了进程上下文所需的指令指针寄存器状态切换。之后开始运行进程Y（这里进程Y曾经通过以上步骤被切换出去，因此可以从switch_to下一行代码继续执行）。</a:t>
             </a:r>
           </a:p>
           <a:p>
-            <a:pPr marL="260350" indent="-260350" defTabSz="338454">
+            <a:pPr marL="260350" indent="-260350" defTabSz="338455">
               <a:spcBef>
                 <a:spcPts val="2400"/>
               </a:spcBef>
-              <a:defRPr sz="2132"/>
+              <a:defRPr sz="2130"/>
             </a:pPr>
             <a:r>
               <a:t>（6）中断上下文恢复，与（3）中断上下文切换相对应。注意这里是进程Y的中断处理过程中，而（3）中断上下文切换是在进程X的中断处理过程中，因为内核堆栈从进程X切换到进程Y了。</a:t>
             </a:r>
           </a:p>
           <a:p>
-            <a:pPr marL="260350" indent="-260350" defTabSz="338454">
+            <a:pPr marL="260350" indent="-260350" defTabSz="338455">
               <a:spcBef>
                 <a:spcPts val="2400"/>
               </a:spcBef>
-              <a:defRPr sz="2132"/>
+              <a:defRPr sz="2130"/>
             </a:pPr>
             <a:r>
               <a:t>（7）为了对应起见中断上下文恢复的最后一步单独拿出来（6的最后一步即是7）iret - pop cs:rip/ss:rsp/rflags，从Y进程的内核堆栈中弹出（3）中对应的压栈内容。此时完成了中断上下文的切换，即从进程Y的内核态返回到进程Y的用户态。注意快速系统调用返回sysret与iret的处理略有不同。</a:t>
             </a:r>
           </a:p>
           <a:p>
-            <a:pPr marL="260350" indent="-260350" defTabSz="338454">
+            <a:pPr marL="260350" indent="-260350" defTabSz="338455">
               <a:spcBef>
                 <a:spcPts val="2400"/>
               </a:spcBef>
-              <a:defRPr sz="2132"/>
+              <a:defRPr sz="2130"/>
             </a:pPr>
             <a:r>
               <a:t>（8）继续运行用户态进程Y。</a:t>
@@ -7815,12 +7814,19 @@
   <p:clrMapOvr>
     <a:masterClrMapping/>
   </p:clrMapOvr>
-  <p:transition xmlns:p14="http://schemas.microsoft.com/office/powerpoint/2010/main" spd="med" advClick="1" p14:dur="1000"/>
+  <mc:AlternateContent xmlns:mc="http://schemas.openxmlformats.org/markup-compatibility/2006">
+    <mc:Choice xmlns:p14="http://schemas.microsoft.com/office/powerpoint/2010/main" Requires="p14">
+      <p:transition spd="med" p14:dur="1000"/>
+    </mc:Choice>
+    <mc:Fallback>
+      <p:transition spd="med"/>
+    </mc:Fallback>
+  </mc:AlternateContent>
 </p:sld>
 </file>
 
 <file path=ppt/slides/slide39.xml><?xml version="1.0" encoding="utf-8"?>
-<p:sld xmlns:a="http://schemas.openxmlformats.org/drawingml/2006/main" xmlns:r="http://schemas.openxmlformats.org/officeDocument/2006/relationships" xmlns:p="http://schemas.openxmlformats.org/presentationml/2006/main" showMasterSp="1" showMasterPhAnim="1">
+<p:sld xmlns:a="http://schemas.openxmlformats.org/drawingml/2006/main" xmlns:r="http://schemas.openxmlformats.org/officeDocument/2006/relationships" xmlns:p="http://schemas.openxmlformats.org/presentationml/2006/main">
   <p:cSld>
     <p:spTree>
       <p:nvGrpSpPr>
@@ -7853,7 +7859,6 @@
           <a:bodyPr/>
           <a:lstStyle/>
           <a:p>
-            <a:pPr/>
             <a:r>
               <a:t>Linux系统的一般执行过程</a:t>
             </a:r>
@@ -7916,12 +7921,19 @@
   <p:clrMapOvr>
     <a:masterClrMapping/>
   </p:clrMapOvr>
-  <p:transition xmlns:p14="http://schemas.microsoft.com/office/powerpoint/2010/main" spd="med" advClick="1" p14:dur="1000"/>
+  <mc:AlternateContent xmlns:mc="http://schemas.openxmlformats.org/markup-compatibility/2006">
+    <mc:Choice xmlns:p14="http://schemas.microsoft.com/office/powerpoint/2010/main" Requires="p14">
+      <p:transition spd="med" p14:dur="1000"/>
+    </mc:Choice>
+    <mc:Fallback>
+      <p:transition spd="med"/>
+    </mc:Fallback>
+  </mc:AlternateContent>
 </p:sld>
 </file>
 
 <file path=ppt/slides/slide4.xml><?xml version="1.0" encoding="utf-8"?>
-<p:sld xmlns:a="http://schemas.openxmlformats.org/drawingml/2006/main" xmlns:r="http://schemas.openxmlformats.org/officeDocument/2006/relationships" xmlns:p="http://schemas.openxmlformats.org/presentationml/2006/main" showMasterSp="1" showMasterPhAnim="1">
+<p:sld xmlns:a="http://schemas.openxmlformats.org/drawingml/2006/main" xmlns:r="http://schemas.openxmlformats.org/officeDocument/2006/relationships" xmlns:p="http://schemas.openxmlformats.org/presentationml/2006/main">
   <p:cSld>
     <p:spTree>
       <p:nvGrpSpPr>
@@ -7954,7 +7966,6 @@
           <a:bodyPr/>
           <a:lstStyle/>
           <a:p>
-            <a:pPr/>
             <a:r>
               <a:t>中断的类型</a:t>
             </a:r>
@@ -8039,12 +8050,19 @@
   <p:clrMapOvr>
     <a:masterClrMapping/>
   </p:clrMapOvr>
-  <p:transition xmlns:p14="http://schemas.microsoft.com/office/powerpoint/2010/main" spd="med" advClick="1" p14:dur="1000"/>
+  <mc:AlternateContent xmlns:mc="http://schemas.openxmlformats.org/markup-compatibility/2006">
+    <mc:Choice xmlns:p14="http://schemas.microsoft.com/office/powerpoint/2010/main" Requires="p14">
+      <p:transition spd="med" p14:dur="1000"/>
+    </mc:Choice>
+    <mc:Fallback>
+      <p:transition spd="med"/>
+    </mc:Fallback>
+  </mc:AlternateContent>
 </p:sld>
 </file>
 
 <file path=ppt/slides/slide40.xml><?xml version="1.0" encoding="utf-8"?>
-<p:sld xmlns:a="http://schemas.openxmlformats.org/drawingml/2006/main" xmlns:r="http://schemas.openxmlformats.org/officeDocument/2006/relationships" xmlns:p="http://schemas.openxmlformats.org/presentationml/2006/main" showMasterSp="1" showMasterPhAnim="1">
+<p:sld xmlns:a="http://schemas.openxmlformats.org/drawingml/2006/main" xmlns:r="http://schemas.openxmlformats.org/officeDocument/2006/relationships" xmlns:p="http://schemas.openxmlformats.org/presentationml/2006/main">
   <p:cSld>
     <p:spTree>
       <p:nvGrpSpPr>
@@ -8076,12 +8094,11 @@
         <p:txBody>
           <a:bodyPr/>
           <a:lstStyle>
-            <a:lvl1pPr defTabSz="734694">
-              <a:defRPr sz="9968"/>
+            <a:lvl1pPr defTabSz="734695">
+              <a:defRPr sz="9970"/>
             </a:lvl1pPr>
           </a:lstStyle>
           <a:p>
-            <a:pPr/>
             <a:r>
               <a:t>Linux系统执行过程中的几种特殊情况</a:t>
             </a:r>
@@ -8166,12 +8183,19 @@
   <p:clrMapOvr>
     <a:masterClrMapping/>
   </p:clrMapOvr>
-  <p:transition xmlns:p14="http://schemas.microsoft.com/office/powerpoint/2010/main" spd="med" advClick="1" p14:dur="1000"/>
+  <mc:AlternateContent xmlns:mc="http://schemas.openxmlformats.org/markup-compatibility/2006">
+    <mc:Choice xmlns:p14="http://schemas.microsoft.com/office/powerpoint/2010/main" Requires="p14">
+      <p:transition spd="med" p14:dur="1000"/>
+    </mc:Choice>
+    <mc:Fallback>
+      <p:transition spd="med"/>
+    </mc:Fallback>
+  </mc:AlternateContent>
 </p:sld>
 </file>
 
 <file path=ppt/slides/slide41.xml><?xml version="1.0" encoding="utf-8"?>
-<p:sld xmlns:a="http://schemas.openxmlformats.org/drawingml/2006/main" xmlns:r="http://schemas.openxmlformats.org/officeDocument/2006/relationships" xmlns:p="http://schemas.openxmlformats.org/presentationml/2006/main" showMasterSp="1" showMasterPhAnim="1">
+<p:sld xmlns:a="http://schemas.openxmlformats.org/drawingml/2006/main" xmlns:r="http://schemas.openxmlformats.org/officeDocument/2006/relationships" xmlns:p="http://schemas.openxmlformats.org/presentationml/2006/main">
   <p:cSld>
     <p:spTree>
       <p:nvGrpSpPr>
@@ -8204,7 +8228,6 @@
           <a:bodyPr/>
           <a:lstStyle/>
           <a:p>
-            <a:pPr/>
             <a:r>
               <a:t>Linux操作系统的构架</a:t>
             </a:r>
@@ -8236,7 +8259,7 @@
               <a:spcBef>
                 <a:spcPts val="5000"/>
               </a:spcBef>
-              <a:defRPr sz="4472"/>
+              <a:defRPr sz="4470"/>
             </a:pPr>
             <a:r>
               <a:t>对于操作系统的目的，需要把握两个分界线。</a:t>
@@ -8247,7 +8270,7 @@
               <a:spcBef>
                 <a:spcPts val="5000"/>
               </a:spcBef>
-              <a:defRPr sz="4472"/>
+              <a:defRPr sz="4470"/>
             </a:pPr>
             <a:r>
               <a:t>	•	对底层来说，与硬件交互，管理所有的硬件资源。</a:t>
@@ -8258,7 +8281,7 @@
               <a:spcBef>
                 <a:spcPts val="5000"/>
               </a:spcBef>
-              <a:defRPr sz="4472"/>
+              <a:defRPr sz="4470"/>
             </a:pPr>
             <a:r>
               <a:t>	•	对上层来说，通过系统调用为系统程序和应用程序提供一个良好的执行环境。</a:t>
@@ -8269,7 +8292,7 @@
               <a:spcBef>
                 <a:spcPts val="5000"/>
               </a:spcBef>
-              <a:defRPr sz="4472"/>
+              <a:defRPr sz="4470"/>
             </a:pPr>
             <a:r>
               <a:t>Linux操作系统的整体构架如图所示。</a:t>
@@ -8286,9 +8309,7 @@
           <p:nvPr/>
         </p:nvPicPr>
         <p:blipFill>
-          <a:blip r:embed="rId2">
-            <a:extLst/>
-          </a:blip>
+          <a:blip r:embed="rId1"/>
           <a:stretch>
             <a:fillRect/>
           </a:stretch>
@@ -8303,6 +8324,8 @@
           </a:prstGeom>
           <a:ln w="12700">
             <a:miter lim="400000"/>
+            <a:headEnd/>
+            <a:tailEnd/>
           </a:ln>
         </p:spPr>
       </p:pic>
@@ -8311,12 +8334,19 @@
   <p:clrMapOvr>
     <a:masterClrMapping/>
   </p:clrMapOvr>
-  <p:transition xmlns:p14="http://schemas.microsoft.com/office/powerpoint/2010/main" spd="med" advClick="1" p14:dur="1000"/>
+  <mc:AlternateContent xmlns:mc="http://schemas.openxmlformats.org/markup-compatibility/2006">
+    <mc:Choice xmlns:p14="http://schemas.microsoft.com/office/powerpoint/2010/main" Requires="p14">
+      <p:transition spd="med" p14:dur="1000"/>
+    </mc:Choice>
+    <mc:Fallback>
+      <p:transition spd="med"/>
+    </mc:Fallback>
+  </mc:AlternateContent>
 </p:sld>
 </file>
 
 <file path=ppt/slides/slide42.xml><?xml version="1.0" encoding="utf-8"?>
-<p:sld xmlns:a="http://schemas.openxmlformats.org/drawingml/2006/main" xmlns:r="http://schemas.openxmlformats.org/officeDocument/2006/relationships" xmlns:p="http://schemas.openxmlformats.org/presentationml/2006/main" showMasterSp="1" showMasterPhAnim="1">
+<p:sld xmlns:a="http://schemas.openxmlformats.org/drawingml/2006/main" xmlns:r="http://schemas.openxmlformats.org/officeDocument/2006/relationships" xmlns:p="http://schemas.openxmlformats.org/presentationml/2006/main">
   <p:cSld>
     <p:spTree>
       <p:nvGrpSpPr>
@@ -8349,7 +8379,6 @@
           <a:bodyPr/>
           <a:lstStyle/>
           <a:p>
-            <a:pPr/>
             <a:r>
               <a:t>ls命令执行过程概览</a:t>
             </a:r>
@@ -8377,22 +8406,22 @@
           <a:bodyPr/>
           <a:lstStyle/>
           <a:p>
-            <a:pPr marL="552450" indent="-552450" defTabSz="718184">
+            <a:pPr marL="552450" indent="-552450" defTabSz="718185">
               <a:spcBef>
                 <a:spcPts val="5100"/>
               </a:spcBef>
-              <a:defRPr sz="4524"/>
+              <a:defRPr sz="4525"/>
             </a:pPr>
             <a:r>
               <a:t>接下来将以ls命令的执行过程来分析整个系统的运行，这是最简单也是最复杂的命令。当用户输入ls并按回车键后，在Linux操作系统中发生的。整体过程如图所示。</a:t>
             </a:r>
           </a:p>
           <a:p>
-            <a:pPr marL="552450" indent="-552450" defTabSz="718184">
+            <a:pPr marL="552450" indent="-552450" defTabSz="718185">
               <a:spcBef>
                 <a:spcPts val="5100"/>
               </a:spcBef>
-              <a:defRPr sz="4524"/>
+              <a:defRPr sz="4525"/>
             </a:pPr>
             <a:r>
               <a:t>如图左侧为主线，右侧则是涉及的各种操作系统知识的汇总。如果您可以清晰地理解图中的问题与相关概念，那说明你对Linux运行机制已经有了较为深入的理解。</a:t>
@@ -8409,9 +8438,7 @@
           <p:nvPr/>
         </p:nvPicPr>
         <p:blipFill>
-          <a:blip r:embed="rId2">
-            <a:extLst/>
-          </a:blip>
+          <a:blip r:embed="rId1"/>
           <a:stretch>
             <a:fillRect/>
           </a:stretch>
@@ -8426,6 +8453,8 @@
           </a:prstGeom>
           <a:ln w="12700">
             <a:miter lim="400000"/>
+            <a:headEnd/>
+            <a:tailEnd/>
           </a:ln>
         </p:spPr>
       </p:pic>
@@ -8434,12 +8463,19 @@
   <p:clrMapOvr>
     <a:masterClrMapping/>
   </p:clrMapOvr>
-  <p:transition xmlns:p14="http://schemas.microsoft.com/office/powerpoint/2010/main" spd="med" advClick="1" p14:dur="1000"/>
+  <mc:AlternateContent xmlns:mc="http://schemas.openxmlformats.org/markup-compatibility/2006">
+    <mc:Choice xmlns:p14="http://schemas.microsoft.com/office/powerpoint/2010/main" Requires="p14">
+      <p:transition spd="med" p14:dur="1000"/>
+    </mc:Choice>
+    <mc:Fallback>
+      <p:transition spd="med"/>
+    </mc:Fallback>
+  </mc:AlternateContent>
 </p:sld>
 </file>
 
 <file path=ppt/slides/slide43.xml><?xml version="1.0" encoding="utf-8"?>
-<p:sld xmlns:a="http://schemas.openxmlformats.org/drawingml/2006/main" xmlns:r="http://schemas.openxmlformats.org/officeDocument/2006/relationships" xmlns:p="http://schemas.openxmlformats.org/presentationml/2006/main" showMasterSp="1" showMasterPhAnim="1">
+<p:sld xmlns:a="http://schemas.openxmlformats.org/drawingml/2006/main" xmlns:r="http://schemas.openxmlformats.org/officeDocument/2006/relationships" xmlns:p="http://schemas.openxmlformats.org/presentationml/2006/main">
   <p:cSld>
     <p:spTree>
       <p:nvGrpSpPr>
@@ -8472,7 +8508,6 @@
           <a:bodyPr/>
           <a:lstStyle/>
           <a:p>
-            <a:pPr/>
             <a:r>
               <a:t>从CPU的视角来看这一过程</a:t>
             </a:r>
@@ -8496,55 +8531,55 @@
           <a:bodyPr/>
           <a:lstStyle/>
           <a:p>
-            <a:pPr marL="406400" indent="-406400" defTabSz="528319">
+            <a:pPr marL="406400" indent="-406400" defTabSz="528320">
               <a:spcBef>
                 <a:spcPts val="3700"/>
               </a:spcBef>
-              <a:defRPr sz="3328"/>
+              <a:defRPr sz="3330"/>
             </a:pPr>
             <a:r>
               <a:t>	•	CPU在运行其他进程时，Shell进程在等待获取用户输入，处于阻塞等待状态。当用户输入ls回车后，导致键盘控制器向CPU发出中断信号。</a:t>
             </a:r>
           </a:p>
           <a:p>
-            <a:pPr marL="406400" indent="-406400" defTabSz="528319">
+            <a:pPr marL="406400" indent="-406400" defTabSz="528320">
               <a:spcBef>
                 <a:spcPts val="3700"/>
               </a:spcBef>
-              <a:defRPr sz="3328"/>
+              <a:defRPr sz="3330"/>
             </a:pPr>
             <a:r>
               <a:t>	•	CPU检测到键盘中断信号，转去中断处理程序，中断处理程序将Shell进程由等待状态转为就绪状态，被唤醒置于就绪队列。</a:t>
             </a:r>
           </a:p>
           <a:p>
-            <a:pPr marL="406400" indent="-406400" defTabSz="528319">
+            <a:pPr marL="406400" indent="-406400" defTabSz="528320">
               <a:spcBef>
                 <a:spcPts val="3700"/>
               </a:spcBef>
-              <a:defRPr sz="3328"/>
+              <a:defRPr sz="3330"/>
             </a:pPr>
             <a:r>
               <a:t>	•	CPU从键盘中断处理程序返回前，也就是中断处理结束前会检测是否需要进程调度，交互式进程被唤醒后vruntime较低，被优先调度的Shell进程很可能会恢复执行，Shell程序会调用fork系统调用和exec系统调用。</a:t>
             </a:r>
           </a:p>
           <a:p>
-            <a:pPr marL="406400" indent="-406400" defTabSz="528319">
+            <a:pPr marL="406400" indent="-406400" defTabSz="528320">
               <a:spcBef>
                 <a:spcPts val="3700"/>
               </a:spcBef>
-              <a:defRPr sz="3328"/>
+              <a:defRPr sz="3330"/>
             </a:pPr>
             <a:r>
               <a:t>	•	CPU执行Shell进程调用fork系统调用，结果是创建了一个子进程，这期间可能进程调度Shell进程被挂起，子进程得以执行，在子进程中调用exec系统调用加载了ls可执行程序，exec系统调用返回CPU开始执行子进程中的ls程序。</a:t>
             </a:r>
           </a:p>
           <a:p>
-            <a:pPr marL="406400" indent="-406400" defTabSz="528319">
+            <a:pPr marL="406400" indent="-406400" defTabSz="528320">
               <a:spcBef>
                 <a:spcPts val="3700"/>
               </a:spcBef>
-              <a:defRPr sz="3328"/>
+              <a:defRPr sz="3330"/>
             </a:pPr>
             <a:r>
               <a:t>	•	CPU执行ls进程的效果就是输出当前目录下的目录和文件，这时ls进程终止，Shell进程又进入等待用户输入的状态，系统发生进程调度CPU去执行其他进程。</a:t>
@@ -8557,12 +8592,19 @@
   <p:clrMapOvr>
     <a:masterClrMapping/>
   </p:clrMapOvr>
-  <p:transition xmlns:p14="http://schemas.microsoft.com/office/powerpoint/2010/main" spd="med" advClick="1" p14:dur="1000"/>
+  <mc:AlternateContent xmlns:mc="http://schemas.openxmlformats.org/markup-compatibility/2006">
+    <mc:Choice xmlns:p14="http://schemas.microsoft.com/office/powerpoint/2010/main" Requires="p14">
+      <p:transition spd="med" p14:dur="1000"/>
+    </mc:Choice>
+    <mc:Fallback>
+      <p:transition spd="med"/>
+    </mc:Fallback>
+  </mc:AlternateContent>
 </p:sld>
 </file>
 
-<file path=ppt/slides/slide5.xml><?xml version="1.0" encoding="utf-8"?>
-<p:sld xmlns:a="http://schemas.openxmlformats.org/drawingml/2006/main" xmlns:r="http://schemas.openxmlformats.org/officeDocument/2006/relationships" xmlns:p="http://schemas.openxmlformats.org/presentationml/2006/main" showMasterSp="1" showMasterPhAnim="1">
+<file path=ppt/slides/slide44.xml><?xml version="1.0" encoding="utf-8"?>
+<p:sld xmlns:a="http://schemas.openxmlformats.org/drawingml/2006/main" xmlns:r="http://schemas.openxmlformats.org/officeDocument/2006/relationships" xmlns:p="http://schemas.openxmlformats.org/presentationml/2006/main">
   <p:cSld>
     <p:spTree>
       <p:nvGrpSpPr>
@@ -8580,7 +8622,7 @@
       </p:grpSpPr>
       <p:sp>
         <p:nvSpPr>
-          <p:cNvPr id="134" name="Shape 134"/>
+          <p:cNvPr id="274" name="Shape 274"/>
           <p:cNvSpPr/>
           <p:nvPr>
             <p:ph type="title"/>
@@ -8592,36 +8634,86 @@
           </a:prstGeom>
         </p:spPr>
         <p:txBody>
+          <a:bodyPr>
+            <a:normAutofit fontScale="90000"/>
+          </a:bodyPr>
+          <a:lstStyle/>
+          <a:p>
+            <a:r>
+              <a:rPr lang="zh-CN">
+                <a:ea typeface="宋体" panose="02010600030101010101" pitchFamily="2" charset="-122"/>
+              </a:rPr>
+              <a:t>从系统的角度分析影响程序执行性能的因素</a:t>
+            </a:r>
+            <a:endParaRPr lang="zh-CN">
+              <a:ea typeface="宋体" panose="02010600030101010101" pitchFamily="2" charset="-122"/>
+            </a:endParaRPr>
+          </a:p>
+        </p:txBody>
+      </p:sp>
+      <p:sp>
+        <p:nvSpPr>
+          <p:cNvPr id="275" name="Shape 275"/>
+          <p:cNvSpPr/>
+          <p:nvPr>
+            <p:ph type="body" idx="1"/>
+          </p:nvPr>
+        </p:nvSpPr>
+        <p:spPr>
+          <a:prstGeom prst="rect">
+            <a:avLst/>
+          </a:prstGeom>
+        </p:spPr>
+        <p:txBody>
           <a:bodyPr/>
           <a:lstStyle/>
           <a:p>
-            <a:pPr/>
-            <a:r>
-              <a:t>快速系统调用</a:t>
-            </a:r>
-          </a:p>
-        </p:txBody>
-      </p:sp>
-      <p:sp>
-        <p:nvSpPr>
-          <p:cNvPr id="135" name="Shape 135"/>
-          <p:cNvSpPr/>
-          <p:nvPr>
-            <p:ph type="body" idx="1"/>
-          </p:nvPr>
-        </p:nvSpPr>
-        <p:spPr>
-          <a:prstGeom prst="rect">
-            <a:avLst/>
-          </a:prstGeom>
-        </p:spPr>
-        <p:txBody>
-          <a:bodyPr/>
-          <a:lstStyle/>
-          <a:p>
-            <a:pPr/>
-            <a:r>
-              <a:t>值得注意的是syscall和sysenter快速系统调用指令，在CPU内部与中断处理的机制差异较大，但是从系统角度看，快速系统调用沿用了传统中断方式的系统调用的处理过程，而且快速系统调用的提出为了加速CPU处理传统中断方式的系统调用的速度。因此，从系统的角度看syscall和sysenter快速系统调用指令也可以认为是一种特殊的中断处理。</a:t>
+            <a:pPr marL="406400" indent="-406400" defTabSz="528320">
+              <a:spcBef>
+                <a:spcPts val="3700"/>
+              </a:spcBef>
+              <a:defRPr sz="3330"/>
+            </a:pPr>
+            <a:r>
+              <a:t>1、请您根据本课程所学内容总结梳理出一个精简的Linux系统概念模型，最大程度统摄整顿本课程及相关的知识信息，模型应该是逻辑上可以运转的、自洽的，并举例某一两个具体例子（比如读写文件、分配内存、使用I/O驱动某个硬件等）纳入模型中验证模型。</a:t>
+            </a:r>
+          </a:p>
+          <a:p>
+            <a:pPr marL="406400" indent="-406400" defTabSz="528320">
+              <a:spcBef>
+                <a:spcPts val="3700"/>
+              </a:spcBef>
+              <a:defRPr sz="3330"/>
+            </a:pPr>
+          </a:p>
+          <a:p>
+            <a:pPr marL="406400" indent="-406400" defTabSz="528320">
+              <a:spcBef>
+                <a:spcPts val="3700"/>
+              </a:spcBef>
+              <a:defRPr sz="3330"/>
+            </a:pPr>
+            <a:r>
+              <a:t>2、然后将一个应用程序放入该系统模型中系统性的梳理影响应用程序性能表现的因素，并说明原因。</a:t>
+            </a:r>
+          </a:p>
+          <a:p>
+            <a:pPr marL="406400" indent="-406400" defTabSz="528320">
+              <a:spcBef>
+                <a:spcPts val="3700"/>
+              </a:spcBef>
+              <a:defRPr sz="3330"/>
+            </a:pPr>
+          </a:p>
+          <a:p>
+            <a:pPr marL="406400" indent="-406400" defTabSz="528320">
+              <a:spcBef>
+                <a:spcPts val="3700"/>
+              </a:spcBef>
+              <a:defRPr sz="3330"/>
+            </a:pPr>
+            <a:r>
+              <a:t>3、产出要求是发表一篇博客文章，长度不限，1要简略，2是重点，只谈自己的思考和梳理，严禁引用任何资料（包括本课程的资料）造成文章虚长。</a:t>
             </a:r>
           </a:p>
         </p:txBody>
@@ -8631,12 +8723,19 @@
   <p:clrMapOvr>
     <a:masterClrMapping/>
   </p:clrMapOvr>
-  <p:transition xmlns:p14="http://schemas.microsoft.com/office/powerpoint/2010/main" spd="med" advClick="1" p14:dur="1000"/>
+  <mc:AlternateContent xmlns:mc="http://schemas.openxmlformats.org/markup-compatibility/2006">
+    <mc:Choice xmlns:p14="http://schemas.microsoft.com/office/powerpoint/2010/main" Requires="p14">
+      <p:transition spd="med" p14:dur="1000"/>
+    </mc:Choice>
+    <mc:Fallback>
+      <p:transition spd="med"/>
+    </mc:Fallback>
+  </mc:AlternateContent>
 </p:sld>
 </file>
 
-<file path=ppt/slides/slide6.xml><?xml version="1.0" encoding="utf-8"?>
-<p:sld xmlns:a="http://schemas.openxmlformats.org/drawingml/2006/main" xmlns:r="http://schemas.openxmlformats.org/officeDocument/2006/relationships" xmlns:p="http://schemas.openxmlformats.org/presentationml/2006/main" showMasterSp="1" showMasterPhAnim="1">
+<file path=ppt/slides/slide5.xml><?xml version="1.0" encoding="utf-8"?>
+<p:sld xmlns:a="http://schemas.openxmlformats.org/drawingml/2006/main" xmlns:r="http://schemas.openxmlformats.org/officeDocument/2006/relationships" xmlns:p="http://schemas.openxmlformats.org/presentationml/2006/main">
   <p:cSld>
     <p:spTree>
       <p:nvGrpSpPr>
@@ -8654,7 +8753,7 @@
       </p:grpSpPr>
       <p:sp>
         <p:nvSpPr>
-          <p:cNvPr id="137" name="Shape 137"/>
+          <p:cNvPr id="134" name="Shape 134"/>
           <p:cNvSpPr/>
           <p:nvPr>
             <p:ph type="title"/>
@@ -8669,16 +8768,15 @@
           <a:bodyPr/>
           <a:lstStyle/>
           <a:p>
-            <a:pPr/>
-            <a:r>
-              <a:t>Linux进程调度时机</a:t>
-            </a:r>
-          </a:p>
-        </p:txBody>
-      </p:sp>
-      <p:sp>
-        <p:nvSpPr>
-          <p:cNvPr id="138" name="Shape 138"/>
+            <a:r>
+              <a:t>快速系统调用</a:t>
+            </a:r>
+          </a:p>
+        </p:txBody>
+      </p:sp>
+      <p:sp>
+        <p:nvSpPr>
+          <p:cNvPr id="135" name="Shape 135"/>
           <p:cNvSpPr/>
           <p:nvPr>
             <p:ph type="body" idx="1"/>
@@ -8693,36 +8791,8 @@
           <a:bodyPr/>
           <a:lstStyle/>
           <a:p>
-            <a:pPr marL="533400" indent="-533400" defTabSz="693419">
-              <a:spcBef>
-                <a:spcPts val="4900"/>
-              </a:spcBef>
-              <a:defRPr sz="4368"/>
-            </a:pPr>
-            <a:r>
-              <a:t>Linux内核通过schedule函数实现进程调度，schedule函数负责在运行队列中选择一个进程，然后把它切换到CPU上执行。所以调用schedule函数一次就是进程调度一次，有机会调用schedule函数的时候就是进程调度的时机。schedule函数见kernel/sched/core.c，调用schedule函数的时机主要分为两类：</a:t>
-            </a:r>
-          </a:p>
-          <a:p>
-            <a:pPr marL="533400" indent="-533400" defTabSz="693419">
-              <a:spcBef>
-                <a:spcPts val="4900"/>
-              </a:spcBef>
-              <a:defRPr sz="4368"/>
-            </a:pPr>
-            <a:r>
-              <a:t>	•	中断处理过程中的进程调度时机，中断处理过程中会在适当的时机检测need_resched标记，决定是否调用schedule()函数。比如前述在系统调用内核处理函数执行完成后且系统调用返回之前就会检测need_resched标记决定是否调用schedule()函数。</a:t>
-            </a:r>
-          </a:p>
-          <a:p>
-            <a:pPr marL="533400" indent="-533400" defTabSz="693419">
-              <a:spcBef>
-                <a:spcPts val="4900"/>
-              </a:spcBef>
-              <a:defRPr sz="4368"/>
-            </a:pPr>
-            <a:r>
-              <a:t>	•	内核线程主动调用schedule()，如内核线程等待外设或主动睡眠等情形下，或者在适当的时机检测need_resched标记，决定是否主动调用schedule函数。</a:t>
+            <a:r>
+              <a:t>值得注意的是syscall和sysenter快速系统调用指令，在CPU内部与中断处理的机制差异较大，但是从系统角度看，快速系统调用沿用了传统中断方式的系统调用的处理过程，而且快速系统调用的提出为了加速CPU处理传统中断方式的系统调用的速度。因此，从系统的角度看syscall和sysenter快速系统调用指令也可以认为是一种特殊的中断处理。</a:t>
             </a:r>
           </a:p>
         </p:txBody>
@@ -8732,12 +8802,19 @@
   <p:clrMapOvr>
     <a:masterClrMapping/>
   </p:clrMapOvr>
-  <p:transition xmlns:p14="http://schemas.microsoft.com/office/powerpoint/2010/main" spd="med" advClick="1" p14:dur="1000"/>
+  <mc:AlternateContent xmlns:mc="http://schemas.openxmlformats.org/markup-compatibility/2006">
+    <mc:Choice xmlns:p14="http://schemas.microsoft.com/office/powerpoint/2010/main" Requires="p14">
+      <p:transition spd="med" p14:dur="1000"/>
+    </mc:Choice>
+    <mc:Fallback>
+      <p:transition spd="med"/>
+    </mc:Fallback>
+  </mc:AlternateContent>
 </p:sld>
 </file>
 
-<file path=ppt/slides/slide7.xml><?xml version="1.0" encoding="utf-8"?>
-<p:sld xmlns:a="http://schemas.openxmlformats.org/drawingml/2006/main" xmlns:r="http://schemas.openxmlformats.org/officeDocument/2006/relationships" xmlns:p="http://schemas.openxmlformats.org/presentationml/2006/main" showMasterSp="1" showMasterPhAnim="1">
+<file path=ppt/slides/slide6.xml><?xml version="1.0" encoding="utf-8"?>
+<p:sld xmlns:a="http://schemas.openxmlformats.org/drawingml/2006/main" xmlns:r="http://schemas.openxmlformats.org/officeDocument/2006/relationships" xmlns:p="http://schemas.openxmlformats.org/presentationml/2006/main">
   <p:cSld>
     <p:spTree>
       <p:nvGrpSpPr>
@@ -8755,7 +8832,7 @@
       </p:grpSpPr>
       <p:sp>
         <p:nvSpPr>
-          <p:cNvPr id="140" name="Shape 140"/>
+          <p:cNvPr id="137" name="Shape 137"/>
           <p:cNvSpPr/>
           <p:nvPr>
             <p:ph type="title"/>
@@ -8768,22 +8845,17 @@
         </p:spPr>
         <p:txBody>
           <a:bodyPr/>
-          <a:lstStyle>
-            <a:lvl1pPr defTabSz="685165">
-              <a:defRPr sz="9296"/>
-            </a:lvl1pPr>
-          </a:lstStyle>
-          <a:p>
-            <a:pPr/>
-            <a:r>
-              <a:t>CPU在任何时刻都处于以下3种情况之一</a:t>
-            </a:r>
-          </a:p>
-        </p:txBody>
-      </p:sp>
-      <p:sp>
-        <p:nvSpPr>
-          <p:cNvPr id="141" name="Shape 141"/>
+          <a:lstStyle/>
+          <a:p>
+            <a:r>
+              <a:t>Linux进程调度时机</a:t>
+            </a:r>
+          </a:p>
+        </p:txBody>
+      </p:sp>
+      <p:sp>
+        <p:nvSpPr>
+          <p:cNvPr id="138" name="Shape 138"/>
           <p:cNvSpPr/>
           <p:nvPr>
             <p:ph type="body" idx="1"/>
@@ -8798,27 +8870,36 @@
           <a:bodyPr/>
           <a:lstStyle/>
           <a:p>
-            <a:pPr/>
-            <a:r>
-              <a:t>	•	运行于用户态，执行用户进程上下文。</a:t>
-            </a:r>
-          </a:p>
-          <a:p>
-            <a:pPr/>
-            <a:r>
-              <a:t>	•	运行于内核空间，处于进程（内核线程）上下文。</a:t>
-            </a:r>
-          </a:p>
-          <a:p>
-            <a:pPr/>
-            <a:r>
-              <a:t>	•	运行于内核空间，处于中断（中断处理程序ISR，包括系统调用处理过程）上下文。</a:t>
-            </a:r>
-          </a:p>
-          <a:p>
-            <a:pPr/>
-            <a:r>
-              <a:t>应用程序通过系统调用陷入内核，或者当外部设备产生中断信号时，CPU就会调用相应的中断处理程序（包括系统调用处理程序），此时CPU处于中断上下文。</a:t>
+            <a:pPr marL="533400" indent="-533400" defTabSz="693420">
+              <a:spcBef>
+                <a:spcPts val="4900"/>
+              </a:spcBef>
+              <a:defRPr sz="4370"/>
+            </a:pPr>
+            <a:r>
+              <a:t>Linux内核通过schedule函数实现进程调度，schedule函数负责在运行队列中选择一个进程，然后把它切换到CPU上执行。所以调用schedule函数一次就是进程调度一次，有机会调用schedule函数的时候就是进程调度的时机。schedule函数见kernel/sched/core.c，调用schedule函数的时机主要分为两类：</a:t>
+            </a:r>
+          </a:p>
+          <a:p>
+            <a:pPr marL="533400" indent="-533400" defTabSz="693420">
+              <a:spcBef>
+                <a:spcPts val="4900"/>
+              </a:spcBef>
+              <a:defRPr sz="4370"/>
+            </a:pPr>
+            <a:r>
+              <a:t>	•	中断处理过程中的进程调度时机，中断处理过程中会在适当的时机检测need_resched标记，决定是否调用schedule()函数。比如前述在系统调用内核处理函数执行完成后且系统调用返回之前就会检测need_resched标记决定是否调用schedule()函数。</a:t>
+            </a:r>
+          </a:p>
+          <a:p>
+            <a:pPr marL="533400" indent="-533400" defTabSz="693420">
+              <a:spcBef>
+                <a:spcPts val="4900"/>
+              </a:spcBef>
+              <a:defRPr sz="4370"/>
+            </a:pPr>
+            <a:r>
+              <a:t>	•	内核线程主动调用schedule()，如内核线程等待外设或主动睡眠等情形下，或者在适当的时机检测need_resched标记，决定是否主动调用schedule函数。</a:t>
             </a:r>
           </a:p>
         </p:txBody>
@@ -8828,12 +8909,19 @@
   <p:clrMapOvr>
     <a:masterClrMapping/>
   </p:clrMapOvr>
-  <p:transition xmlns:p14="http://schemas.microsoft.com/office/powerpoint/2010/main" spd="med" advClick="1" p14:dur="1000"/>
+  <mc:AlternateContent xmlns:mc="http://schemas.openxmlformats.org/markup-compatibility/2006">
+    <mc:Choice xmlns:p14="http://schemas.microsoft.com/office/powerpoint/2010/main" Requires="p14">
+      <p:transition spd="med" p14:dur="1000"/>
+    </mc:Choice>
+    <mc:Fallback>
+      <p:transition spd="med"/>
+    </mc:Fallback>
+  </mc:AlternateContent>
 </p:sld>
 </file>
 
-<file path=ppt/slides/slide8.xml><?xml version="1.0" encoding="utf-8"?>
-<p:sld xmlns:a="http://schemas.openxmlformats.org/drawingml/2006/main" xmlns:r="http://schemas.openxmlformats.org/officeDocument/2006/relationships" xmlns:p="http://schemas.openxmlformats.org/presentationml/2006/main" showMasterSp="1" showMasterPhAnim="1">
+<file path=ppt/slides/slide7.xml><?xml version="1.0" encoding="utf-8"?>
+<p:sld xmlns:a="http://schemas.openxmlformats.org/drawingml/2006/main" xmlns:r="http://schemas.openxmlformats.org/officeDocument/2006/relationships" xmlns:p="http://schemas.openxmlformats.org/presentationml/2006/main">
   <p:cSld>
     <p:spTree>
       <p:nvGrpSpPr>
@@ -8851,7 +8939,7 @@
       </p:grpSpPr>
       <p:sp>
         <p:nvSpPr>
-          <p:cNvPr id="143" name="Shape 143"/>
+          <p:cNvPr id="140" name="Shape 140"/>
           <p:cNvSpPr/>
           <p:nvPr>
             <p:ph type="title"/>
@@ -8864,18 +8952,21 @@
         </p:spPr>
         <p:txBody>
           <a:bodyPr/>
-          <a:lstStyle/>
-          <a:p>
-            <a:pPr/>
-            <a:r>
-              <a:t>中断上下文代表当前进程执行</a:t>
-            </a:r>
-          </a:p>
-        </p:txBody>
-      </p:sp>
-      <p:sp>
-        <p:nvSpPr>
-          <p:cNvPr id="144" name="Shape 144"/>
+          <a:lstStyle>
+            <a:lvl1pPr defTabSz="685165">
+              <a:defRPr sz="9295"/>
+            </a:lvl1pPr>
+          </a:lstStyle>
+          <a:p>
+            <a:r>
+              <a:t>CPU在任何时刻都处于以下3种情况之一</a:t>
+            </a:r>
+          </a:p>
+        </p:txBody>
+      </p:sp>
+      <p:sp>
+        <p:nvSpPr>
+          <p:cNvPr id="141" name="Shape 141"/>
           <p:cNvSpPr/>
           <p:nvPr>
             <p:ph type="body" idx="1"/>
@@ -8890,15 +8981,62 @@
           <a:bodyPr/>
           <a:lstStyle/>
           <a:p>
-            <a:pPr/>
-            <a:r>
-              <a:t>中断上下文代表当前进程执行，所以中断上下文中的get_current可获取一个指向当前进程描述符的指针，即指向被中断进程，相应的中断上下文切换的信息存储于该进程的内核堆栈中。中断有多种类型，比如有不可屏蔽中断、可屏蔽中断、异常、陷阱（系统调用）等。</a:t>
-            </a:r>
-          </a:p>
-          <a:p>
-            <a:pPr/>
-            <a:r>
-              <a:t>内核线程以进程上下文的形式运行在内核态，本质上还是进程，但它有调用内核代码的权限，比如主动调用schedule()函数进行进程调度。</a:t>
+            <a:r>
+              <a:t>	•	运行于用户态，执行用户进程上下文。</a:t>
+            </a:r>
+          </a:p>
+          <a:p>
+            <a:r>
+              <a:t>	•	</a:t>
+            </a:r>
+            <a:r>
+              <a:rPr>
+                <a:sym typeface="+mn-ea"/>
+              </a:rPr>
+              <a:t>运行于内核空间，处于中断（中断处理程序ISR，包括系统调用处理过程）上下文</a:t>
+            </a:r>
+            <a:r>
+              <a:rPr lang="zh-CN">
+                <a:ea typeface="宋体" panose="02010600030101010101" pitchFamily="2" charset="-122"/>
+                <a:sym typeface="+mn-ea"/>
+              </a:rPr>
+              <a:t>代表当前进程执行在内核态</a:t>
+            </a:r>
+            <a:r>
+              <a:rPr>
+                <a:sym typeface="+mn-ea"/>
+              </a:rPr>
+              <a:t>。</a:t>
+            </a:r>
+            <a:r>
+              <a:rPr lang="zh-CN">
+                <a:ea typeface="宋体" panose="02010600030101010101" pitchFamily="2" charset="-122"/>
+                <a:sym typeface="+mn-ea"/>
+              </a:rPr>
+              <a:t>（上半部）</a:t>
+            </a:r>
+          </a:p>
+          <a:p>
+            <a:r>
+              <a:t>	•	</a:t>
+            </a:r>
+            <a:r>
+              <a:rPr>
+                <a:sym typeface="+mn-ea"/>
+              </a:rPr>
+              <a:t>运行于内核空间，处于进程（内核线程）上下文。</a:t>
+            </a:r>
+            <a:r>
+              <a:rPr lang="zh-CN">
+                <a:ea typeface="宋体" panose="02010600030101010101" pitchFamily="2" charset="-122"/>
+                <a:sym typeface="+mn-ea"/>
+              </a:rPr>
+              <a:t>（下半部）</a:t>
+            </a:r>
+          </a:p>
+          <a:p>
+            <a:r>
+              <a:t>应用程序通过系统调用陷入内核，或者当外部设备产生中断信号时，CPU就会调用相应的中断处理程序（包括系统调用处理程序），此时CPU处于中断上下文。</a:t>
             </a:r>
           </a:p>
         </p:txBody>
@@ -8908,12 +9046,19 @@
   <p:clrMapOvr>
     <a:masterClrMapping/>
   </p:clrMapOvr>
-  <p:transition xmlns:p14="http://schemas.microsoft.com/office/powerpoint/2010/main" spd="med" advClick="1" p14:dur="1000"/>
+  <mc:AlternateContent xmlns:mc="http://schemas.openxmlformats.org/markup-compatibility/2006">
+    <mc:Choice xmlns:p14="http://schemas.microsoft.com/office/powerpoint/2010/main" Requires="p14">
+      <p:transition spd="med" p14:dur="1000"/>
+    </mc:Choice>
+    <mc:Fallback>
+      <p:transition spd="med"/>
+    </mc:Fallback>
+  </mc:AlternateContent>
 </p:sld>
 </file>
 
-<file path=ppt/slides/slide9.xml><?xml version="1.0" encoding="utf-8"?>
-<p:sld xmlns:a="http://schemas.openxmlformats.org/drawingml/2006/main" xmlns:r="http://schemas.openxmlformats.org/officeDocument/2006/relationships" xmlns:p="http://schemas.openxmlformats.org/presentationml/2006/main" showMasterSp="1" showMasterPhAnim="1">
+<file path=ppt/slides/slide8.xml><?xml version="1.0" encoding="utf-8"?>
+<p:sld xmlns:a="http://schemas.openxmlformats.org/drawingml/2006/main" xmlns:r="http://schemas.openxmlformats.org/officeDocument/2006/relationships" xmlns:p="http://schemas.openxmlformats.org/presentationml/2006/main">
   <p:cSld>
     <p:spTree>
       <p:nvGrpSpPr>
@@ -8931,7 +9076,7 @@
       </p:grpSpPr>
       <p:sp>
         <p:nvSpPr>
-          <p:cNvPr id="146" name="Shape 146"/>
+          <p:cNvPr id="143" name="Shape 143"/>
           <p:cNvSpPr/>
           <p:nvPr>
             <p:ph type="title"/>
@@ -8944,22 +9089,17 @@
         </p:spPr>
         <p:txBody>
           <a:bodyPr/>
-          <a:lstStyle>
-            <a:lvl1pPr defTabSz="569594">
-              <a:defRPr sz="7728"/>
-            </a:lvl1pPr>
-          </a:lstStyle>
-          <a:p>
-            <a:pPr/>
-            <a:r>
-              <a:t>进程调度时机就是内核调用schedule函数的时机</a:t>
-            </a:r>
-          </a:p>
-        </p:txBody>
-      </p:sp>
-      <p:sp>
-        <p:nvSpPr>
-          <p:cNvPr id="147" name="Shape 147"/>
+          <a:lstStyle/>
+          <a:p>
+            <a:r>
+              <a:t>中断上下文代表当前进程执行</a:t>
+            </a:r>
+          </a:p>
+        </p:txBody>
+      </p:sp>
+      <p:sp>
+        <p:nvSpPr>
+          <p:cNvPr id="144" name="Shape 144"/>
           <p:cNvSpPr/>
           <p:nvPr>
             <p:ph type="body" idx="1"/>
@@ -8974,58 +9114,13 @@
           <a:bodyPr/>
           <a:lstStyle/>
           <a:p>
-            <a:pPr marL="552450" indent="-552450" defTabSz="718184">
-              <a:spcBef>
-                <a:spcPts val="5100"/>
-              </a:spcBef>
-              <a:defRPr sz="4524"/>
-            </a:pPr>
-            <a:r>
-              <a:t>结合CPU运行的三种上下文环境，这里再简单总结一下进程调度时机。</a:t>
-            </a:r>
-          </a:p>
-          <a:p>
-            <a:pPr marL="552450" indent="-552450" defTabSz="718184">
-              <a:spcBef>
-                <a:spcPts val="5100"/>
-              </a:spcBef>
-              <a:defRPr sz="4524"/>
-            </a:pPr>
-            <a:r>
-              <a:t>	•	用户进程上下文中主动调用特定的系统调用进入中断上下文，系统调用返回用户态之前进行进程调度。</a:t>
-            </a:r>
-          </a:p>
-          <a:p>
-            <a:pPr marL="552450" indent="-552450" defTabSz="718184">
-              <a:spcBef>
-                <a:spcPts val="5100"/>
-              </a:spcBef>
-              <a:defRPr sz="4524"/>
-            </a:pPr>
-            <a:r>
-              <a:t>	•	内核线程或可中断的中断处理程序，执行过程中发生中断进入中断上下文，在中断返回前进行进程调度。</a:t>
-            </a:r>
-          </a:p>
-          <a:p>
-            <a:pPr marL="552450" indent="-552450" defTabSz="718184">
-              <a:spcBef>
-                <a:spcPts val="5100"/>
-              </a:spcBef>
-              <a:defRPr sz="4524"/>
-            </a:pPr>
-            <a:r>
-              <a:t>	•	内核线程主动调用schedule函数进行进程调度。</a:t>
-            </a:r>
-          </a:p>
-          <a:p>
-            <a:pPr marL="552450" indent="-552450" defTabSz="718184">
-              <a:spcBef>
-                <a:spcPts val="5100"/>
-              </a:spcBef>
-              <a:defRPr sz="4524"/>
-            </a:pPr>
-            <a:r>
-              <a:t>以上第一种和第二种情况可以统一起来，中断处理程序执行过程主动调用schedule函数进行进程调度，与前述两类调度时机对应。</a:t>
+            <a:r>
+              <a:t>中断上下文代表当前进程执行，所以中断上下文中的get_current可获取一个指向当前进程描述符的指针，即指向被中断进程，相应的中断上下文切换的信息存储于该进程的内核堆栈中。中断有多种类型，比如有不可屏蔽中断、可屏蔽中断、异常、陷阱（系统调用）等。</a:t>
+            </a:r>
+          </a:p>
+          <a:p>
+            <a:r>
+              <a:t>内核线程以进程上下文的形式运行在内核态，本质上还是进程，但它有调用内核代码的权限，比如主动调用schedule()函数进行进程调度。</a:t>
             </a:r>
           </a:p>
         </p:txBody>
@@ -9035,12 +9130,152 @@
   <p:clrMapOvr>
     <a:masterClrMapping/>
   </p:clrMapOvr>
-  <p:transition xmlns:p14="http://schemas.microsoft.com/office/powerpoint/2010/main" spd="med" advClick="1" p14:dur="1000"/>
+  <mc:AlternateContent xmlns:mc="http://schemas.openxmlformats.org/markup-compatibility/2006">
+    <mc:Choice xmlns:p14="http://schemas.microsoft.com/office/powerpoint/2010/main" Requires="p14">
+      <p:transition spd="med" p14:dur="1000"/>
+    </mc:Choice>
+    <mc:Fallback>
+      <p:transition spd="med"/>
+    </mc:Fallback>
+  </mc:AlternateContent>
+</p:sld>
+</file>
+
+<file path=ppt/slides/slide9.xml><?xml version="1.0" encoding="utf-8"?>
+<p:sld xmlns:a="http://schemas.openxmlformats.org/drawingml/2006/main" xmlns:r="http://schemas.openxmlformats.org/officeDocument/2006/relationships" xmlns:p="http://schemas.openxmlformats.org/presentationml/2006/main">
+  <p:cSld>
+    <p:spTree>
+      <p:nvGrpSpPr>
+        <p:cNvPr id="1" name=""/>
+        <p:cNvGrpSpPr/>
+        <p:nvPr/>
+      </p:nvGrpSpPr>
+      <p:grpSpPr>
+        <a:xfrm>
+          <a:off x="0" y="0"/>
+          <a:ext cx="0" cy="0"/>
+          <a:chOff x="0" y="0"/>
+          <a:chExt cx="0" cy="0"/>
+        </a:xfrm>
+      </p:grpSpPr>
+      <p:sp>
+        <p:nvSpPr>
+          <p:cNvPr id="146" name="Shape 146"/>
+          <p:cNvSpPr/>
+          <p:nvPr>
+            <p:ph type="title"/>
+          </p:nvPr>
+        </p:nvSpPr>
+        <p:spPr>
+          <a:prstGeom prst="rect">
+            <a:avLst/>
+          </a:prstGeom>
+        </p:spPr>
+        <p:txBody>
+          <a:bodyPr/>
+          <a:lstStyle>
+            <a:lvl1pPr defTabSz="569595">
+              <a:defRPr sz="7730"/>
+            </a:lvl1pPr>
+          </a:lstStyle>
+          <a:p>
+            <a:r>
+              <a:t>进程调度时机就是内核调用schedule函数的时机</a:t>
+            </a:r>
+          </a:p>
+        </p:txBody>
+      </p:sp>
+      <p:sp>
+        <p:nvSpPr>
+          <p:cNvPr id="147" name="Shape 147"/>
+          <p:cNvSpPr/>
+          <p:nvPr>
+            <p:ph type="body" idx="1"/>
+          </p:nvPr>
+        </p:nvSpPr>
+        <p:spPr>
+          <a:prstGeom prst="rect">
+            <a:avLst/>
+          </a:prstGeom>
+        </p:spPr>
+        <p:txBody>
+          <a:bodyPr/>
+          <a:lstStyle/>
+          <a:p>
+            <a:pPr marL="552450" indent="-552450" defTabSz="718185">
+              <a:spcBef>
+                <a:spcPts val="5100"/>
+              </a:spcBef>
+              <a:defRPr sz="4525"/>
+            </a:pPr>
+            <a:r>
+              <a:t>结合CPU运行的三种上下文环境，这里再简单总结一下进程调度时机。</a:t>
+            </a:r>
+          </a:p>
+          <a:p>
+            <a:pPr marL="552450" indent="-552450" defTabSz="718185">
+              <a:spcBef>
+                <a:spcPts val="5100"/>
+              </a:spcBef>
+              <a:defRPr sz="4525"/>
+            </a:pPr>
+            <a:r>
+              <a:t>	•	用户进程上下文中主动调用特定的系统调用进入中断上下文，系统调用返回用户态之前进行进程调度。</a:t>
+            </a:r>
+          </a:p>
+          <a:p>
+            <a:pPr marL="552450" indent="-552450" defTabSz="718185">
+              <a:spcBef>
+                <a:spcPts val="5100"/>
+              </a:spcBef>
+              <a:defRPr sz="4525"/>
+            </a:pPr>
+            <a:r>
+              <a:t>	•	内核线程或可中断的中断处理程序，执行过程中发生中断进入中断上下文，在中断返回前进行进程调度。</a:t>
+            </a:r>
+          </a:p>
+          <a:p>
+            <a:pPr marL="552450" indent="-552450" defTabSz="718185">
+              <a:spcBef>
+                <a:spcPts val="5100"/>
+              </a:spcBef>
+              <a:defRPr sz="4525"/>
+            </a:pPr>
+            <a:r>
+              <a:t>	•	内核线程主动调用schedule函数进行进程调度。</a:t>
+            </a:r>
+          </a:p>
+          <a:p>
+            <a:pPr marL="552450" indent="-552450" defTabSz="718185">
+              <a:spcBef>
+                <a:spcPts val="5100"/>
+              </a:spcBef>
+              <a:defRPr sz="4525"/>
+            </a:pPr>
+            <a:r>
+              <a:t>以上第一种和第二种情况可以统一起来，中断处理程序执行过程主动调用schedule函数进行进程调度，与前述两类调度时机对应。</a:t>
+            </a:r>
+          </a:p>
+        </p:txBody>
+      </p:sp>
+    </p:spTree>
+  </p:cSld>
+  <p:clrMapOvr>
+    <a:masterClrMapping/>
+  </p:clrMapOvr>
+  <mc:AlternateContent xmlns:mc="http://schemas.openxmlformats.org/markup-compatibility/2006">
+    <mc:Choice xmlns:p14="http://schemas.microsoft.com/office/powerpoint/2010/main" Requires="p14">
+      <p:transition spd="med" p14:dur="1000"/>
+    </mc:Choice>
+    <mc:Fallback>
+      <p:transition spd="med"/>
+    </mc:Fallback>
+  </mc:AlternateContent>
 </p:sld>
 </file>
 
 <file path=ppt/theme/theme1.xml><?xml version="1.0" encoding="utf-8"?>
-<a:theme xmlns:a="http://schemas.openxmlformats.org/drawingml/2006/main" xmlns:r="http://schemas.openxmlformats.org/officeDocument/2006/relationships" name="White">
+<a:theme xmlns:a="http://schemas.openxmlformats.org/drawingml/2006/main" name="White">
   <a:themeElements>
     <a:clrScheme name="White">
       <a:dk1>
@@ -9166,7 +9401,7 @@
       <a:effectStyleLst>
         <a:effectStyle>
           <a:effectLst>
-            <a:outerShdw sx="100000" sy="100000" kx="0" ky="0" algn="b" rotWithShape="0" blurRad="38100" dist="25400" dir="5400000">
+            <a:outerShdw blurRad="38100" dist="25400" dir="5400000" rotWithShape="0">
               <a:srgbClr val="000000">
                 <a:alpha val="50000"/>
               </a:srgbClr>
@@ -9175,7 +9410,7 @@
         </a:effectStyle>
         <a:effectStyle>
           <a:effectLst>
-            <a:outerShdw sx="100000" sy="100000" kx="0" ky="0" algn="b" rotWithShape="0" blurRad="50800" dist="12700" dir="0">
+            <a:outerShdw blurRad="50800" dist="12700" rotWithShape="0">
               <a:srgbClr val="000000">
                 <a:alpha val="50000"/>
               </a:srgbClr>
@@ -9184,7 +9419,7 @@
         </a:effectStyle>
         <a:effectStyle>
           <a:effectLst>
-            <a:outerShdw sx="100000" sy="100000" kx="0" ky="0" algn="b" rotWithShape="0" blurRad="38100" dist="25400" dir="5400000">
+            <a:outerShdw blurRad="38100" dist="25400" dir="5400000" rotWithShape="0">
               <a:srgbClr val="000000">
                 <a:alpha val="50000"/>
               </a:srgbClr>
@@ -9248,8 +9483,8 @@
     <a:spDef>
       <a:spPr>
         <a:blipFill rotWithShape="1">
-          <a:blip r:embed="rId1"/>
-          <a:srcRect l="0" t="0" r="0" b="0"/>
+          <a:blip xmlns:r="http://schemas.openxmlformats.org/officeDocument/2006/relationships" r:embed="rId1"/>
+          <a:srcRect/>
           <a:tile tx="0" ty="0" sx="100000" sy="100000" flip="none" algn="tl"/>
         </a:blipFill>
         <a:ln w="12700" cap="flat">
@@ -9257,13 +9492,12 @@
           <a:miter lim="400000"/>
         </a:ln>
         <a:effectLst>
-          <a:outerShdw sx="100000" sy="100000" kx="0" ky="0" algn="b" rotWithShape="0" blurRad="38100" dist="25400" dir="5400000">
+          <a:outerShdw blurRad="38100" dist="25400" dir="5400000" rotWithShape="0">
             <a:srgbClr val="000000">
               <a:alpha val="50000"/>
             </a:srgbClr>
           </a:outerShdw>
         </a:effectLst>
-        <a:sp3d/>
       </a:spPr>
       <a:bodyPr rot="0" spcFirstLastPara="1" vertOverflow="overflow" horzOverflow="overflow" vert="horz" wrap="square" lIns="50800" tIns="50800" rIns="50800" bIns="50800" numCol="1" spcCol="38100" rtlCol="0" anchor="ctr" upright="0">
         <a:spAutoFit/>
@@ -9283,8 +9517,7 @@
           <a:buSzTx/>
           <a:buFontTx/>
           <a:buNone/>
-          <a:tabLst/>
-          <a:defRPr b="0" baseline="0" cap="none" i="0" spc="0" strike="noStrike" sz="3200" u="none" kumimoji="0" normalizeH="0">
+          <a:defRPr kumimoji="0" sz="3200" b="0" i="0" u="none" strike="noStrike" cap="none" spc="0" normalizeH="0" baseline="0">
             <a:ln>
               <a:noFill/>
             </a:ln>
@@ -9313,8 +9546,7 @@
           <a:buSzTx/>
           <a:buFontTx/>
           <a:buNone/>
-          <a:tabLst/>
-          <a:defRPr b="0" baseline="0" cap="none" i="0" spc="0" strike="noStrike" sz="1800" u="none" kumimoji="0" normalizeH="0">
+          <a:defRPr kumimoji="0" sz="1800" b="0" i="0" u="none" strike="noStrike" cap="none" spc="0" normalizeH="0" baseline="0">
             <a:ln>
               <a:noFill/>
             </a:ln>
@@ -9339,8 +9571,7 @@
           <a:buSzTx/>
           <a:buFontTx/>
           <a:buNone/>
-          <a:tabLst/>
-          <a:defRPr b="0" baseline="0" cap="none" i="0" spc="0" strike="noStrike" sz="1800" u="none" kumimoji="0" normalizeH="0">
+          <a:defRPr kumimoji="0" sz="1800" b="0" i="0" u="none" strike="noStrike" cap="none" spc="0" normalizeH="0" baseline="0">
             <a:ln>
               <a:noFill/>
             </a:ln>
@@ -9365,8 +9596,7 @@
           <a:buSzTx/>
           <a:buFontTx/>
           <a:buNone/>
-          <a:tabLst/>
-          <a:defRPr b="0" baseline="0" cap="none" i="0" spc="0" strike="noStrike" sz="1800" u="none" kumimoji="0" normalizeH="0">
+          <a:defRPr kumimoji="0" sz="1800" b="0" i="0" u="none" strike="noStrike" cap="none" spc="0" normalizeH="0" baseline="0">
             <a:ln>
               <a:noFill/>
             </a:ln>
@@ -9391,8 +9621,7 @@
           <a:buSzTx/>
           <a:buFontTx/>
           <a:buNone/>
-          <a:tabLst/>
-          <a:defRPr b="0" baseline="0" cap="none" i="0" spc="0" strike="noStrike" sz="1800" u="none" kumimoji="0" normalizeH="0">
+          <a:defRPr kumimoji="0" sz="1800" b="0" i="0" u="none" strike="noStrike" cap="none" spc="0" normalizeH="0" baseline="0">
             <a:ln>
               <a:noFill/>
             </a:ln>
@@ -9417,8 +9646,7 @@
           <a:buSzTx/>
           <a:buFontTx/>
           <a:buNone/>
-          <a:tabLst/>
-          <a:defRPr b="0" baseline="0" cap="none" i="0" spc="0" strike="noStrike" sz="1800" u="none" kumimoji="0" normalizeH="0">
+          <a:defRPr kumimoji="0" sz="1800" b="0" i="0" u="none" strike="noStrike" cap="none" spc="0" normalizeH="0" baseline="0">
             <a:ln>
               <a:noFill/>
             </a:ln>
@@ -9443,8 +9671,7 @@
           <a:buSzTx/>
           <a:buFontTx/>
           <a:buNone/>
-          <a:tabLst/>
-          <a:defRPr b="0" baseline="0" cap="none" i="0" spc="0" strike="noStrike" sz="1800" u="none" kumimoji="0" normalizeH="0">
+          <a:defRPr kumimoji="0" sz="1800" b="0" i="0" u="none" strike="noStrike" cap="none" spc="0" normalizeH="0" baseline="0">
             <a:ln>
               <a:noFill/>
             </a:ln>
@@ -9469,8 +9696,7 @@
           <a:buSzTx/>
           <a:buFontTx/>
           <a:buNone/>
-          <a:tabLst/>
-          <a:defRPr b="0" baseline="0" cap="none" i="0" spc="0" strike="noStrike" sz="1800" u="none" kumimoji="0" normalizeH="0">
+          <a:defRPr kumimoji="0" sz="1800" b="0" i="0" u="none" strike="noStrike" cap="none" spc="0" normalizeH="0" baseline="0">
             <a:ln>
               <a:noFill/>
             </a:ln>
@@ -9495,8 +9721,7 @@
           <a:buSzTx/>
           <a:buFontTx/>
           <a:buNone/>
-          <a:tabLst/>
-          <a:defRPr b="0" baseline="0" cap="none" i="0" spc="0" strike="noStrike" sz="1800" u="none" kumimoji="0" normalizeH="0">
+          <a:defRPr kumimoji="0" sz="1800" b="0" i="0" u="none" strike="noStrike" cap="none" spc="0" normalizeH="0" baseline="0">
             <a:ln>
               <a:noFill/>
             </a:ln>
@@ -9521,8 +9746,7 @@
           <a:buSzTx/>
           <a:buFontTx/>
           <a:buNone/>
-          <a:tabLst/>
-          <a:defRPr b="0" baseline="0" cap="none" i="0" spc="0" strike="noStrike" sz="1800" u="none" kumimoji="0" normalizeH="0">
+          <a:defRPr kumimoji="0" sz="1800" b="0" i="0" u="none" strike="noStrike" cap="none" spc="0" normalizeH="0" baseline="0">
             <a:ln>
               <a:noFill/>
             </a:ln>
@@ -9535,9 +9759,15 @@
         </a:lvl9pPr>
       </a:lstStyle>
       <a:style>
-        <a:lnRef idx="0"/>
-        <a:fillRef idx="0"/>
-        <a:effectRef idx="0"/>
+        <a:lnRef idx="0">
+          <a:srgbClr val="FFFFFF"/>
+        </a:lnRef>
+        <a:fillRef idx="0">
+          <a:srgbClr val="FFFFFF"/>
+        </a:fillRef>
+        <a:effectRef idx="0">
+          <a:srgbClr val="FFFFFF"/>
+        </a:effectRef>
         <a:fontRef idx="none"/>
       </a:style>
     </a:spDef>
@@ -9551,8 +9781,6 @@
           <a:prstDash val="solid"/>
           <a:miter lim="400000"/>
         </a:ln>
-        <a:effectLst/>
-        <a:sp3d/>
       </a:spPr>
       <a:bodyPr rot="0" spcFirstLastPara="1" vertOverflow="overflow" horzOverflow="overflow" vert="horz" wrap="square" lIns="91439" tIns="45719" rIns="91439" bIns="45719" numCol="1" spcCol="38100" rtlCol="0" anchor="t" upright="0">
         <a:noAutofit/>
@@ -9572,8 +9800,7 @@
           <a:buSzTx/>
           <a:buFontTx/>
           <a:buNone/>
-          <a:tabLst/>
-          <a:defRPr b="0" baseline="0" cap="none" i="0" spc="0" strike="noStrike" sz="1800" u="none" kumimoji="0" normalizeH="0">
+          <a:defRPr kumimoji="0" sz="1800" b="0" i="0" u="none" strike="noStrike" cap="none" spc="0" normalizeH="0" baseline="0">
             <a:ln>
               <a:noFill/>
             </a:ln>
@@ -9598,8 +9825,7 @@
           <a:buSzTx/>
           <a:buFontTx/>
           <a:buNone/>
-          <a:tabLst/>
-          <a:defRPr b="0" baseline="0" cap="none" i="0" spc="0" strike="noStrike" sz="1800" u="none" kumimoji="0" normalizeH="0">
+          <a:defRPr kumimoji="0" sz="1800" b="0" i="0" u="none" strike="noStrike" cap="none" spc="0" normalizeH="0" baseline="0">
             <a:ln>
               <a:noFill/>
             </a:ln>
@@ -9624,8 +9850,7 @@
           <a:buSzTx/>
           <a:buFontTx/>
           <a:buNone/>
-          <a:tabLst/>
-          <a:defRPr b="0" baseline="0" cap="none" i="0" spc="0" strike="noStrike" sz="1800" u="none" kumimoji="0" normalizeH="0">
+          <a:defRPr kumimoji="0" sz="1800" b="0" i="0" u="none" strike="noStrike" cap="none" spc="0" normalizeH="0" baseline="0">
             <a:ln>
               <a:noFill/>
             </a:ln>
@@ -9650,8 +9875,7 @@
           <a:buSzTx/>
           <a:buFontTx/>
           <a:buNone/>
-          <a:tabLst/>
-          <a:defRPr b="0" baseline="0" cap="none" i="0" spc="0" strike="noStrike" sz="1800" u="none" kumimoji="0" normalizeH="0">
+          <a:defRPr kumimoji="0" sz="1800" b="0" i="0" u="none" strike="noStrike" cap="none" spc="0" normalizeH="0" baseline="0">
             <a:ln>
               <a:noFill/>
             </a:ln>
@@ -9676,8 +9900,7 @@
           <a:buSzTx/>
           <a:buFontTx/>
           <a:buNone/>
-          <a:tabLst/>
-          <a:defRPr b="0" baseline="0" cap="none" i="0" spc="0" strike="noStrike" sz="1800" u="none" kumimoji="0" normalizeH="0">
+          <a:defRPr kumimoji="0" sz="1800" b="0" i="0" u="none" strike="noStrike" cap="none" spc="0" normalizeH="0" baseline="0">
             <a:ln>
               <a:noFill/>
             </a:ln>
@@ -9702,8 +9925,7 @@
           <a:buSzTx/>
           <a:buFontTx/>
           <a:buNone/>
-          <a:tabLst/>
-          <a:defRPr b="0" baseline="0" cap="none" i="0" spc="0" strike="noStrike" sz="1800" u="none" kumimoji="0" normalizeH="0">
+          <a:defRPr kumimoji="0" sz="1800" b="0" i="0" u="none" strike="noStrike" cap="none" spc="0" normalizeH="0" baseline="0">
             <a:ln>
               <a:noFill/>
             </a:ln>
@@ -9728,8 +9950,7 @@
           <a:buSzTx/>
           <a:buFontTx/>
           <a:buNone/>
-          <a:tabLst/>
-          <a:defRPr b="0" baseline="0" cap="none" i="0" spc="0" strike="noStrike" sz="1800" u="none" kumimoji="0" normalizeH="0">
+          <a:defRPr kumimoji="0" sz="1800" b="0" i="0" u="none" strike="noStrike" cap="none" spc="0" normalizeH="0" baseline="0">
             <a:ln>
               <a:noFill/>
             </a:ln>
@@ -9754,8 +9975,7 @@
           <a:buSzTx/>
           <a:buFontTx/>
           <a:buNone/>
-          <a:tabLst/>
-          <a:defRPr b="0" baseline="0" cap="none" i="0" spc="0" strike="noStrike" sz="1800" u="none" kumimoji="0" normalizeH="0">
+          <a:defRPr kumimoji="0" sz="1800" b="0" i="0" u="none" strike="noStrike" cap="none" spc="0" normalizeH="0" baseline="0">
             <a:ln>
               <a:noFill/>
             </a:ln>
@@ -9780,8 +10000,7 @@
           <a:buSzTx/>
           <a:buFontTx/>
           <a:buNone/>
-          <a:tabLst/>
-          <a:defRPr b="0" baseline="0" cap="none" i="0" spc="0" strike="noStrike" sz="1800" u="none" kumimoji="0" normalizeH="0">
+          <a:defRPr kumimoji="0" sz="1800" b="0" i="0" u="none" strike="noStrike" cap="none" spc="0" normalizeH="0" baseline="0">
             <a:ln>
               <a:noFill/>
             </a:ln>
@@ -9806,8 +10025,7 @@
           <a:buSzTx/>
           <a:buFontTx/>
           <a:buNone/>
-          <a:tabLst/>
-          <a:defRPr b="0" baseline="0" cap="none" i="0" spc="0" strike="noStrike" sz="1800" u="none" kumimoji="0" normalizeH="0">
+          <a:defRPr kumimoji="0" sz="1800" b="0" i="0" u="none" strike="noStrike" cap="none" spc="0" normalizeH="0" baseline="0">
             <a:ln>
               <a:noFill/>
             </a:ln>
@@ -9820,9 +10038,15 @@
         </a:lvl9pPr>
       </a:lstStyle>
       <a:style>
-        <a:lnRef idx="0"/>
-        <a:fillRef idx="0"/>
-        <a:effectRef idx="0"/>
+        <a:lnRef idx="0">
+          <a:srgbClr val="FFFFFF"/>
+        </a:lnRef>
+        <a:fillRef idx="0">
+          <a:srgbClr val="FFFFFF"/>
+        </a:fillRef>
+        <a:effectRef idx="0">
+          <a:srgbClr val="FFFFFF"/>
+        </a:effectRef>
         <a:fontRef idx="none"/>
       </a:style>
     </a:lnDef>
@@ -9833,8 +10057,6 @@
           <a:noFill/>
           <a:miter lim="400000"/>
         </a:ln>
-        <a:effectLst/>
-        <a:sp3d/>
       </a:spPr>
       <a:bodyPr rot="0" spcFirstLastPara="1" vertOverflow="overflow" horzOverflow="overflow" vert="horz" wrap="square" lIns="50800" tIns="50800" rIns="50800" bIns="50800" numCol="1" spcCol="38100" rtlCol="0" anchor="ctr" upright="0">
         <a:spAutoFit/>
@@ -9854,8 +10076,7 @@
           <a:buSzTx/>
           <a:buFontTx/>
           <a:buNone/>
-          <a:tabLst/>
-          <a:defRPr b="0" baseline="0" cap="none" i="0" spc="0" strike="noStrike" sz="5000" u="none" kumimoji="0" normalizeH="0">
+          <a:defRPr kumimoji="0" sz="5000" b="0" i="0" u="none" strike="noStrike" cap="none" spc="0" normalizeH="0" baseline="0">
             <a:ln>
               <a:noFill/>
             </a:ln>
@@ -9884,8 +10105,7 @@
           <a:buSzTx/>
           <a:buFontTx/>
           <a:buNone/>
-          <a:tabLst/>
-          <a:defRPr b="0" baseline="0" cap="none" i="0" spc="0" strike="noStrike" sz="1800" u="none" kumimoji="0" normalizeH="0">
+          <a:defRPr kumimoji="0" sz="1800" b="0" i="0" u="none" strike="noStrike" cap="none" spc="0" normalizeH="0" baseline="0">
             <a:ln>
               <a:noFill/>
             </a:ln>
@@ -9910,8 +10130,7 @@
           <a:buSzTx/>
           <a:buFontTx/>
           <a:buNone/>
-          <a:tabLst/>
-          <a:defRPr b="0" baseline="0" cap="none" i="0" spc="0" strike="noStrike" sz="1800" u="none" kumimoji="0" normalizeH="0">
+          <a:defRPr kumimoji="0" sz="1800" b="0" i="0" u="none" strike="noStrike" cap="none" spc="0" normalizeH="0" baseline="0">
             <a:ln>
               <a:noFill/>
             </a:ln>
@@ -9936,8 +10155,7 @@
           <a:buSzTx/>
           <a:buFontTx/>
           <a:buNone/>
-          <a:tabLst/>
-          <a:defRPr b="0" baseline="0" cap="none" i="0" spc="0" strike="noStrike" sz="1800" u="none" kumimoji="0" normalizeH="0">
+          <a:defRPr kumimoji="0" sz="1800" b="0" i="0" u="none" strike="noStrike" cap="none" spc="0" normalizeH="0" baseline="0">
             <a:ln>
               <a:noFill/>
             </a:ln>
@@ -9962,8 +10180,7 @@
           <a:buSzTx/>
           <a:buFontTx/>
           <a:buNone/>
-          <a:tabLst/>
-          <a:defRPr b="0" baseline="0" cap="none" i="0" spc="0" strike="noStrike" sz="1800" u="none" kumimoji="0" normalizeH="0">
+          <a:defRPr kumimoji="0" sz="1800" b="0" i="0" u="none" strike="noStrike" cap="none" spc="0" normalizeH="0" baseline="0">
             <a:ln>
               <a:noFill/>
             </a:ln>
@@ -9988,8 +10205,7 @@
           <a:buSzTx/>
           <a:buFontTx/>
           <a:buNone/>
-          <a:tabLst/>
-          <a:defRPr b="0" baseline="0" cap="none" i="0" spc="0" strike="noStrike" sz="1800" u="none" kumimoji="0" normalizeH="0">
+          <a:defRPr kumimoji="0" sz="1800" b="0" i="0" u="none" strike="noStrike" cap="none" spc="0" normalizeH="0" baseline="0">
             <a:ln>
               <a:noFill/>
             </a:ln>
@@ -10014,8 +10230,7 @@
           <a:buSzTx/>
           <a:buFontTx/>
           <a:buNone/>
-          <a:tabLst/>
-          <a:defRPr b="0" baseline="0" cap="none" i="0" spc="0" strike="noStrike" sz="1800" u="none" kumimoji="0" normalizeH="0">
+          <a:defRPr kumimoji="0" sz="1800" b="0" i="0" u="none" strike="noStrike" cap="none" spc="0" normalizeH="0" baseline="0">
             <a:ln>
               <a:noFill/>
             </a:ln>
@@ -10040,8 +10255,7 @@
           <a:buSzTx/>
           <a:buFontTx/>
           <a:buNone/>
-          <a:tabLst/>
-          <a:defRPr b="0" baseline="0" cap="none" i="0" spc="0" strike="noStrike" sz="1800" u="none" kumimoji="0" normalizeH="0">
+          <a:defRPr kumimoji="0" sz="1800" b="0" i="0" u="none" strike="noStrike" cap="none" spc="0" normalizeH="0" baseline="0">
             <a:ln>
               <a:noFill/>
             </a:ln>
@@ -10066,8 +10280,7 @@
           <a:buSzTx/>
           <a:buFontTx/>
           <a:buNone/>
-          <a:tabLst/>
-          <a:defRPr b="0" baseline="0" cap="none" i="0" spc="0" strike="noStrike" sz="1800" u="none" kumimoji="0" normalizeH="0">
+          <a:defRPr kumimoji="0" sz="1800" b="0" i="0" u="none" strike="noStrike" cap="none" spc="0" normalizeH="0" baseline="0">
             <a:ln>
               <a:noFill/>
             </a:ln>
@@ -10092,8 +10305,7 @@
           <a:buSzTx/>
           <a:buFontTx/>
           <a:buNone/>
-          <a:tabLst/>
-          <a:defRPr b="0" baseline="0" cap="none" i="0" spc="0" strike="noStrike" sz="1800" u="none" kumimoji="0" normalizeH="0">
+          <a:defRPr kumimoji="0" sz="1800" b="0" i="0" u="none" strike="noStrike" cap="none" spc="0" normalizeH="0" baseline="0">
             <a:ln>
               <a:noFill/>
             </a:ln>
@@ -10106,18 +10318,29 @@
         </a:lvl9pPr>
       </a:lstStyle>
       <a:style>
-        <a:lnRef idx="0"/>
-        <a:fillRef idx="0"/>
-        <a:effectRef idx="0"/>
+        <a:lnRef idx="0">
+          <a:srgbClr val="FFFFFF"/>
+        </a:lnRef>
+        <a:fillRef idx="0">
+          <a:srgbClr val="FFFFFF"/>
+        </a:fillRef>
+        <a:effectRef idx="0">
+          <a:srgbClr val="FFFFFF"/>
+        </a:effectRef>
         <a:fontRef idx="none"/>
       </a:style>
     </a:txDef>
   </a:objectDefaults>
+  <a:extLst>
+    <a:ext uri="{05A4C25C-085E-4340-85A3-A5531E510DB2}">
+      <thm15:themeFamily xmlns:thm15="http://schemas.microsoft.com/office/thememl/2012/main" name="Office Theme" id="{62F939B6-93AF-4DB8-9C6B-D6C7DFDC589F}" vid="{4A3C46E8-61CC-4603-A589-7422A47A8E4A}"/>
+    </a:ext>
+  </a:extLst>
 </a:theme>
 </file>
 
 <file path=ppt/theme/theme2.xml><?xml version="1.0" encoding="utf-8"?>
-<a:theme xmlns:a="http://schemas.openxmlformats.org/drawingml/2006/main" xmlns:r="http://schemas.openxmlformats.org/officeDocument/2006/relationships" name="White">
+<a:theme xmlns:a="http://schemas.openxmlformats.org/drawingml/2006/main" name="White">
   <a:themeElements>
     <a:clrScheme name="White">
       <a:dk1>
@@ -10243,7 +10466,7 @@
       <a:effectStyleLst>
         <a:effectStyle>
           <a:effectLst>
-            <a:outerShdw sx="100000" sy="100000" kx="0" ky="0" algn="b" rotWithShape="0" blurRad="38100" dist="25400" dir="5400000">
+            <a:outerShdw blurRad="38100" dist="25400" dir="5400000" rotWithShape="0">
               <a:srgbClr val="000000">
                 <a:alpha val="50000"/>
               </a:srgbClr>
@@ -10252,7 +10475,7 @@
         </a:effectStyle>
         <a:effectStyle>
           <a:effectLst>
-            <a:outerShdw sx="100000" sy="100000" kx="0" ky="0" algn="b" rotWithShape="0" blurRad="50800" dist="12700" dir="0">
+            <a:outerShdw blurRad="50800" dist="12700" rotWithShape="0">
               <a:srgbClr val="000000">
                 <a:alpha val="50000"/>
               </a:srgbClr>
@@ -10261,7 +10484,7 @@
         </a:effectStyle>
         <a:effectStyle>
           <a:effectLst>
-            <a:outerShdw sx="100000" sy="100000" kx="0" ky="0" algn="b" rotWithShape="0" blurRad="38100" dist="25400" dir="5400000">
+            <a:outerShdw blurRad="38100" dist="25400" dir="5400000" rotWithShape="0">
               <a:srgbClr val="000000">
                 <a:alpha val="50000"/>
               </a:srgbClr>
@@ -10325,8 +10548,8 @@
     <a:spDef>
       <a:spPr>
         <a:blipFill rotWithShape="1">
-          <a:blip r:embed="rId1"/>
-          <a:srcRect l="0" t="0" r="0" b="0"/>
+          <a:blip xmlns:r="http://schemas.openxmlformats.org/officeDocument/2006/relationships" r:embed="rId1"/>
+          <a:srcRect/>
           <a:tile tx="0" ty="0" sx="100000" sy="100000" flip="none" algn="tl"/>
         </a:blipFill>
         <a:ln w="12700" cap="flat">
@@ -10334,13 +10557,12 @@
           <a:miter lim="400000"/>
         </a:ln>
         <a:effectLst>
-          <a:outerShdw sx="100000" sy="100000" kx="0" ky="0" algn="b" rotWithShape="0" blurRad="38100" dist="25400" dir="5400000">
+          <a:outerShdw blurRad="38100" dist="25400" dir="5400000" rotWithShape="0">
             <a:srgbClr val="000000">
               <a:alpha val="50000"/>
             </a:srgbClr>
           </a:outerShdw>
         </a:effectLst>
-        <a:sp3d/>
       </a:spPr>
       <a:bodyPr rot="0" spcFirstLastPara="1" vertOverflow="overflow" horzOverflow="overflow" vert="horz" wrap="square" lIns="50800" tIns="50800" rIns="50800" bIns="50800" numCol="1" spcCol="38100" rtlCol="0" anchor="ctr" upright="0">
         <a:spAutoFit/>
@@ -10360,8 +10582,7 @@
           <a:buSzTx/>
           <a:buFontTx/>
           <a:buNone/>
-          <a:tabLst/>
-          <a:defRPr b="0" baseline="0" cap="none" i="0" spc="0" strike="noStrike" sz="3200" u="none" kumimoji="0" normalizeH="0">
+          <a:defRPr kumimoji="0" sz="3200" b="0" i="0" u="none" strike="noStrike" cap="none" spc="0" normalizeH="0" baseline="0">
             <a:ln>
               <a:noFill/>
             </a:ln>
@@ -10390,8 +10611,7 @@
           <a:buSzTx/>
           <a:buFontTx/>
           <a:buNone/>
-          <a:tabLst/>
-          <a:defRPr b="0" baseline="0" cap="none" i="0" spc="0" strike="noStrike" sz="1800" u="none" kumimoji="0" normalizeH="0">
+          <a:defRPr kumimoji="0" sz="1800" b="0" i="0" u="none" strike="noStrike" cap="none" spc="0" normalizeH="0" baseline="0">
             <a:ln>
               <a:noFill/>
             </a:ln>
@@ -10416,8 +10636,7 @@
           <a:buSzTx/>
           <a:buFontTx/>
           <a:buNone/>
-          <a:tabLst/>
-          <a:defRPr b="0" baseline="0" cap="none" i="0" spc="0" strike="noStrike" sz="1800" u="none" kumimoji="0" normalizeH="0">
+          <a:defRPr kumimoji="0" sz="1800" b="0" i="0" u="none" strike="noStrike" cap="none" spc="0" normalizeH="0" baseline="0">
             <a:ln>
               <a:noFill/>
             </a:ln>
@@ -10442,8 +10661,7 @@
           <a:buSzTx/>
           <a:buFontTx/>
           <a:buNone/>
-          <a:tabLst/>
-          <a:defRPr b="0" baseline="0" cap="none" i="0" spc="0" strike="noStrike" sz="1800" u="none" kumimoji="0" normalizeH="0">
+          <a:defRPr kumimoji="0" sz="1800" b="0" i="0" u="none" strike="noStrike" cap="none" spc="0" normalizeH="0" baseline="0">
             <a:ln>
               <a:noFill/>
             </a:ln>
@@ -10468,8 +10686,7 @@
           <a:buSzTx/>
           <a:buFontTx/>
           <a:buNone/>
-          <a:tabLst/>
-          <a:defRPr b="0" baseline="0" cap="none" i="0" spc="0" strike="noStrike" sz="1800" u="none" kumimoji="0" normalizeH="0">
+          <a:defRPr kumimoji="0" sz="1800" b="0" i="0" u="none" strike="noStrike" cap="none" spc="0" normalizeH="0" baseline="0">
             <a:ln>
               <a:noFill/>
             </a:ln>
@@ -10494,8 +10711,7 @@
           <a:buSzTx/>
           <a:buFontTx/>
           <a:buNone/>
-          <a:tabLst/>
-          <a:defRPr b="0" baseline="0" cap="none" i="0" spc="0" strike="noStrike" sz="1800" u="none" kumimoji="0" normalizeH="0">
+          <a:defRPr kumimoji="0" sz="1800" b="0" i="0" u="none" strike="noStrike" cap="none" spc="0" normalizeH="0" baseline="0">
             <a:ln>
               <a:noFill/>
             </a:ln>
@@ -10520,8 +10736,7 @@
           <a:buSzTx/>
           <a:buFontTx/>
           <a:buNone/>
-          <a:tabLst/>
-          <a:defRPr b="0" baseline="0" cap="none" i="0" spc="0" strike="noStrike" sz="1800" u="none" kumimoji="0" normalizeH="0">
+          <a:defRPr kumimoji="0" sz="1800" b="0" i="0" u="none" strike="noStrike" cap="none" spc="0" normalizeH="0" baseline="0">
             <a:ln>
               <a:noFill/>
             </a:ln>
@@ -10546,8 +10761,7 @@
           <a:buSzTx/>
           <a:buFontTx/>
           <a:buNone/>
-          <a:tabLst/>
-          <a:defRPr b="0" baseline="0" cap="none" i="0" spc="0" strike="noStrike" sz="1800" u="none" kumimoji="0" normalizeH="0">
+          <a:defRPr kumimoji="0" sz="1800" b="0" i="0" u="none" strike="noStrike" cap="none" spc="0" normalizeH="0" baseline="0">
             <a:ln>
               <a:noFill/>
             </a:ln>
@@ -10572,8 +10786,7 @@
           <a:buSzTx/>
           <a:buFontTx/>
           <a:buNone/>
-          <a:tabLst/>
-          <a:defRPr b="0" baseline="0" cap="none" i="0" spc="0" strike="noStrike" sz="1800" u="none" kumimoji="0" normalizeH="0">
+          <a:defRPr kumimoji="0" sz="1800" b="0" i="0" u="none" strike="noStrike" cap="none" spc="0" normalizeH="0" baseline="0">
             <a:ln>
               <a:noFill/>
             </a:ln>
@@ -10598,8 +10811,7 @@
           <a:buSzTx/>
           <a:buFontTx/>
           <a:buNone/>
-          <a:tabLst/>
-          <a:defRPr b="0" baseline="0" cap="none" i="0" spc="0" strike="noStrike" sz="1800" u="none" kumimoji="0" normalizeH="0">
+          <a:defRPr kumimoji="0" sz="1800" b="0" i="0" u="none" strike="noStrike" cap="none" spc="0" normalizeH="0" baseline="0">
             <a:ln>
               <a:noFill/>
             </a:ln>
@@ -10612,9 +10824,15 @@
         </a:lvl9pPr>
       </a:lstStyle>
       <a:style>
-        <a:lnRef idx="0"/>
-        <a:fillRef idx="0"/>
-        <a:effectRef idx="0"/>
+        <a:lnRef idx="0">
+          <a:srgbClr val="FFFFFF"/>
+        </a:lnRef>
+        <a:fillRef idx="0">
+          <a:srgbClr val="FFFFFF"/>
+        </a:fillRef>
+        <a:effectRef idx="0">
+          <a:srgbClr val="FFFFFF"/>
+        </a:effectRef>
         <a:fontRef idx="none"/>
       </a:style>
     </a:spDef>
@@ -10628,8 +10846,6 @@
           <a:prstDash val="solid"/>
           <a:miter lim="400000"/>
         </a:ln>
-        <a:effectLst/>
-        <a:sp3d/>
       </a:spPr>
       <a:bodyPr rot="0" spcFirstLastPara="1" vertOverflow="overflow" horzOverflow="overflow" vert="horz" wrap="square" lIns="91439" tIns="45719" rIns="91439" bIns="45719" numCol="1" spcCol="38100" rtlCol="0" anchor="t" upright="0">
         <a:noAutofit/>
@@ -10649,8 +10865,7 @@
           <a:buSzTx/>
           <a:buFontTx/>
           <a:buNone/>
-          <a:tabLst/>
-          <a:defRPr b="0" baseline="0" cap="none" i="0" spc="0" strike="noStrike" sz="1800" u="none" kumimoji="0" normalizeH="0">
+          <a:defRPr kumimoji="0" sz="1800" b="0" i="0" u="none" strike="noStrike" cap="none" spc="0" normalizeH="0" baseline="0">
             <a:ln>
               <a:noFill/>
             </a:ln>
@@ -10675,8 +10890,7 @@
           <a:buSzTx/>
           <a:buFontTx/>
           <a:buNone/>
-          <a:tabLst/>
-          <a:defRPr b="0" baseline="0" cap="none" i="0" spc="0" strike="noStrike" sz="1800" u="none" kumimoji="0" normalizeH="0">
+          <a:defRPr kumimoji="0" sz="1800" b="0" i="0" u="none" strike="noStrike" cap="none" spc="0" normalizeH="0" baseline="0">
             <a:ln>
               <a:noFill/>
             </a:ln>
@@ -10701,8 +10915,7 @@
           <a:buSzTx/>
           <a:buFontTx/>
           <a:buNone/>
-          <a:tabLst/>
-          <a:defRPr b="0" baseline="0" cap="none" i="0" spc="0" strike="noStrike" sz="1800" u="none" kumimoji="0" normalizeH="0">
+          <a:defRPr kumimoji="0" sz="1800" b="0" i="0" u="none" strike="noStrike" cap="none" spc="0" normalizeH="0" baseline="0">
             <a:ln>
               <a:noFill/>
             </a:ln>
@@ -10727,8 +10940,7 @@
           <a:buSzTx/>
           <a:buFontTx/>
           <a:buNone/>
-          <a:tabLst/>
-          <a:defRPr b="0" baseline="0" cap="none" i="0" spc="0" strike="noStrike" sz="1800" u="none" kumimoji="0" normalizeH="0">
+          <a:defRPr kumimoji="0" sz="1800" b="0" i="0" u="none" strike="noStrike" cap="none" spc="0" normalizeH="0" baseline="0">
             <a:ln>
               <a:noFill/>
             </a:ln>
@@ -10753,8 +10965,7 @@
           <a:buSzTx/>
           <a:buFontTx/>
           <a:buNone/>
-          <a:tabLst/>
-          <a:defRPr b="0" baseline="0" cap="none" i="0" spc="0" strike="noStrike" sz="1800" u="none" kumimoji="0" normalizeH="0">
+          <a:defRPr kumimoji="0" sz="1800" b="0" i="0" u="none" strike="noStrike" cap="none" spc="0" normalizeH="0" baseline="0">
             <a:ln>
               <a:noFill/>
             </a:ln>
@@ -10779,8 +10990,7 @@
           <a:buSzTx/>
           <a:buFontTx/>
           <a:buNone/>
-          <a:tabLst/>
-          <a:defRPr b="0" baseline="0" cap="none" i="0" spc="0" strike="noStrike" sz="1800" u="none" kumimoji="0" normalizeH="0">
+          <a:defRPr kumimoji="0" sz="1800" b="0" i="0" u="none" strike="noStrike" cap="none" spc="0" normalizeH="0" baseline="0">
             <a:ln>
               <a:noFill/>
             </a:ln>
@@ -10805,8 +11015,7 @@
           <a:buSzTx/>
           <a:buFontTx/>
           <a:buNone/>
-          <a:tabLst/>
-          <a:defRPr b="0" baseline="0" cap="none" i="0" spc="0" strike="noStrike" sz="1800" u="none" kumimoji="0" normalizeH="0">
+          <a:defRPr kumimoji="0" sz="1800" b="0" i="0" u="none" strike="noStrike" cap="none" spc="0" normalizeH="0" baseline="0">
             <a:ln>
               <a:noFill/>
             </a:ln>
@@ -10831,8 +11040,7 @@
           <a:buSzTx/>
           <a:buFontTx/>
           <a:buNone/>
-          <a:tabLst/>
-          <a:defRPr b="0" baseline="0" cap="none" i="0" spc="0" strike="noStrike" sz="1800" u="none" kumimoji="0" normalizeH="0">
+          <a:defRPr kumimoji="0" sz="1800" b="0" i="0" u="none" strike="noStrike" cap="none" spc="0" normalizeH="0" baseline="0">
             <a:ln>
               <a:noFill/>
             </a:ln>
@@ -10857,8 +11065,7 @@
           <a:buSzTx/>
           <a:buFontTx/>
           <a:buNone/>
-          <a:tabLst/>
-          <a:defRPr b="0" baseline="0" cap="none" i="0" spc="0" strike="noStrike" sz="1800" u="none" kumimoji="0" normalizeH="0">
+          <a:defRPr kumimoji="0" sz="1800" b="0" i="0" u="none" strike="noStrike" cap="none" spc="0" normalizeH="0" baseline="0">
             <a:ln>
               <a:noFill/>
             </a:ln>
@@ -10883,8 +11090,7 @@
           <a:buSzTx/>
           <a:buFontTx/>
           <a:buNone/>
-          <a:tabLst/>
-          <a:defRPr b="0" baseline="0" cap="none" i="0" spc="0" strike="noStrike" sz="1800" u="none" kumimoji="0" normalizeH="0">
+          <a:defRPr kumimoji="0" sz="1800" b="0" i="0" u="none" strike="noStrike" cap="none" spc="0" normalizeH="0" baseline="0">
             <a:ln>
               <a:noFill/>
             </a:ln>
@@ -10897,9 +11103,15 @@
         </a:lvl9pPr>
       </a:lstStyle>
       <a:style>
-        <a:lnRef idx="0"/>
-        <a:fillRef idx="0"/>
-        <a:effectRef idx="0"/>
+        <a:lnRef idx="0">
+          <a:srgbClr val="FFFFFF"/>
+        </a:lnRef>
+        <a:fillRef idx="0">
+          <a:srgbClr val="FFFFFF"/>
+        </a:fillRef>
+        <a:effectRef idx="0">
+          <a:srgbClr val="FFFFFF"/>
+        </a:effectRef>
         <a:fontRef idx="none"/>
       </a:style>
     </a:lnDef>
@@ -10910,8 +11122,6 @@
           <a:noFill/>
           <a:miter lim="400000"/>
         </a:ln>
-        <a:effectLst/>
-        <a:sp3d/>
       </a:spPr>
       <a:bodyPr rot="0" spcFirstLastPara="1" vertOverflow="overflow" horzOverflow="overflow" vert="horz" wrap="square" lIns="50800" tIns="50800" rIns="50800" bIns="50800" numCol="1" spcCol="38100" rtlCol="0" anchor="ctr" upright="0">
         <a:spAutoFit/>
@@ -10931,8 +11141,7 @@
           <a:buSzTx/>
           <a:buFontTx/>
           <a:buNone/>
-          <a:tabLst/>
-          <a:defRPr b="0" baseline="0" cap="none" i="0" spc="0" strike="noStrike" sz="5000" u="none" kumimoji="0" normalizeH="0">
+          <a:defRPr kumimoji="0" sz="5000" b="0" i="0" u="none" strike="noStrike" cap="none" spc="0" normalizeH="0" baseline="0">
             <a:ln>
               <a:noFill/>
             </a:ln>
@@ -10961,8 +11170,7 @@
           <a:buSzTx/>
           <a:buFontTx/>
           <a:buNone/>
-          <a:tabLst/>
-          <a:defRPr b="0" baseline="0" cap="none" i="0" spc="0" strike="noStrike" sz="1800" u="none" kumimoji="0" normalizeH="0">
+          <a:defRPr kumimoji="0" sz="1800" b="0" i="0" u="none" strike="noStrike" cap="none" spc="0" normalizeH="0" baseline="0">
             <a:ln>
               <a:noFill/>
             </a:ln>
@@ -10987,8 +11195,7 @@
           <a:buSzTx/>
           <a:buFontTx/>
           <a:buNone/>
-          <a:tabLst/>
-          <a:defRPr b="0" baseline="0" cap="none" i="0" spc="0" strike="noStrike" sz="1800" u="none" kumimoji="0" normalizeH="0">
+          <a:defRPr kumimoji="0" sz="1800" b="0" i="0" u="none" strike="noStrike" cap="none" spc="0" normalizeH="0" baseline="0">
             <a:ln>
               <a:noFill/>
             </a:ln>
@@ -11013,8 +11220,7 @@
           <a:buSzTx/>
           <a:buFontTx/>
           <a:buNone/>
-          <a:tabLst/>
-          <a:defRPr b="0" baseline="0" cap="none" i="0" spc="0" strike="noStrike" sz="1800" u="none" kumimoji="0" normalizeH="0">
+          <a:defRPr kumimoji="0" sz="1800" b="0" i="0" u="none" strike="noStrike" cap="none" spc="0" normalizeH="0" baseline="0">
             <a:ln>
               <a:noFill/>
             </a:ln>
@@ -11039,8 +11245,7 @@
           <a:buSzTx/>
           <a:buFontTx/>
           <a:buNone/>
-          <a:tabLst/>
-          <a:defRPr b="0" baseline="0" cap="none" i="0" spc="0" strike="noStrike" sz="1800" u="none" kumimoji="0" normalizeH="0">
+          <a:defRPr kumimoji="0" sz="1800" b="0" i="0" u="none" strike="noStrike" cap="none" spc="0" normalizeH="0" baseline="0">
             <a:ln>
               <a:noFill/>
             </a:ln>
@@ -11065,8 +11270,7 @@
           <a:buSzTx/>
           <a:buFontTx/>
           <a:buNone/>
-          <a:tabLst/>
-          <a:defRPr b="0" baseline="0" cap="none" i="0" spc="0" strike="noStrike" sz="1800" u="none" kumimoji="0" normalizeH="0">
+          <a:defRPr kumimoji="0" sz="1800" b="0" i="0" u="none" strike="noStrike" cap="none" spc="0" normalizeH="0" baseline="0">
             <a:ln>
               <a:noFill/>
             </a:ln>
@@ -11091,8 +11295,7 @@
           <a:buSzTx/>
           <a:buFontTx/>
           <a:buNone/>
-          <a:tabLst/>
-          <a:defRPr b="0" baseline="0" cap="none" i="0" spc="0" strike="noStrike" sz="1800" u="none" kumimoji="0" normalizeH="0">
+          <a:defRPr kumimoji="0" sz="1800" b="0" i="0" u="none" strike="noStrike" cap="none" spc="0" normalizeH="0" baseline="0">
             <a:ln>
               <a:noFill/>
             </a:ln>
@@ -11117,8 +11320,7 @@
           <a:buSzTx/>
           <a:buFontTx/>
           <a:buNone/>
-          <a:tabLst/>
-          <a:defRPr b="0" baseline="0" cap="none" i="0" spc="0" strike="noStrike" sz="1800" u="none" kumimoji="0" normalizeH="0">
+          <a:defRPr kumimoji="0" sz="1800" b="0" i="0" u="none" strike="noStrike" cap="none" spc="0" normalizeH="0" baseline="0">
             <a:ln>
               <a:noFill/>
             </a:ln>
@@ -11143,8 +11345,7 @@
           <a:buSzTx/>
           <a:buFontTx/>
           <a:buNone/>
-          <a:tabLst/>
-          <a:defRPr b="0" baseline="0" cap="none" i="0" spc="0" strike="noStrike" sz="1800" u="none" kumimoji="0" normalizeH="0">
+          <a:defRPr kumimoji="0" sz="1800" b="0" i="0" u="none" strike="noStrike" cap="none" spc="0" normalizeH="0" baseline="0">
             <a:ln>
               <a:noFill/>
             </a:ln>
@@ -11169,8 +11370,7 @@
           <a:buSzTx/>
           <a:buFontTx/>
           <a:buNone/>
-          <a:tabLst/>
-          <a:defRPr b="0" baseline="0" cap="none" i="0" spc="0" strike="noStrike" sz="1800" u="none" kumimoji="0" normalizeH="0">
+          <a:defRPr kumimoji="0" sz="1800" b="0" i="0" u="none" strike="noStrike" cap="none" spc="0" normalizeH="0" baseline="0">
             <a:ln>
               <a:noFill/>
             </a:ln>
@@ -11183,12 +11383,23 @@
         </a:lvl9pPr>
       </a:lstStyle>
       <a:style>
-        <a:lnRef idx="0"/>
-        <a:fillRef idx="0"/>
-        <a:effectRef idx="0"/>
+        <a:lnRef idx="0">
+          <a:srgbClr val="FFFFFF"/>
+        </a:lnRef>
+        <a:fillRef idx="0">
+          <a:srgbClr val="FFFFFF"/>
+        </a:fillRef>
+        <a:effectRef idx="0">
+          <a:srgbClr val="FFFFFF"/>
+        </a:effectRef>
         <a:fontRef idx="none"/>
       </a:style>
     </a:txDef>
   </a:objectDefaults>
+  <a:extLst>
+    <a:ext uri="{05A4C25C-085E-4340-85A3-A5531E510DB2}">
+      <thm15:themeFamily xmlns:thm15="http://schemas.microsoft.com/office/thememl/2012/main" name="Office Theme" id="{62F939B6-93AF-4DB8-9C6B-D6C7DFDC589F}" vid="{4A3C46E8-61CC-4603-A589-7422A47A8E4A}"/>
+    </a:ext>
+  </a:extLst>
 </a:theme>
 </file>